--- a/Lectures/cse220-14b-command-line-arguments.pptx
+++ b/Lectures/cse220-14b-command-line-arguments.pptx
@@ -5,7 +5,7 @@
     <p:sldMasterId id="2147483690" r:id="rId1"/>
   </p:sldMasterIdLst>
   <p:notesMasterIdLst>
-    <p:notesMasterId r:id="rId16"/>
+    <p:notesMasterId r:id="rId15"/>
   </p:notesMasterIdLst>
   <p:sldIdLst>
     <p:sldId id="531" r:id="rId2"/>
@@ -20,8 +20,7 @@
     <p:sldId id="540" r:id="rId11"/>
     <p:sldId id="541" r:id="rId12"/>
     <p:sldId id="542" r:id="rId13"/>
-    <p:sldId id="527" r:id="rId14"/>
-    <p:sldId id="543" r:id="rId15"/>
+    <p:sldId id="543" r:id="rId14"/>
   </p:sldIdLst>
   <p:sldSz cx="9144000" cy="6858000" type="screen4x3"/>
   <p:notesSz cx="7315200" cy="9601200"/>
@@ -222,7 +221,7 @@
             <a:fld id="{5FFCA113-0588-4274-BF6F-5C1EF80E94D3}" type="datetimeFigureOut">
               <a:rPr lang="en-US" smtClean="0"/>
               <a:pPr/>
-              <a:t>10/31/16</a:t>
+              <a:t>11/16/20</a:t>
             </a:fld>
             <a:endParaRPr lang="en-US"/>
           </a:p>
@@ -288,38 +287,37 @@
           <a:p>
             <a:pPr lvl="0"/>
             <a:r>
-              <a:rPr lang="en-US" smtClean="0"/>
+              <a:rPr lang="en-US"/>
               <a:t>Click to edit Master text styles</a:t>
             </a:r>
           </a:p>
           <a:p>
             <a:pPr lvl="1"/>
             <a:r>
-              <a:rPr lang="en-US" smtClean="0"/>
+              <a:rPr lang="en-US"/>
               <a:t>Second level</a:t>
             </a:r>
           </a:p>
           <a:p>
             <a:pPr lvl="2"/>
             <a:r>
-              <a:rPr lang="en-US" smtClean="0"/>
+              <a:rPr lang="en-US"/>
               <a:t>Third level</a:t>
             </a:r>
           </a:p>
           <a:p>
             <a:pPr lvl="3"/>
             <a:r>
-              <a:rPr lang="en-US" smtClean="0"/>
+              <a:rPr lang="en-US"/>
               <a:t>Fourth level</a:t>
             </a:r>
           </a:p>
           <a:p>
             <a:pPr lvl="4"/>
             <a:r>
-              <a:rPr lang="en-US" smtClean="0"/>
+              <a:rPr lang="en-US"/>
               <a:t>Fifth level</a:t>
             </a:r>
-            <a:endParaRPr lang="en-US"/>
           </a:p>
         </p:txBody>
       </p:sp>
@@ -639,7 +637,7 @@
           </a:lstStyle>
           <a:p>
             <a:r>
-              <a:rPr lang="en-US" smtClean="0"/>
+              <a:rPr lang="en-US"/>
               <a:t>Click to edit Master title style</a:t>
             </a:r>
             <a:endParaRPr lang="en-US" dirty="0"/>
@@ -712,7 +710,7 @@
           </a:lstStyle>
           <a:p>
             <a:r>
-              <a:rPr lang="en-US" smtClean="0"/>
+              <a:rPr lang="en-US"/>
               <a:t>Click to edit Master subtitle style</a:t>
             </a:r>
             <a:endParaRPr lang="en-US" dirty="0"/>
@@ -785,7 +783,7 @@
           <a:p>
             <a:fld id="{33F808F0-913D-477A-9CA6-F18B965E45CF}" type="datetime1">
               <a:rPr lang="en-US" smtClean="0"/>
-              <a:t>10/31/16</a:t>
+              <a:t>11/16/20</a:t>
             </a:fld>
             <a:endParaRPr lang="en-US"/>
           </a:p>
@@ -818,7 +816,7 @@
           </a:lstStyle>
           <a:p>
             <a:r>
-              <a:rPr lang="nb-NO" smtClean="0"/>
+              <a:rPr lang="nb-NO"/>
               <a:t>CSE 220 - C Programming | Dr. Fatme El-Moukaddem</a:t>
             </a:r>
             <a:endParaRPr lang="en-US"/>
@@ -911,7 +909,7 @@
           <a:lstStyle/>
           <a:p>
             <a:r>
-              <a:rPr lang="en-US" smtClean="0"/>
+              <a:rPr lang="en-US"/>
               <a:t>Click to edit Master title style</a:t>
             </a:r>
             <a:endParaRPr lang="en-US" dirty="0"/>
@@ -935,35 +933,35 @@
           <a:p>
             <a:pPr lvl="0"/>
             <a:r>
-              <a:rPr lang="en-US" smtClean="0"/>
+              <a:rPr lang="en-US"/>
               <a:t>Click to edit Master text styles</a:t>
             </a:r>
           </a:p>
           <a:p>
             <a:pPr lvl="1"/>
             <a:r>
-              <a:rPr lang="en-US" smtClean="0"/>
+              <a:rPr lang="en-US"/>
               <a:t>Second level</a:t>
             </a:r>
           </a:p>
           <a:p>
             <a:pPr lvl="2"/>
             <a:r>
-              <a:rPr lang="en-US" smtClean="0"/>
+              <a:rPr lang="en-US"/>
               <a:t>Third level</a:t>
             </a:r>
           </a:p>
           <a:p>
             <a:pPr lvl="3"/>
             <a:r>
-              <a:rPr lang="en-US" smtClean="0"/>
+              <a:rPr lang="en-US"/>
               <a:t>Fourth level</a:t>
             </a:r>
           </a:p>
           <a:p>
             <a:pPr lvl="4"/>
             <a:r>
-              <a:rPr lang="en-US" smtClean="0"/>
+              <a:rPr lang="en-US"/>
               <a:t>Fifth level</a:t>
             </a:r>
             <a:endParaRPr lang="en-US" dirty="0"/>
@@ -987,7 +985,7 @@
           <a:p>
             <a:fld id="{F876455D-377A-4D1E-B670-E39358B7E717}" type="datetime1">
               <a:rPr lang="en-US" smtClean="0"/>
-              <a:t>10/31/16</a:t>
+              <a:t>11/16/20</a:t>
             </a:fld>
             <a:endParaRPr lang="en-US"/>
           </a:p>
@@ -1009,7 +1007,7 @@
           <a:lstStyle/>
           <a:p>
             <a:r>
-              <a:rPr lang="nb-NO" smtClean="0"/>
+              <a:rPr lang="nb-NO"/>
               <a:t>CSE 220 - C Programming | Dr. Fatme El-Moukaddem</a:t>
             </a:r>
             <a:endParaRPr lang="en-US"/>
@@ -1091,7 +1089,7 @@
           <a:lstStyle/>
           <a:p>
             <a:r>
-              <a:rPr lang="en-US" smtClean="0"/>
+              <a:rPr lang="en-US"/>
               <a:t>Click to edit Master title style</a:t>
             </a:r>
             <a:endParaRPr lang="en-US" dirty="0"/>
@@ -1120,35 +1118,35 @@
           <a:p>
             <a:pPr lvl="0"/>
             <a:r>
-              <a:rPr lang="en-US" smtClean="0"/>
+              <a:rPr lang="en-US"/>
               <a:t>Click to edit Master text styles</a:t>
             </a:r>
           </a:p>
           <a:p>
             <a:pPr lvl="1"/>
             <a:r>
-              <a:rPr lang="en-US" smtClean="0"/>
+              <a:rPr lang="en-US"/>
               <a:t>Second level</a:t>
             </a:r>
           </a:p>
           <a:p>
             <a:pPr lvl="2"/>
             <a:r>
-              <a:rPr lang="en-US" smtClean="0"/>
+              <a:rPr lang="en-US"/>
               <a:t>Third level</a:t>
             </a:r>
           </a:p>
           <a:p>
             <a:pPr lvl="3"/>
             <a:r>
-              <a:rPr lang="en-US" smtClean="0"/>
+              <a:rPr lang="en-US"/>
               <a:t>Fourth level</a:t>
             </a:r>
           </a:p>
           <a:p>
             <a:pPr lvl="4"/>
             <a:r>
-              <a:rPr lang="en-US" smtClean="0"/>
+              <a:rPr lang="en-US"/>
               <a:t>Fifth level</a:t>
             </a:r>
             <a:endParaRPr lang="en-US" dirty="0"/>
@@ -1172,7 +1170,7 @@
           <a:p>
             <a:fld id="{D0B4FA99-918F-4F8A-B9C1-3067B0137FB2}" type="datetime1">
               <a:rPr lang="en-US" smtClean="0"/>
-              <a:t>10/31/16</a:t>
+              <a:t>11/16/20</a:t>
             </a:fld>
             <a:endParaRPr lang="en-US"/>
           </a:p>
@@ -1194,7 +1192,7 @@
           <a:lstStyle/>
           <a:p>
             <a:r>
-              <a:rPr lang="nb-NO" smtClean="0"/>
+              <a:rPr lang="nb-NO"/>
               <a:t>CSE 220 - C Programming | Dr. Fatme El-Moukaddem</a:t>
             </a:r>
             <a:endParaRPr lang="en-US"/>
@@ -1276,7 +1274,7 @@
           <a:lstStyle/>
           <a:p>
             <a:r>
-              <a:rPr lang="en-US" smtClean="0"/>
+              <a:rPr lang="en-US"/>
               <a:t>Click to edit Master title style</a:t>
             </a:r>
             <a:endParaRPr lang="en-US" dirty="0"/>
@@ -1300,35 +1298,35 @@
           <a:p>
             <a:pPr lvl="0"/>
             <a:r>
-              <a:rPr lang="en-US" smtClean="0"/>
+              <a:rPr lang="en-US"/>
               <a:t>Click to edit Master text styles</a:t>
             </a:r>
           </a:p>
           <a:p>
             <a:pPr lvl="1"/>
             <a:r>
-              <a:rPr lang="en-US" smtClean="0"/>
+              <a:rPr lang="en-US"/>
               <a:t>Second level</a:t>
             </a:r>
           </a:p>
           <a:p>
             <a:pPr lvl="2"/>
             <a:r>
-              <a:rPr lang="en-US" smtClean="0"/>
+              <a:rPr lang="en-US"/>
               <a:t>Third level</a:t>
             </a:r>
           </a:p>
           <a:p>
             <a:pPr lvl="3"/>
             <a:r>
-              <a:rPr lang="en-US" smtClean="0"/>
+              <a:rPr lang="en-US"/>
               <a:t>Fourth level</a:t>
             </a:r>
           </a:p>
           <a:p>
             <a:pPr lvl="4"/>
             <a:r>
-              <a:rPr lang="en-US" smtClean="0"/>
+              <a:rPr lang="en-US"/>
               <a:t>Fifth level</a:t>
             </a:r>
             <a:endParaRPr lang="en-US" dirty="0"/>
@@ -1352,7 +1350,7 @@
           <a:p>
             <a:fld id="{63934DF3-3970-42FB-90D2-A9B99EA4895D}" type="datetime1">
               <a:rPr lang="en-US" smtClean="0"/>
-              <a:t>10/31/16</a:t>
+              <a:t>11/16/20</a:t>
             </a:fld>
             <a:endParaRPr lang="en-US" dirty="0"/>
           </a:p>
@@ -1461,7 +1459,7 @@
           </a:lstStyle>
           <a:p>
             <a:r>
-              <a:rPr lang="en-US" smtClean="0"/>
+              <a:rPr lang="en-US"/>
               <a:t>Click to edit Master title style</a:t>
             </a:r>
             <a:endParaRPr lang="en-US" dirty="0"/>
@@ -1584,7 +1582,7 @@
           <a:p>
             <a:pPr lvl="0"/>
             <a:r>
-              <a:rPr lang="en-US" smtClean="0"/>
+              <a:rPr lang="en-US"/>
               <a:t>Click to edit Master text styles</a:t>
             </a:r>
           </a:p>
@@ -1607,7 +1605,7 @@
           <a:p>
             <a:fld id="{D5B9A1E4-22D3-42A9-8BE0-61674E6AF57E}" type="datetime1">
               <a:rPr lang="en-US" smtClean="0"/>
-              <a:t>10/31/16</a:t>
+              <a:t>11/16/20</a:t>
             </a:fld>
             <a:endParaRPr lang="en-US"/>
           </a:p>
@@ -1629,7 +1627,7 @@
           <a:lstStyle/>
           <a:p>
             <a:r>
-              <a:rPr lang="nb-NO" smtClean="0"/>
+              <a:rPr lang="nb-NO"/>
               <a:t>CSE 220 - C Programming | Dr. Fatme El-Moukaddem</a:t>
             </a:r>
             <a:endParaRPr lang="en-US"/>
@@ -1749,7 +1747,7 @@
           <a:lstStyle/>
           <a:p>
             <a:r>
-              <a:rPr lang="en-US" smtClean="0"/>
+              <a:rPr lang="en-US"/>
               <a:t>Click to edit Master title style</a:t>
             </a:r>
             <a:endParaRPr lang="en-US" dirty="0"/>
@@ -1806,35 +1804,35 @@
           <a:p>
             <a:pPr lvl="0"/>
             <a:r>
-              <a:rPr lang="en-US" smtClean="0"/>
+              <a:rPr lang="en-US"/>
               <a:t>Click to edit Master text styles</a:t>
             </a:r>
           </a:p>
           <a:p>
             <a:pPr lvl="1"/>
             <a:r>
-              <a:rPr lang="en-US" smtClean="0"/>
+              <a:rPr lang="en-US"/>
               <a:t>Second level</a:t>
             </a:r>
           </a:p>
           <a:p>
             <a:pPr lvl="2"/>
             <a:r>
-              <a:rPr lang="en-US" smtClean="0"/>
+              <a:rPr lang="en-US"/>
               <a:t>Third level</a:t>
             </a:r>
           </a:p>
           <a:p>
             <a:pPr lvl="3"/>
             <a:r>
-              <a:rPr lang="en-US" smtClean="0"/>
+              <a:rPr lang="en-US"/>
               <a:t>Fourth level</a:t>
             </a:r>
           </a:p>
           <a:p>
             <a:pPr lvl="4"/>
             <a:r>
-              <a:rPr lang="en-US" smtClean="0"/>
+              <a:rPr lang="en-US"/>
               <a:t>Fifth level</a:t>
             </a:r>
             <a:endParaRPr lang="en-US" dirty="0"/>
@@ -1891,35 +1889,35 @@
           <a:p>
             <a:pPr lvl="0"/>
             <a:r>
-              <a:rPr lang="en-US" smtClean="0"/>
+              <a:rPr lang="en-US"/>
               <a:t>Click to edit Master text styles</a:t>
             </a:r>
           </a:p>
           <a:p>
             <a:pPr lvl="1"/>
             <a:r>
-              <a:rPr lang="en-US" smtClean="0"/>
+              <a:rPr lang="en-US"/>
               <a:t>Second level</a:t>
             </a:r>
           </a:p>
           <a:p>
             <a:pPr lvl="2"/>
             <a:r>
-              <a:rPr lang="en-US" smtClean="0"/>
+              <a:rPr lang="en-US"/>
               <a:t>Third level</a:t>
             </a:r>
           </a:p>
           <a:p>
             <a:pPr lvl="3"/>
             <a:r>
-              <a:rPr lang="en-US" smtClean="0"/>
+              <a:rPr lang="en-US"/>
               <a:t>Fourth level</a:t>
             </a:r>
           </a:p>
           <a:p>
             <a:pPr lvl="4"/>
             <a:r>
-              <a:rPr lang="en-US" smtClean="0"/>
+              <a:rPr lang="en-US"/>
               <a:t>Fifth level</a:t>
             </a:r>
             <a:endParaRPr lang="en-US" dirty="0"/>
@@ -1943,7 +1941,7 @@
           <a:p>
             <a:fld id="{024F3097-9EFE-4D82-AC52-9D1E9CD75C0B}" type="datetime1">
               <a:rPr lang="en-US" smtClean="0"/>
-              <a:t>10/31/16</a:t>
+              <a:t>11/16/20</a:t>
             </a:fld>
             <a:endParaRPr lang="en-US" dirty="0"/>
           </a:p>
@@ -1966,7 +1964,7 @@
           <a:p>
             <a:pPr algn="r"/>
             <a:r>
-              <a:rPr lang="nb-NO" smtClean="0"/>
+              <a:rPr lang="nb-NO"/>
               <a:t>CSE 220 - C Programming | Dr. Fatme El-Moukaddem</a:t>
             </a:r>
             <a:endParaRPr lang="en-US" dirty="0"/>
@@ -2044,7 +2042,7 @@
           <a:lstStyle/>
           <a:p>
             <a:r>
-              <a:rPr lang="en-US" smtClean="0"/>
+              <a:rPr lang="en-US"/>
               <a:t>Click to edit Master title style</a:t>
             </a:r>
             <a:endParaRPr lang="en-US" dirty="0"/>
@@ -2119,7 +2117,7 @@
           <a:p>
             <a:pPr lvl="0"/>
             <a:r>
-              <a:rPr lang="en-US" smtClean="0"/>
+              <a:rPr lang="en-US"/>
               <a:t>Click to edit Master text styles</a:t>
             </a:r>
           </a:p>
@@ -2175,35 +2173,35 @@
           <a:p>
             <a:pPr lvl="0"/>
             <a:r>
-              <a:rPr lang="en-US" smtClean="0"/>
+              <a:rPr lang="en-US"/>
               <a:t>Click to edit Master text styles</a:t>
             </a:r>
           </a:p>
           <a:p>
             <a:pPr lvl="1"/>
             <a:r>
-              <a:rPr lang="en-US" smtClean="0"/>
+              <a:rPr lang="en-US"/>
               <a:t>Second level</a:t>
             </a:r>
           </a:p>
           <a:p>
             <a:pPr lvl="2"/>
             <a:r>
-              <a:rPr lang="en-US" smtClean="0"/>
+              <a:rPr lang="en-US"/>
               <a:t>Third level</a:t>
             </a:r>
           </a:p>
           <a:p>
             <a:pPr lvl="3"/>
             <a:r>
-              <a:rPr lang="en-US" smtClean="0"/>
+              <a:rPr lang="en-US"/>
               <a:t>Fourth level</a:t>
             </a:r>
           </a:p>
           <a:p>
             <a:pPr lvl="4"/>
             <a:r>
-              <a:rPr lang="en-US" smtClean="0"/>
+              <a:rPr lang="en-US"/>
               <a:t>Fifth level</a:t>
             </a:r>
             <a:endParaRPr lang="en-US" dirty="0"/>
@@ -2262,7 +2260,7 @@
               <a:buNone/>
             </a:pPr>
             <a:r>
-              <a:rPr lang="en-US" smtClean="0"/>
+              <a:rPr lang="en-US"/>
               <a:t>Click to edit Master text styles</a:t>
             </a:r>
           </a:p>
@@ -2318,35 +2316,35 @@
           <a:p>
             <a:pPr lvl="0"/>
             <a:r>
-              <a:rPr lang="en-US" smtClean="0"/>
+              <a:rPr lang="en-US"/>
               <a:t>Click to edit Master text styles</a:t>
             </a:r>
           </a:p>
           <a:p>
             <a:pPr lvl="1"/>
             <a:r>
-              <a:rPr lang="en-US" smtClean="0"/>
+              <a:rPr lang="en-US"/>
               <a:t>Second level</a:t>
             </a:r>
           </a:p>
           <a:p>
             <a:pPr lvl="2"/>
             <a:r>
-              <a:rPr lang="en-US" smtClean="0"/>
+              <a:rPr lang="en-US"/>
               <a:t>Third level</a:t>
             </a:r>
           </a:p>
           <a:p>
             <a:pPr lvl="3"/>
             <a:r>
-              <a:rPr lang="en-US" smtClean="0"/>
+              <a:rPr lang="en-US"/>
               <a:t>Fourth level</a:t>
             </a:r>
           </a:p>
           <a:p>
             <a:pPr lvl="4"/>
             <a:r>
-              <a:rPr lang="en-US" smtClean="0"/>
+              <a:rPr lang="en-US"/>
               <a:t>Fifth level</a:t>
             </a:r>
             <a:endParaRPr lang="en-US" dirty="0"/>
@@ -2370,7 +2368,7 @@
           <a:p>
             <a:fld id="{1F2D1777-7662-4FEC-BEC3-810ADE438E61}" type="datetime1">
               <a:rPr lang="en-US" smtClean="0"/>
-              <a:t>10/31/16</a:t>
+              <a:t>11/16/20</a:t>
             </a:fld>
             <a:endParaRPr lang="en-US"/>
           </a:p>
@@ -2392,7 +2390,7 @@
           <a:lstStyle/>
           <a:p>
             <a:r>
-              <a:rPr lang="nb-NO" smtClean="0"/>
+              <a:rPr lang="nb-NO"/>
               <a:t>CSE 220 - C Programming | Dr. Fatme El-Moukaddem</a:t>
             </a:r>
             <a:endParaRPr lang="en-US"/>
@@ -2469,7 +2467,7 @@
           <a:lstStyle/>
           <a:p>
             <a:r>
-              <a:rPr lang="en-US" smtClean="0"/>
+              <a:rPr lang="en-US"/>
               <a:t>Click to edit Master title style</a:t>
             </a:r>
             <a:endParaRPr lang="en-US" dirty="0"/>
@@ -2493,7 +2491,7 @@
           <a:p>
             <a:fld id="{8B3A19C1-2605-4D7A-B7AE-B9C46F829AB4}" type="datetime1">
               <a:rPr lang="en-US" smtClean="0"/>
-              <a:t>10/31/16</a:t>
+              <a:t>11/16/20</a:t>
             </a:fld>
             <a:endParaRPr lang="en-US"/>
           </a:p>
@@ -2515,7 +2513,7 @@
           <a:lstStyle/>
           <a:p>
             <a:r>
-              <a:rPr lang="nb-NO" smtClean="0"/>
+              <a:rPr lang="nb-NO"/>
               <a:t>CSE 220 - C Programming | Dr. Fatme El-Moukaddem</a:t>
             </a:r>
             <a:endParaRPr lang="en-US"/>
@@ -2593,7 +2591,7 @@
           <a:p>
             <a:fld id="{7F3EB4FF-F681-4C4B-B5A3-2E84619FD695}" type="datetime1">
               <a:rPr lang="en-US" smtClean="0"/>
-              <a:t>10/31/16</a:t>
+              <a:t>11/16/20</a:t>
             </a:fld>
             <a:endParaRPr lang="en-US"/>
           </a:p>
@@ -2615,7 +2613,7 @@
           <a:lstStyle/>
           <a:p>
             <a:r>
-              <a:rPr lang="nb-NO" smtClean="0"/>
+              <a:rPr lang="nb-NO"/>
               <a:t>CSE 220 - C Programming | Dr. Fatme El-Moukaddem</a:t>
             </a:r>
             <a:endParaRPr lang="en-US"/>
@@ -2703,7 +2701,7 @@
           </a:lstStyle>
           <a:p>
             <a:r>
-              <a:rPr lang="en-US" smtClean="0"/>
+              <a:rPr lang="en-US"/>
               <a:t>Click to edit Master title style</a:t>
             </a:r>
             <a:endParaRPr lang="en-US" dirty="0"/>
@@ -2760,35 +2758,35 @@
           <a:p>
             <a:pPr lvl="0"/>
             <a:r>
-              <a:rPr lang="en-US" smtClean="0"/>
+              <a:rPr lang="en-US"/>
               <a:t>Click to edit Master text styles</a:t>
             </a:r>
           </a:p>
           <a:p>
             <a:pPr lvl="1"/>
             <a:r>
-              <a:rPr lang="en-US" smtClean="0"/>
+              <a:rPr lang="en-US"/>
               <a:t>Second level</a:t>
             </a:r>
           </a:p>
           <a:p>
             <a:pPr lvl="2"/>
             <a:r>
-              <a:rPr lang="en-US" smtClean="0"/>
+              <a:rPr lang="en-US"/>
               <a:t>Third level</a:t>
             </a:r>
           </a:p>
           <a:p>
             <a:pPr lvl="3"/>
             <a:r>
-              <a:rPr lang="en-US" smtClean="0"/>
+              <a:rPr lang="en-US"/>
               <a:t>Fourth level</a:t>
             </a:r>
           </a:p>
           <a:p>
             <a:pPr lvl="4"/>
             <a:r>
-              <a:rPr lang="en-US" smtClean="0"/>
+              <a:rPr lang="en-US"/>
               <a:t>Fifth level</a:t>
             </a:r>
             <a:endParaRPr lang="en-US" dirty="0"/>
@@ -2862,7 +2860,7 @@
           <a:p>
             <a:pPr lvl="0"/>
             <a:r>
-              <a:rPr lang="en-US" smtClean="0"/>
+              <a:rPr lang="en-US"/>
               <a:t>Click to edit Master text styles</a:t>
             </a:r>
           </a:p>
@@ -2885,7 +2883,7 @@
           <a:p>
             <a:fld id="{789FCD9B-598C-4B8C-9A44-38ABFA66C3CA}" type="datetime1">
               <a:rPr lang="en-US" smtClean="0"/>
-              <a:t>10/31/16</a:t>
+              <a:t>11/16/20</a:t>
             </a:fld>
             <a:endParaRPr lang="en-US"/>
           </a:p>
@@ -2907,7 +2905,7 @@
           <a:lstStyle/>
           <a:p>
             <a:r>
-              <a:rPr lang="nb-NO" smtClean="0"/>
+              <a:rPr lang="nb-NO"/>
               <a:t>CSE 220 - C Programming | Dr. Fatme El-Moukaddem</a:t>
             </a:r>
             <a:endParaRPr lang="en-US"/>
@@ -3037,7 +3035,7 @@
           </a:lstStyle>
           <a:p>
             <a:r>
-              <a:rPr lang="en-US" smtClean="0"/>
+              <a:rPr lang="en-US"/>
               <a:t>Click to edit Master title style</a:t>
             </a:r>
             <a:endParaRPr lang="en-US" dirty="0"/>
@@ -3112,7 +3110,7 @@
           </a:lstStyle>
           <a:p>
             <a:r>
-              <a:rPr lang="en-US" smtClean="0"/>
+              <a:rPr lang="en-US"/>
               <a:t>Drag picture to placeholder or click icon to add</a:t>
             </a:r>
             <a:endParaRPr lang="en-US" dirty="0"/>
@@ -3192,7 +3190,7 @@
           <a:p>
             <a:pPr lvl="0"/>
             <a:r>
-              <a:rPr lang="en-US" smtClean="0"/>
+              <a:rPr lang="en-US"/>
               <a:t>Click to edit Master text styles</a:t>
             </a:r>
           </a:p>
@@ -3215,7 +3213,7 @@
           <a:p>
             <a:fld id="{12B69455-5397-4708-A123-B7BEC8168560}" type="datetime1">
               <a:rPr lang="en-US" smtClean="0"/>
-              <a:t>10/31/16</a:t>
+              <a:t>11/16/20</a:t>
             </a:fld>
             <a:endParaRPr lang="en-US"/>
           </a:p>
@@ -3237,7 +3235,7 @@
           <a:lstStyle/>
           <a:p>
             <a:r>
-              <a:rPr lang="nb-NO" smtClean="0"/>
+              <a:rPr lang="nb-NO"/>
               <a:t>CSE 220 - C Programming | Dr. Fatme El-Moukaddem</a:t>
             </a:r>
             <a:endParaRPr lang="en-US"/>
@@ -3369,7 +3367,7 @@
           <a:lstStyle/>
           <a:p>
             <a:r>
-              <a:rPr lang="en-US" smtClean="0"/>
+              <a:rPr lang="en-US"/>
               <a:t>Click to edit Master title style</a:t>
             </a:r>
             <a:endParaRPr lang="en-US" dirty="0"/>
@@ -3403,35 +3401,35 @@
           <a:p>
             <a:pPr lvl="0"/>
             <a:r>
-              <a:rPr lang="en-US" smtClean="0"/>
+              <a:rPr lang="en-US"/>
               <a:t>Click to edit Master text styles</a:t>
             </a:r>
           </a:p>
           <a:p>
             <a:pPr lvl="1"/>
             <a:r>
-              <a:rPr lang="en-US" smtClean="0"/>
+              <a:rPr lang="en-US"/>
               <a:t>Second level</a:t>
             </a:r>
           </a:p>
           <a:p>
             <a:pPr lvl="2"/>
             <a:r>
-              <a:rPr lang="en-US" smtClean="0"/>
+              <a:rPr lang="en-US"/>
               <a:t>Third level</a:t>
             </a:r>
           </a:p>
           <a:p>
             <a:pPr lvl="3"/>
             <a:r>
-              <a:rPr lang="en-US" smtClean="0"/>
+              <a:rPr lang="en-US"/>
               <a:t>Fourth level</a:t>
             </a:r>
           </a:p>
           <a:p>
             <a:pPr lvl="4"/>
             <a:r>
-              <a:rPr lang="en-US" smtClean="0"/>
+              <a:rPr lang="en-US"/>
               <a:t>Fifth level</a:t>
             </a:r>
             <a:endParaRPr lang="en-US" dirty="0"/>
@@ -3474,7 +3472,7 @@
           <a:p>
             <a:fld id="{A56FC23F-F40F-4A49-BC09-A880359CAB63}" type="datetime1">
               <a:rPr lang="en-US" smtClean="0"/>
-              <a:t>10/31/16</a:t>
+              <a:t>11/16/20</a:t>
             </a:fld>
             <a:endParaRPr lang="en-US"/>
           </a:p>
@@ -3515,7 +3513,7 @@
           </a:lstStyle>
           <a:p>
             <a:r>
-              <a:rPr lang="nb-NO" smtClean="0"/>
+              <a:rPr lang="nb-NO"/>
               <a:t>CSE 220 - C Programming | Dr. Fatme El-Moukaddem</a:t>
             </a:r>
             <a:endParaRPr lang="en-US"/>
@@ -3989,10 +3987,9 @@
           <a:lstStyle/>
           <a:p>
             <a:r>
-              <a:rPr lang="en-US" dirty="0" smtClean="0"/>
+              <a:rPr lang="en-US" dirty="0"/>
               <a:t>CSE 220 – C Programming</a:t>
             </a:r>
-            <a:endParaRPr lang="en-US" dirty="0"/>
           </a:p>
         </p:txBody>
       </p:sp>
@@ -4012,7 +4009,7 @@
           <a:lstStyle/>
           <a:p>
             <a:r>
-              <a:rPr lang="en-US" sz="4000" dirty="0" smtClean="0">
+              <a:rPr lang="en-US" sz="4000" dirty="0">
                 <a:solidFill>
                   <a:schemeClr val="tx1"/>
                 </a:solidFill>
@@ -4037,13 +4034,6 @@
   <p:clrMapOvr>
     <a:masterClrMapping/>
   </p:clrMapOvr>
-  <p:timing>
-    <p:tnLst>
-      <p:par>
-        <p:cTn id="1" dur="indefinite" restart="never" nodeType="tmRoot"/>
-      </p:par>
-    </p:tnLst>
-  </p:timing>
 </p:sld>
 </file>
 
@@ -4080,10 +4070,9 @@
           <a:lstStyle/>
           <a:p>
             <a:r>
-              <a:rPr lang="en-US" dirty="0" smtClean="0"/>
+              <a:rPr lang="en-US" dirty="0"/>
               <a:t>Converting to and from strings</a:t>
             </a:r>
-            <a:endParaRPr lang="en-US" dirty="0"/>
           </a:p>
         </p:txBody>
       </p:sp>
@@ -4110,61 +4099,61 @@
           <a:lstStyle/>
           <a:p>
             <a:r>
-              <a:rPr lang="en-US" sz="2800" dirty="0" smtClean="0"/>
+              <a:rPr lang="en-US" sz="2800" dirty="0"/>
               <a:t>You already know the </a:t>
             </a:r>
             <a:r>
-              <a:rPr lang="en-US" sz="2800" dirty="0" err="1" smtClean="0"/>
+              <a:rPr lang="en-US" sz="2800" dirty="0" err="1"/>
               <a:t>scanf</a:t>
             </a:r>
             <a:r>
-              <a:rPr lang="en-US" sz="2800" dirty="0" smtClean="0"/>
+              <a:rPr lang="en-US" sz="2800" dirty="0"/>
               <a:t> and </a:t>
             </a:r>
             <a:r>
-              <a:rPr lang="en-US" sz="2800" dirty="0" err="1" smtClean="0"/>
+              <a:rPr lang="en-US" sz="2800" dirty="0" err="1"/>
               <a:t>printf</a:t>
             </a:r>
             <a:r>
-              <a:rPr lang="en-US" sz="2800" dirty="0" smtClean="0"/>
+              <a:rPr lang="en-US" sz="2800" dirty="0"/>
               <a:t> functions that take a format string and a series of variables to read in from </a:t>
             </a:r>
             <a:r>
-              <a:rPr lang="en-US" sz="2800" dirty="0" err="1" smtClean="0"/>
+              <a:rPr lang="en-US" sz="2800" dirty="0" err="1"/>
               <a:t>stdin</a:t>
             </a:r>
             <a:r>
-              <a:rPr lang="en-US" sz="2800" dirty="0" smtClean="0"/>
+              <a:rPr lang="en-US" sz="2800" dirty="0"/>
               <a:t> or write out to </a:t>
             </a:r>
             <a:r>
-              <a:rPr lang="en-US" sz="2800" dirty="0" err="1" smtClean="0"/>
+              <a:rPr lang="en-US" sz="2800" dirty="0" err="1"/>
               <a:t>stdout</a:t>
             </a:r>
             <a:r>
-              <a:rPr lang="en-US" sz="2800" dirty="0" smtClean="0"/>
+              <a:rPr lang="en-US" sz="2800" dirty="0"/>
               <a:t>.</a:t>
             </a:r>
           </a:p>
           <a:p>
             <a:r>
-              <a:rPr lang="en-US" sz="2800" dirty="0" smtClean="0"/>
+              <a:rPr lang="en-US" sz="2800" dirty="0"/>
               <a:t>There are two functions (named "</a:t>
             </a:r>
             <a:r>
-              <a:rPr lang="en-US" sz="2800" dirty="0" err="1" smtClean="0"/>
+              <a:rPr lang="en-US" sz="2800" dirty="0" err="1"/>
               <a:t>sscanf</a:t>
             </a:r>
             <a:r>
-              <a:rPr lang="en-US" sz="2800" dirty="0" smtClean="0"/>
+              <a:rPr lang="en-US" sz="2800" dirty="0"/>
               <a:t>" and "</a:t>
             </a:r>
             <a:r>
-              <a:rPr lang="en-US" sz="2800" dirty="0" err="1" smtClean="0"/>
+              <a:rPr lang="en-US" sz="2800" dirty="0" err="1"/>
               <a:t>sprintf</a:t>
             </a:r>
             <a:r>
-              <a:rPr lang="en-US" sz="2800" dirty="0" smtClean="0"/>
+              <a:rPr lang="en-US" sz="2800" dirty="0"/>
               <a:t>") that read in from a string and write out to a string.</a:t>
             </a:r>
           </a:p>
@@ -4217,13 +4206,6 @@
   <p:clrMapOvr>
     <a:masterClrMapping/>
   </p:clrMapOvr>
-  <p:timing>
-    <p:tnLst>
-      <p:par>
-        <p:cTn id="1" dur="indefinite" restart="never" nodeType="tmRoot"/>
-      </p:par>
-    </p:tnLst>
-  </p:timing>
 </p:sld>
 </file>
 
@@ -4260,10 +4242,9 @@
           <a:lstStyle/>
           <a:p>
             <a:r>
-              <a:rPr lang="en-US" dirty="0" smtClean="0"/>
+              <a:rPr lang="en-US" dirty="0"/>
               <a:t>Examples:</a:t>
             </a:r>
-            <a:endParaRPr lang="en-US" dirty="0"/>
           </a:p>
         </p:txBody>
       </p:sp>
@@ -4706,43 +4687,32 @@
           <a:lstStyle/>
           <a:p>
             <a:r>
-              <a:rPr lang="en-US" sz="2800" dirty="0" smtClean="0">
+              <a:rPr lang="en-US" sz="2800" dirty="0">
                 <a:solidFill>
                   <a:schemeClr val="bg1"/>
                 </a:solidFill>
               </a:rPr>
               <a:t>What is the output of:</a:t>
-            </a:r>
-            <a:br>
-              <a:rPr lang="en-US" sz="2800" dirty="0" smtClean="0">
-                <a:solidFill>
-                  <a:schemeClr val="bg1"/>
-                </a:solidFill>
-              </a:rPr>
-            </a:br>
-            <a:r>
-              <a:rPr lang="en-US" sz="2800" dirty="0">
-                <a:solidFill>
-                  <a:schemeClr val="bg1"/>
-                </a:solidFill>
-                <a:latin typeface="Consolas" charset="0"/>
-                <a:ea typeface="Consolas" charset="0"/>
-                <a:cs typeface="Consolas" charset="0"/>
-              </a:rPr>
-              <a:t/>
             </a:r>
             <a:br>
               <a:rPr lang="en-US" sz="2800" dirty="0">
                 <a:solidFill>
                   <a:schemeClr val="bg1"/>
                 </a:solidFill>
-                <a:latin typeface="Consolas" charset="0"/>
-                <a:ea typeface="Consolas" charset="0"/>
-                <a:cs typeface="Consolas" charset="0"/>
               </a:rPr>
             </a:br>
-            <a:r>
-              <a:rPr lang="en-US" sz="2800" dirty="0" smtClean="0">
+            <a:br>
+              <a:rPr lang="en-US" sz="2800" dirty="0">
+                <a:solidFill>
+                  <a:schemeClr val="bg1"/>
+                </a:solidFill>
+                <a:latin typeface="Consolas" charset="0"/>
+                <a:ea typeface="Consolas" charset="0"/>
+                <a:cs typeface="Consolas" charset="0"/>
+              </a:rPr>
+            </a:br>
+            <a:r>
+              <a:rPr lang="en-US" sz="2800" dirty="0">
                 <a:solidFill>
                   <a:schemeClr val="bg1"/>
                 </a:solidFill>
@@ -4948,7 +4918,7 @@
               <a:buAutoNum type="arabicPeriod"/>
             </a:pPr>
             <a:r>
-              <a:rPr lang="en-US" sz="3600" dirty="0" smtClean="0">
+              <a:rPr lang="en-US" sz="3600" dirty="0">
                 <a:solidFill>
                   <a:srgbClr val="0CFA02"/>
                 </a:solidFill>
@@ -4958,14 +4928,6 @@
               </a:rPr>
               <a:t>4</a:t>
             </a:r>
-            <a:endParaRPr lang="en-US" sz="3600" dirty="0" smtClean="0">
-              <a:solidFill>
-                <a:srgbClr val="0CFA02"/>
-              </a:solidFill>
-              <a:latin typeface="Consolas" charset="0"/>
-              <a:ea typeface="Consolas" charset="0"/>
-              <a:cs typeface="Consolas" charset="0"/>
-            </a:endParaRPr>
           </a:p>
           <a:p>
             <a:pPr marL="742950" indent="-742950">
@@ -4973,7 +4935,7 @@
               <a:buAutoNum type="arabicPeriod"/>
             </a:pPr>
             <a:r>
-              <a:rPr lang="en-US" sz="3600" dirty="0" smtClean="0">
+              <a:rPr lang="en-US" sz="3600" dirty="0">
                 <a:solidFill>
                   <a:srgbClr val="FEFB01"/>
                 </a:solidFill>
@@ -4983,14 +4945,6 @@
               </a:rPr>
               <a:t>x</a:t>
             </a:r>
-            <a:endParaRPr lang="en-US" sz="3600" dirty="0" smtClean="0">
-              <a:solidFill>
-                <a:srgbClr val="FEFB01"/>
-              </a:solidFill>
-              <a:latin typeface="Consolas" charset="0"/>
-              <a:ea typeface="Consolas" charset="0"/>
-              <a:cs typeface="Consolas" charset="0"/>
-            </a:endParaRPr>
           </a:p>
           <a:p>
             <a:pPr marL="742950" indent="-742950">
@@ -5008,14 +4962,6 @@
               </a:rPr>
               <a:t>8</a:t>
             </a:r>
-            <a:endParaRPr lang="en-US" sz="3600" dirty="0" smtClean="0">
-              <a:solidFill>
-                <a:srgbClr val="F5A007"/>
-              </a:solidFill>
-              <a:latin typeface="Consolas" charset="0"/>
-              <a:ea typeface="Consolas" charset="0"/>
-              <a:cs typeface="Consolas" charset="0"/>
-            </a:endParaRPr>
           </a:p>
           <a:p>
             <a:pPr marL="742950" indent="-742950">
@@ -5023,7 +4969,7 @@
               <a:buAutoNum type="arabicPeriod"/>
             </a:pPr>
             <a:r>
-              <a:rPr lang="en-US" sz="3600" dirty="0" smtClean="0">
+              <a:rPr lang="en-US" sz="3600" dirty="0">
                 <a:solidFill>
                   <a:srgbClr val="F21AF1"/>
                 </a:solidFill>
@@ -5033,14 +4979,6 @@
               </a:rPr>
               <a:t>Error</a:t>
             </a:r>
-            <a:endParaRPr lang="en-US" sz="3600" dirty="0">
-              <a:solidFill>
-                <a:srgbClr val="F21AF1"/>
-              </a:solidFill>
-              <a:latin typeface="Consolas" charset="0"/>
-              <a:ea typeface="Consolas" charset="0"/>
-              <a:cs typeface="Consolas" charset="0"/>
-            </a:endParaRPr>
           </a:p>
         </p:txBody>
       </p:sp>
@@ -5067,7 +5005,7 @@
           <a:lstStyle/>
           <a:p>
             <a:r>
-              <a:rPr lang="en-US" sz="2000" dirty="0" smtClean="0">
+              <a:rPr lang="en-US" sz="2000" dirty="0">
                 <a:solidFill>
                   <a:schemeClr val="bg1"/>
                 </a:solidFill>
@@ -5080,7 +5018,7 @@
           </a:p>
           <a:p>
             <a:r>
-              <a:rPr lang="en-US" sz="2000" dirty="0" smtClean="0">
+              <a:rPr lang="en-US" sz="2000" dirty="0">
                 <a:solidFill>
                   <a:schemeClr val="bg1"/>
                 </a:solidFill>
@@ -5091,7 +5029,7 @@
               <a:t>#include &lt;</a:t>
             </a:r>
             <a:r>
-              <a:rPr lang="en-US" sz="2000" dirty="0" err="1" smtClean="0">
+              <a:rPr lang="en-US" sz="2000" dirty="0" err="1">
                 <a:solidFill>
                   <a:schemeClr val="bg1"/>
                 </a:solidFill>
@@ -5102,7 +5040,7 @@
               <a:t>stdio.h</a:t>
             </a:r>
             <a:r>
-              <a:rPr lang="en-US" sz="2000" dirty="0" smtClean="0">
+              <a:rPr lang="en-US" sz="2000" dirty="0">
                 <a:solidFill>
                   <a:schemeClr val="bg1"/>
                 </a:solidFill>
@@ -5115,7 +5053,7 @@
           </a:p>
           <a:p>
             <a:r>
-              <a:rPr lang="en-US" sz="2000" dirty="0" err="1" smtClean="0">
+              <a:rPr lang="en-US" sz="2000" dirty="0" err="1">
                 <a:solidFill>
                   <a:schemeClr val="bg1"/>
                 </a:solidFill>
@@ -5126,7 +5064,7 @@
               <a:t>int</a:t>
             </a:r>
             <a:r>
-              <a:rPr lang="en-US" sz="2000" dirty="0" smtClean="0">
+              <a:rPr lang="en-US" sz="2000" dirty="0">
                 <a:solidFill>
                   <a:schemeClr val="bg1"/>
                 </a:solidFill>
@@ -5137,7 +5075,7 @@
               <a:t> main(</a:t>
             </a:r>
             <a:r>
-              <a:rPr lang="en-US" sz="2000" dirty="0" err="1" smtClean="0">
+              <a:rPr lang="en-US" sz="2000" dirty="0" err="1">
                 <a:solidFill>
                   <a:schemeClr val="bg1"/>
                 </a:solidFill>
@@ -5148,7 +5086,7 @@
               <a:t>int</a:t>
             </a:r>
             <a:r>
-              <a:rPr lang="en-US" sz="2000" dirty="0" smtClean="0">
+              <a:rPr lang="en-US" sz="2000" dirty="0">
                 <a:solidFill>
                   <a:schemeClr val="bg1"/>
                 </a:solidFill>
@@ -5159,7 +5097,7 @@
               <a:t> </a:t>
             </a:r>
             <a:r>
-              <a:rPr lang="en-US" sz="2000" dirty="0" err="1" smtClean="0">
+              <a:rPr lang="en-US" sz="2000" dirty="0" err="1">
                 <a:solidFill>
                   <a:schemeClr val="bg1"/>
                 </a:solidFill>
@@ -5170,7 +5108,7 @@
               <a:t>argc</a:t>
             </a:r>
             <a:r>
-              <a:rPr lang="en-US" sz="2000" dirty="0" smtClean="0">
+              <a:rPr lang="en-US" sz="2000" dirty="0">
                 <a:solidFill>
                   <a:schemeClr val="bg1"/>
                 </a:solidFill>
@@ -5181,7 +5119,7 @@
               <a:t>, char * </a:t>
             </a:r>
             <a:r>
-              <a:rPr lang="en-US" sz="2000" dirty="0" err="1" smtClean="0">
+              <a:rPr lang="en-US" sz="2000" dirty="0" err="1">
                 <a:solidFill>
                   <a:schemeClr val="bg1"/>
                 </a:solidFill>
@@ -5192,7 +5130,7 @@
               <a:t>argv</a:t>
             </a:r>
             <a:r>
-              <a:rPr lang="en-US" sz="2000" dirty="0" smtClean="0">
+              <a:rPr lang="en-US" sz="2000" dirty="0">
                 <a:solidFill>
                   <a:schemeClr val="bg1"/>
                 </a:solidFill>
@@ -5216,7 +5154,7 @@
               <a:t>	</a:t>
             </a:r>
             <a:r>
-              <a:rPr lang="en-US" sz="2000" dirty="0" err="1" smtClean="0">
+              <a:rPr lang="en-US" sz="2000" dirty="0" err="1">
                 <a:solidFill>
                   <a:schemeClr val="bg1"/>
                 </a:solidFill>
@@ -5227,7 +5165,7 @@
               <a:t>int</a:t>
             </a:r>
             <a:r>
-              <a:rPr lang="en-US" sz="2000" dirty="0" smtClean="0">
+              <a:rPr lang="en-US" sz="2000" dirty="0">
                 <a:solidFill>
                   <a:schemeClr val="bg1"/>
                 </a:solidFill>
@@ -5251,7 +5189,7 @@
               <a:t>	</a:t>
             </a:r>
             <a:r>
-              <a:rPr lang="en-US" sz="2000" dirty="0" err="1" smtClean="0">
+              <a:rPr lang="en-US" sz="2000" dirty="0" err="1">
                 <a:solidFill>
                   <a:schemeClr val="bg1"/>
                 </a:solidFill>
@@ -5262,7 +5200,7 @@
               <a:t>sscanf</a:t>
             </a:r>
             <a:r>
-              <a:rPr lang="en-US" sz="2000" dirty="0" smtClean="0">
+              <a:rPr lang="en-US" sz="2000" dirty="0">
                 <a:solidFill>
                   <a:schemeClr val="bg1"/>
                 </a:solidFill>
@@ -5273,7 +5211,7 @@
               <a:t>(</a:t>
             </a:r>
             <a:r>
-              <a:rPr lang="en-US" sz="2000" dirty="0" err="1" smtClean="0">
+              <a:rPr lang="en-US" sz="2000" dirty="0" err="1">
                 <a:solidFill>
                   <a:schemeClr val="bg1"/>
                 </a:solidFill>
@@ -5284,17 +5222,6 @@
               <a:t>argv</a:t>
             </a:r>
             <a:r>
-              <a:rPr lang="en-US" sz="2000" dirty="0" smtClean="0">
-                <a:solidFill>
-                  <a:schemeClr val="bg1"/>
-                </a:solidFill>
-                <a:latin typeface="Consolas" charset="0"/>
-                <a:ea typeface="Consolas" charset="0"/>
-                <a:cs typeface="Consolas" charset="0"/>
-              </a:rPr>
-              <a:t>[1], "%</a:t>
-            </a:r>
-            <a:r>
               <a:rPr lang="en-US" sz="2000" dirty="0">
                 <a:solidFill>
                   <a:schemeClr val="bg1"/>
@@ -5303,18 +5230,7 @@
                 <a:ea typeface="Consolas" charset="0"/>
                 <a:cs typeface="Consolas" charset="0"/>
               </a:rPr>
-              <a:t>d</a:t>
-            </a:r>
-            <a:r>
-              <a:rPr lang="en-US" sz="2000" dirty="0" smtClean="0">
-                <a:solidFill>
-                  <a:schemeClr val="bg1"/>
-                </a:solidFill>
-                <a:latin typeface="Consolas" charset="0"/>
-                <a:ea typeface="Consolas" charset="0"/>
-                <a:cs typeface="Consolas" charset="0"/>
-              </a:rPr>
-              <a:t>", &amp;x);</a:t>
+              <a:t>[1], "%d", &amp;x);</a:t>
             </a:r>
           </a:p>
           <a:p>
@@ -5330,7 +5246,7 @@
               <a:t>	</a:t>
             </a:r>
             <a:r>
-              <a:rPr lang="en-US" sz="2000" dirty="0" err="1" smtClean="0">
+              <a:rPr lang="en-US" sz="2000" dirty="0" err="1">
                 <a:solidFill>
                   <a:schemeClr val="bg1"/>
                 </a:solidFill>
@@ -5341,7 +5257,7 @@
               <a:t>printf</a:t>
             </a:r>
             <a:r>
-              <a:rPr lang="en-US" sz="2000" dirty="0" smtClean="0">
+              <a:rPr lang="en-US" sz="2000" dirty="0">
                 <a:solidFill>
                   <a:schemeClr val="bg1"/>
                 </a:solidFill>
@@ -5354,7 +5270,7 @@
           </a:p>
           <a:p>
             <a:r>
-              <a:rPr lang="en-US" sz="2000" dirty="0" smtClean="0">
+              <a:rPr lang="en-US" sz="2000" dirty="0">
                 <a:solidFill>
                   <a:schemeClr val="bg1"/>
                 </a:solidFill>
@@ -5364,18 +5280,10 @@
               </a:rPr>
               <a:t>	return 0;</a:t>
             </a:r>
-            <a:endParaRPr lang="en-US" sz="2000" dirty="0">
-              <a:solidFill>
-                <a:schemeClr val="bg1"/>
-              </a:solidFill>
-              <a:latin typeface="Consolas" charset="0"/>
-              <a:ea typeface="Consolas" charset="0"/>
-              <a:cs typeface="Consolas" charset="0"/>
-            </a:endParaRPr>
-          </a:p>
-          <a:p>
-            <a:r>
-              <a:rPr lang="en-US" sz="2000" dirty="0" smtClean="0">
+          </a:p>
+          <a:p>
+            <a:r>
+              <a:rPr lang="en-US" sz="2000" dirty="0">
                 <a:solidFill>
                   <a:schemeClr val="bg1"/>
                 </a:solidFill>
@@ -5398,77 +5306,10 @@
   <p:clrMapOvr>
     <a:masterClrMapping/>
   </p:clrMapOvr>
-  <p:timing>
-    <p:tnLst>
-      <p:par>
-        <p:cTn id="1" dur="indefinite" restart="never" nodeType="tmRoot"/>
-      </p:par>
-    </p:tnLst>
-  </p:timing>
 </p:sld>
 </file>
 
 <file path=ppt/slides/slide13.xml><?xml version="1.0" encoding="utf-8"?>
-<p:sld xmlns:a="http://schemas.openxmlformats.org/drawingml/2006/main" xmlns:r="http://schemas.openxmlformats.org/officeDocument/2006/relationships" xmlns:p="http://schemas.openxmlformats.org/presentationml/2006/main">
-  <p:cSld>
-    <p:spTree>
-      <p:nvGrpSpPr>
-        <p:cNvPr id="1" name=""/>
-        <p:cNvGrpSpPr/>
-        <p:nvPr/>
-      </p:nvGrpSpPr>
-      <p:grpSpPr>
-        <a:xfrm>
-          <a:off x="0" y="0"/>
-          <a:ext cx="0" cy="0"/>
-          <a:chOff x="0" y="0"/>
-          <a:chExt cx="0" cy="0"/>
-        </a:xfrm>
-      </p:grpSpPr>
-      <p:sp>
-        <p:nvSpPr>
-          <p:cNvPr id="2" name="Title 1"/>
-          <p:cNvSpPr>
-            <a:spLocks noGrp="1"/>
-          </p:cNvSpPr>
-          <p:nvPr>
-            <p:ph type="ctrTitle"/>
-          </p:nvPr>
-        </p:nvSpPr>
-        <p:spPr/>
-        <p:txBody>
-          <a:bodyPr/>
-          <a:lstStyle/>
-          <a:p>
-            <a:r>
-              <a:rPr lang="en-US" dirty="0" smtClean="0"/>
-              <a:t>Practice Problems</a:t>
-            </a:r>
-            <a:endParaRPr lang="en-US" dirty="0"/>
-          </a:p>
-        </p:txBody>
-      </p:sp>
-    </p:spTree>
-    <p:extLst>
-      <p:ext uri="{BB962C8B-B14F-4D97-AF65-F5344CB8AC3E}">
-        <p14:creationId xmlns:p14="http://schemas.microsoft.com/office/powerpoint/2010/main" val="168109145"/>
-      </p:ext>
-    </p:extLst>
-  </p:cSld>
-  <p:clrMapOvr>
-    <a:masterClrMapping/>
-  </p:clrMapOvr>
-  <p:timing>
-    <p:tnLst>
-      <p:par>
-        <p:cTn id="1" dur="indefinite" restart="never" nodeType="tmRoot"/>
-      </p:par>
-    </p:tnLst>
-  </p:timing>
-</p:sld>
-</file>
-
-<file path=ppt/slides/slide14.xml><?xml version="1.0" encoding="utf-8"?>
 <p:sld xmlns:a="http://schemas.openxmlformats.org/drawingml/2006/main" xmlns:r="http://schemas.openxmlformats.org/officeDocument/2006/relationships" xmlns:p="http://schemas.openxmlformats.org/presentationml/2006/main">
   <p:cSld>
     <p:spTree>
@@ -5548,65 +5389,43 @@
           <a:lstStyle/>
           <a:p>
             <a:r>
-              <a:rPr lang="en-US" sz="2800" dirty="0" smtClean="0">
+              <a:rPr lang="en-US" sz="2800" dirty="0">
                 <a:solidFill>
                   <a:schemeClr val="bg1"/>
                 </a:solidFill>
               </a:rPr>
               <a:t>What is the output of:</a:t>
-            </a:r>
-            <a:br>
-              <a:rPr lang="en-US" sz="2800" dirty="0" smtClean="0">
-                <a:solidFill>
-                  <a:schemeClr val="bg1"/>
-                </a:solidFill>
-              </a:rPr>
-            </a:br>
-            <a:r>
-              <a:rPr lang="en-US" sz="2800" dirty="0">
-                <a:solidFill>
-                  <a:schemeClr val="bg1"/>
-                </a:solidFill>
-                <a:latin typeface="Consolas" charset="0"/>
-                <a:ea typeface="Consolas" charset="0"/>
-                <a:cs typeface="Consolas" charset="0"/>
-              </a:rPr>
-              <a:t/>
             </a:r>
             <a:br>
               <a:rPr lang="en-US" sz="2800" dirty="0">
                 <a:solidFill>
                   <a:schemeClr val="bg1"/>
                 </a:solidFill>
-                <a:latin typeface="Consolas" charset="0"/>
-                <a:ea typeface="Consolas" charset="0"/>
-                <a:cs typeface="Consolas" charset="0"/>
               </a:rPr>
             </a:br>
-            <a:r>
-              <a:rPr lang="en-US" sz="2800" dirty="0" smtClean="0">
-                <a:solidFill>
-                  <a:schemeClr val="bg1"/>
-                </a:solidFill>
-                <a:latin typeface="Consolas" charset="0"/>
-                <a:ea typeface="Consolas" charset="0"/>
-                <a:cs typeface="Consolas" charset="0"/>
-              </a:rPr>
-              <a:t>./index3 </a:t>
-            </a:r>
-            <a:r>
-              <a:rPr lang="en-US" sz="2800" dirty="0" smtClean="0">
-                <a:solidFill>
-                  <a:schemeClr val="bg1"/>
-                </a:solidFill>
-                <a:latin typeface="Consolas" charset="0"/>
-                <a:ea typeface="Consolas" charset="0"/>
-                <a:cs typeface="Consolas" charset="0"/>
-              </a:rPr>
-              <a:t>3 </a:t>
-            </a:r>
-            <a:r>
-              <a:rPr lang="en-US" sz="2800" dirty="0" err="1" smtClean="0">
+            <a:br>
+              <a:rPr lang="en-US" sz="2800" dirty="0">
+                <a:solidFill>
+                  <a:schemeClr val="bg1"/>
+                </a:solidFill>
+                <a:latin typeface="Consolas" charset="0"/>
+                <a:ea typeface="Consolas" charset="0"/>
+                <a:cs typeface="Consolas" charset="0"/>
+              </a:rPr>
+            </a:br>
+            <a:r>
+              <a:rPr lang="en-US" sz="2800" dirty="0">
+                <a:solidFill>
+                  <a:schemeClr val="bg1"/>
+                </a:solidFill>
+                <a:latin typeface="Consolas" charset="0"/>
+                <a:ea typeface="Consolas" charset="0"/>
+                <a:cs typeface="Consolas" charset="0"/>
+              </a:rPr>
+              <a:t>./index3 3 </a:t>
+            </a:r>
+            <a:r>
+              <a:rPr lang="en-US" sz="2800" dirty="0" err="1">
                 <a:solidFill>
                   <a:schemeClr val="bg1"/>
                 </a:solidFill>
@@ -5642,7 +5461,7 @@
             <a:fld id="{B6F15528-21DE-4FAA-801E-634DDDAF4B2B}" type="slidenum">
               <a:rPr lang="en-US" smtClean="0"/>
               <a:pPr/>
-              <a:t>14</a:t>
+              <a:t>13</a:t>
             </a:fld>
             <a:endParaRPr lang="en-US" dirty="0"/>
           </a:p>
@@ -5812,7 +5631,7 @@
               <a:buAutoNum type="arabicPeriod"/>
             </a:pPr>
             <a:r>
-              <a:rPr lang="en-US" sz="3600" dirty="0" smtClean="0">
+              <a:rPr lang="en-US" sz="3600" dirty="0">
                 <a:solidFill>
                   <a:srgbClr val="0CFA02"/>
                 </a:solidFill>
@@ -5823,7 +5642,7 @@
               <a:t>3 </a:t>
             </a:r>
             <a:r>
-              <a:rPr lang="en-US" sz="3600" dirty="0" err="1" smtClean="0">
+              <a:rPr lang="en-US" sz="3600" dirty="0" err="1">
                 <a:solidFill>
                   <a:srgbClr val="0CFA02"/>
                 </a:solidFill>
@@ -5833,7 +5652,7 @@
               </a:rPr>
               <a:t>i</a:t>
             </a:r>
-            <a:endParaRPr lang="en-US" sz="3600" dirty="0" smtClean="0">
+            <a:endParaRPr lang="en-US" sz="3600" dirty="0">
               <a:solidFill>
                 <a:srgbClr val="0CFA02"/>
               </a:solidFill>
@@ -5848,7 +5667,7 @@
               <a:buAutoNum type="arabicPeriod"/>
             </a:pPr>
             <a:r>
-              <a:rPr lang="en-US" sz="3600" dirty="0" smtClean="0">
+              <a:rPr lang="en-US" sz="3600" dirty="0">
                 <a:solidFill>
                   <a:srgbClr val="FEFB01"/>
                 </a:solidFill>
@@ -5858,14 +5677,6 @@
               </a:rPr>
               <a:t>iii</a:t>
             </a:r>
-            <a:endParaRPr lang="en-US" sz="3600" dirty="0" smtClean="0">
-              <a:solidFill>
-                <a:srgbClr val="FEFB01"/>
-              </a:solidFill>
-              <a:latin typeface="Consolas" charset="0"/>
-              <a:ea typeface="Consolas" charset="0"/>
-              <a:cs typeface="Consolas" charset="0"/>
-            </a:endParaRPr>
           </a:p>
           <a:p>
             <a:pPr marL="742950" indent="-742950">
@@ -5873,7 +5684,7 @@
               <a:buAutoNum type="arabicPeriod"/>
             </a:pPr>
             <a:r>
-              <a:rPr lang="en-US" sz="3600" dirty="0" smtClean="0">
+              <a:rPr lang="en-US" sz="3600" dirty="0">
                 <a:solidFill>
                   <a:srgbClr val="F5A007"/>
                 </a:solidFill>
@@ -5883,14 +5694,6 @@
               </a:rPr>
               <a:t>./index3</a:t>
             </a:r>
-            <a:endParaRPr lang="en-US" sz="3600" dirty="0" smtClean="0">
-              <a:solidFill>
-                <a:srgbClr val="F5A007"/>
-              </a:solidFill>
-              <a:latin typeface="Consolas" charset="0"/>
-              <a:ea typeface="Consolas" charset="0"/>
-              <a:cs typeface="Consolas" charset="0"/>
-            </a:endParaRPr>
           </a:p>
           <a:p>
             <a:pPr marL="742950" indent="-742950">
@@ -5898,7 +5701,7 @@
               <a:buAutoNum type="arabicPeriod"/>
             </a:pPr>
             <a:r>
-              <a:rPr lang="en-US" sz="3600" dirty="0" smtClean="0">
+              <a:rPr lang="en-US" sz="3600" dirty="0">
                 <a:solidFill>
                   <a:srgbClr val="F21AF1"/>
                 </a:solidFill>
@@ -5908,14 +5711,6 @@
               </a:rPr>
               <a:t>Error</a:t>
             </a:r>
-            <a:endParaRPr lang="en-US" sz="3600" dirty="0">
-              <a:solidFill>
-                <a:srgbClr val="F21AF1"/>
-              </a:solidFill>
-              <a:latin typeface="Consolas" charset="0"/>
-              <a:ea typeface="Consolas" charset="0"/>
-              <a:cs typeface="Consolas" charset="0"/>
-            </a:endParaRPr>
           </a:p>
         </p:txBody>
       </p:sp>
@@ -5942,7 +5737,7 @@
           <a:lstStyle/>
           <a:p>
             <a:r>
-              <a:rPr lang="en-US" sz="2000" dirty="0" smtClean="0">
+              <a:rPr lang="en-US" sz="2000" dirty="0">
                 <a:solidFill>
                   <a:schemeClr val="bg1"/>
                 </a:solidFill>
@@ -5955,7 +5750,7 @@
           </a:p>
           <a:p>
             <a:r>
-              <a:rPr lang="en-US" sz="2000" dirty="0" smtClean="0">
+              <a:rPr lang="en-US" sz="2000" dirty="0">
                 <a:solidFill>
                   <a:schemeClr val="bg1"/>
                 </a:solidFill>
@@ -5966,7 +5761,7 @@
               <a:t>#include &lt;</a:t>
             </a:r>
             <a:r>
-              <a:rPr lang="en-US" sz="2000" dirty="0" err="1" smtClean="0">
+              <a:rPr lang="en-US" sz="2000" dirty="0" err="1">
                 <a:solidFill>
                   <a:schemeClr val="bg1"/>
                 </a:solidFill>
@@ -5977,7 +5772,7 @@
               <a:t>stdio.h</a:t>
             </a:r>
             <a:r>
-              <a:rPr lang="en-US" sz="2000" dirty="0" smtClean="0">
+              <a:rPr lang="en-US" sz="2000" dirty="0">
                 <a:solidFill>
                   <a:schemeClr val="bg1"/>
                 </a:solidFill>
@@ -5990,7 +5785,7 @@
           </a:p>
           <a:p>
             <a:r>
-              <a:rPr lang="en-US" sz="2000" dirty="0" err="1" smtClean="0">
+              <a:rPr lang="en-US" sz="2000" dirty="0" err="1">
                 <a:solidFill>
                   <a:schemeClr val="bg1"/>
                 </a:solidFill>
@@ -6001,7 +5796,7 @@
               <a:t>int</a:t>
             </a:r>
             <a:r>
-              <a:rPr lang="en-US" sz="2000" dirty="0" smtClean="0">
+              <a:rPr lang="en-US" sz="2000" dirty="0">
                 <a:solidFill>
                   <a:schemeClr val="bg1"/>
                 </a:solidFill>
@@ -6012,7 +5807,7 @@
               <a:t> main(</a:t>
             </a:r>
             <a:r>
-              <a:rPr lang="en-US" sz="2000" dirty="0" err="1" smtClean="0">
+              <a:rPr lang="en-US" sz="2000" dirty="0" err="1">
                 <a:solidFill>
                   <a:schemeClr val="bg1"/>
                 </a:solidFill>
@@ -6023,7 +5818,7 @@
               <a:t>int</a:t>
             </a:r>
             <a:r>
-              <a:rPr lang="en-US" sz="2000" dirty="0" smtClean="0">
+              <a:rPr lang="en-US" sz="2000" dirty="0">
                 <a:solidFill>
                   <a:schemeClr val="bg1"/>
                 </a:solidFill>
@@ -6034,7 +5829,7 @@
               <a:t> </a:t>
             </a:r>
             <a:r>
-              <a:rPr lang="en-US" sz="2000" dirty="0" err="1" smtClean="0">
+              <a:rPr lang="en-US" sz="2000" dirty="0" err="1">
                 <a:solidFill>
                   <a:schemeClr val="bg1"/>
                 </a:solidFill>
@@ -6045,7 +5840,7 @@
               <a:t>argc</a:t>
             </a:r>
             <a:r>
-              <a:rPr lang="en-US" sz="2000" dirty="0" smtClean="0">
+              <a:rPr lang="en-US" sz="2000" dirty="0">
                 <a:solidFill>
                   <a:schemeClr val="bg1"/>
                 </a:solidFill>
@@ -6056,7 +5851,7 @@
               <a:t>, char * </a:t>
             </a:r>
             <a:r>
-              <a:rPr lang="en-US" sz="2000" dirty="0" err="1" smtClean="0">
+              <a:rPr lang="en-US" sz="2000" dirty="0" err="1">
                 <a:solidFill>
                   <a:schemeClr val="bg1"/>
                 </a:solidFill>
@@ -6067,7 +5862,7 @@
               <a:t>argv</a:t>
             </a:r>
             <a:r>
-              <a:rPr lang="en-US" sz="2000" dirty="0" smtClean="0">
+              <a:rPr lang="en-US" sz="2000" dirty="0">
                 <a:solidFill>
                   <a:schemeClr val="bg1"/>
                 </a:solidFill>
@@ -6091,7 +5886,7 @@
               <a:t>	</a:t>
             </a:r>
             <a:r>
-              <a:rPr lang="en-US" sz="2000" dirty="0" err="1" smtClean="0">
+              <a:rPr lang="en-US" sz="2000" dirty="0" err="1">
                 <a:solidFill>
                   <a:schemeClr val="bg1"/>
                 </a:solidFill>
@@ -6102,7 +5897,7 @@
               <a:t>int</a:t>
             </a:r>
             <a:r>
-              <a:rPr lang="en-US" sz="2000" dirty="0" smtClean="0">
+              <a:rPr lang="en-US" sz="2000" dirty="0">
                 <a:solidFill>
                   <a:schemeClr val="bg1"/>
                 </a:solidFill>
@@ -6113,7 +5908,7 @@
               <a:t> x; char </a:t>
             </a:r>
             <a:r>
-              <a:rPr lang="en-US" sz="2000" dirty="0" err="1" smtClean="0">
+              <a:rPr lang="en-US" sz="2000" dirty="0" err="1">
                 <a:solidFill>
                   <a:schemeClr val="bg1"/>
                 </a:solidFill>
@@ -6124,7 +5919,7 @@
               <a:t>ch</a:t>
             </a:r>
             <a:r>
-              <a:rPr lang="en-US" sz="2000" dirty="0" smtClean="0">
+              <a:rPr lang="en-US" sz="2000" dirty="0">
                 <a:solidFill>
                   <a:schemeClr val="bg1"/>
                 </a:solidFill>
@@ -6148,7 +5943,7 @@
               <a:t>	</a:t>
             </a:r>
             <a:r>
-              <a:rPr lang="en-US" sz="2000" dirty="0" err="1" smtClean="0">
+              <a:rPr lang="en-US" sz="2000" dirty="0" err="1">
                 <a:solidFill>
                   <a:schemeClr val="bg1"/>
                 </a:solidFill>
@@ -6159,7 +5954,7 @@
               <a:t>sscanf</a:t>
             </a:r>
             <a:r>
-              <a:rPr lang="en-US" sz="2000" dirty="0" smtClean="0">
+              <a:rPr lang="en-US" sz="2000" dirty="0">
                 <a:solidFill>
                   <a:schemeClr val="bg1"/>
                 </a:solidFill>
@@ -6170,7 +5965,7 @@
               <a:t>(</a:t>
             </a:r>
             <a:r>
-              <a:rPr lang="en-US" sz="2000" dirty="0" err="1" smtClean="0">
+              <a:rPr lang="en-US" sz="2000" dirty="0" err="1">
                 <a:solidFill>
                   <a:schemeClr val="bg1"/>
                 </a:solidFill>
@@ -6181,17 +5976,6 @@
               <a:t>argv</a:t>
             </a:r>
             <a:r>
-              <a:rPr lang="en-US" sz="2000" dirty="0" smtClean="0">
-                <a:solidFill>
-                  <a:schemeClr val="bg1"/>
-                </a:solidFill>
-                <a:latin typeface="Consolas" charset="0"/>
-                <a:ea typeface="Consolas" charset="0"/>
-                <a:cs typeface="Consolas" charset="0"/>
-              </a:rPr>
-              <a:t>[1], "%</a:t>
-            </a:r>
-            <a:r>
               <a:rPr lang="en-US" sz="2000" dirty="0">
                 <a:solidFill>
                   <a:schemeClr val="bg1"/>
@@ -6200,18 +5984,7 @@
                 <a:ea typeface="Consolas" charset="0"/>
                 <a:cs typeface="Consolas" charset="0"/>
               </a:rPr>
-              <a:t>d</a:t>
-            </a:r>
-            <a:r>
-              <a:rPr lang="en-US" sz="2000" dirty="0" smtClean="0">
-                <a:solidFill>
-                  <a:schemeClr val="bg1"/>
-                </a:solidFill>
-                <a:latin typeface="Consolas" charset="0"/>
-                <a:ea typeface="Consolas" charset="0"/>
-                <a:cs typeface="Consolas" charset="0"/>
-              </a:rPr>
-              <a:t>", &amp;x);</a:t>
+              <a:t>[1], "%d", &amp;x);</a:t>
             </a:r>
           </a:p>
           <a:p>
@@ -6227,7 +6000,7 @@
               <a:t>	</a:t>
             </a:r>
             <a:r>
-              <a:rPr lang="en-US" sz="2000" dirty="0" err="1" smtClean="0">
+              <a:rPr lang="en-US" sz="2000" dirty="0" err="1">
                 <a:solidFill>
                   <a:schemeClr val="bg1"/>
                 </a:solidFill>
@@ -6238,7 +6011,7 @@
               <a:t>sscanf</a:t>
             </a:r>
             <a:r>
-              <a:rPr lang="en-US" sz="2000" dirty="0" smtClean="0">
+              <a:rPr lang="en-US" sz="2000" dirty="0">
                 <a:solidFill>
                   <a:schemeClr val="bg1"/>
                 </a:solidFill>
@@ -6249,7 +6022,7 @@
               <a:t>(</a:t>
             </a:r>
             <a:r>
-              <a:rPr lang="en-US" sz="2000" dirty="0" err="1" smtClean="0">
+              <a:rPr lang="en-US" sz="2000" dirty="0" err="1">
                 <a:solidFill>
                   <a:schemeClr val="bg1"/>
                 </a:solidFill>
@@ -6260,7 +6033,7 @@
               <a:t>argv</a:t>
             </a:r>
             <a:r>
-              <a:rPr lang="en-US" sz="2000" dirty="0" smtClean="0">
+              <a:rPr lang="en-US" sz="2000" dirty="0">
                 <a:solidFill>
                   <a:schemeClr val="bg1"/>
                 </a:solidFill>
@@ -6271,7 +6044,7 @@
               <a:t>[2], "%c", &amp;</a:t>
             </a:r>
             <a:r>
-              <a:rPr lang="en-US" sz="2000" dirty="0" err="1" smtClean="0">
+              <a:rPr lang="en-US" sz="2000" dirty="0" err="1">
                 <a:solidFill>
                   <a:schemeClr val="bg1"/>
                 </a:solidFill>
@@ -6282,7 +6055,7 @@
               <a:t>ch</a:t>
             </a:r>
             <a:r>
-              <a:rPr lang="en-US" sz="2000" dirty="0" smtClean="0">
+              <a:rPr lang="en-US" sz="2000" dirty="0">
                 <a:solidFill>
                   <a:schemeClr val="bg1"/>
                 </a:solidFill>
@@ -6303,21 +6076,10 @@
                 <a:ea typeface="Consolas" charset="0"/>
                 <a:cs typeface="Consolas" charset="0"/>
               </a:rPr>
-              <a:t>	</a:t>
-            </a:r>
-            <a:r>
-              <a:rPr lang="en-US" sz="2000" dirty="0" smtClean="0">
-                <a:solidFill>
-                  <a:schemeClr val="bg1"/>
-                </a:solidFill>
-                <a:latin typeface="Consolas" charset="0"/>
-                <a:ea typeface="Consolas" charset="0"/>
-                <a:cs typeface="Consolas" charset="0"/>
-              </a:rPr>
-              <a:t>for (</a:t>
-            </a:r>
-            <a:r>
-              <a:rPr lang="en-US" sz="2000" dirty="0" err="1" smtClean="0">
+              <a:t>	for (</a:t>
+            </a:r>
+            <a:r>
+              <a:rPr lang="en-US" sz="2000" dirty="0" err="1">
                 <a:solidFill>
                   <a:schemeClr val="bg1"/>
                 </a:solidFill>
@@ -6328,7 +6090,7 @@
               <a:t>int</a:t>
             </a:r>
             <a:r>
-              <a:rPr lang="en-US" sz="2000" dirty="0" smtClean="0">
+              <a:rPr lang="en-US" sz="2000" dirty="0">
                 <a:solidFill>
                   <a:schemeClr val="bg1"/>
                 </a:solidFill>
@@ -6339,7 +6101,7 @@
               <a:t> </a:t>
             </a:r>
             <a:r>
-              <a:rPr lang="en-US" sz="2000" dirty="0" err="1" smtClean="0">
+              <a:rPr lang="en-US" sz="2000" dirty="0" err="1">
                 <a:solidFill>
                   <a:schemeClr val="bg1"/>
                 </a:solidFill>
@@ -6350,7 +6112,7 @@
               <a:t>i</a:t>
             </a:r>
             <a:r>
-              <a:rPr lang="en-US" sz="2000" dirty="0" smtClean="0">
+              <a:rPr lang="en-US" sz="2000" dirty="0">
                 <a:solidFill>
                   <a:schemeClr val="bg1"/>
                 </a:solidFill>
@@ -6361,7 +6123,7 @@
               <a:t> = 0; </a:t>
             </a:r>
             <a:r>
-              <a:rPr lang="en-US" sz="2000" dirty="0" err="1" smtClean="0">
+              <a:rPr lang="en-US" sz="2000" dirty="0" err="1">
                 <a:solidFill>
                   <a:schemeClr val="bg1"/>
                 </a:solidFill>
@@ -6372,7 +6134,7 @@
               <a:t>i</a:t>
             </a:r>
             <a:r>
-              <a:rPr lang="en-US" sz="2000" dirty="0" smtClean="0">
+              <a:rPr lang="en-US" sz="2000" dirty="0">
                 <a:solidFill>
                   <a:schemeClr val="bg1"/>
                 </a:solidFill>
@@ -6383,7 +6145,7 @@
               <a:t> &lt; x; ++</a:t>
             </a:r>
             <a:r>
-              <a:rPr lang="en-US" sz="2000" dirty="0" err="1" smtClean="0">
+              <a:rPr lang="en-US" sz="2000" dirty="0" err="1">
                 <a:solidFill>
                   <a:schemeClr val="bg1"/>
                 </a:solidFill>
@@ -6394,7 +6156,7 @@
               <a:t>i</a:t>
             </a:r>
             <a:r>
-              <a:rPr lang="en-US" sz="2000" dirty="0" smtClean="0">
+              <a:rPr lang="en-US" sz="2000" dirty="0">
                 <a:solidFill>
                   <a:schemeClr val="bg1"/>
                 </a:solidFill>
@@ -6415,21 +6177,10 @@
                 <a:ea typeface="Consolas" charset="0"/>
                 <a:cs typeface="Consolas" charset="0"/>
               </a:rPr>
-              <a:t>	</a:t>
-            </a:r>
-            <a:r>
-              <a:rPr lang="en-US" sz="2000" dirty="0" smtClean="0">
-                <a:solidFill>
-                  <a:schemeClr val="bg1"/>
-                </a:solidFill>
-                <a:latin typeface="Consolas" charset="0"/>
-                <a:ea typeface="Consolas" charset="0"/>
-                <a:cs typeface="Consolas" charset="0"/>
-              </a:rPr>
-              <a:t>	</a:t>
-            </a:r>
-            <a:r>
-              <a:rPr lang="en-US" sz="2000" dirty="0" err="1" smtClean="0">
+              <a:t>		</a:t>
+            </a:r>
+            <a:r>
+              <a:rPr lang="en-US" sz="2000" dirty="0" err="1">
                 <a:solidFill>
                   <a:schemeClr val="bg1"/>
                 </a:solidFill>
@@ -6440,7 +6191,7 @@
               <a:t>printf</a:t>
             </a:r>
             <a:r>
-              <a:rPr lang="en-US" sz="2000" dirty="0" smtClean="0">
+              <a:rPr lang="en-US" sz="2000" dirty="0">
                 <a:solidFill>
                   <a:schemeClr val="bg1"/>
                 </a:solidFill>
@@ -6451,7 +6202,7 @@
               <a:t>("%c", </a:t>
             </a:r>
             <a:r>
-              <a:rPr lang="en-US" sz="2000" dirty="0" err="1" smtClean="0">
+              <a:rPr lang="en-US" sz="2000" dirty="0" err="1">
                 <a:solidFill>
                   <a:schemeClr val="bg1"/>
                 </a:solidFill>
@@ -6462,7 +6213,7 @@
               <a:t>ch</a:t>
             </a:r>
             <a:r>
-              <a:rPr lang="en-US" sz="2000" dirty="0" smtClean="0">
+              <a:rPr lang="en-US" sz="2000" dirty="0">
                 <a:solidFill>
                   <a:schemeClr val="bg1"/>
                 </a:solidFill>
@@ -6483,23 +6234,12 @@
                 <a:ea typeface="Consolas" charset="0"/>
                 <a:cs typeface="Consolas" charset="0"/>
               </a:rPr>
-              <a:t>	</a:t>
-            </a:r>
-            <a:r>
-              <a:rPr lang="en-US" sz="2000" dirty="0" smtClean="0">
-                <a:solidFill>
-                  <a:schemeClr val="bg1"/>
-                </a:solidFill>
-                <a:latin typeface="Consolas" charset="0"/>
-                <a:ea typeface="Consolas" charset="0"/>
-                <a:cs typeface="Consolas" charset="0"/>
-              </a:rPr>
-              <a:t>}</a:t>
-            </a:r>
-          </a:p>
-          <a:p>
-            <a:r>
-              <a:rPr lang="en-US" sz="2000" dirty="0" smtClean="0">
+              <a:t>	}</a:t>
+            </a:r>
+          </a:p>
+          <a:p>
+            <a:r>
+              <a:rPr lang="en-US" sz="2000" dirty="0">
                 <a:solidFill>
                   <a:schemeClr val="bg1"/>
                 </a:solidFill>
@@ -6509,18 +6249,10 @@
               </a:rPr>
               <a:t>	return 0;</a:t>
             </a:r>
-            <a:endParaRPr lang="en-US" sz="2000" dirty="0">
-              <a:solidFill>
-                <a:schemeClr val="bg1"/>
-              </a:solidFill>
-              <a:latin typeface="Consolas" charset="0"/>
-              <a:ea typeface="Consolas" charset="0"/>
-              <a:cs typeface="Consolas" charset="0"/>
-            </a:endParaRPr>
-          </a:p>
-          <a:p>
-            <a:r>
-              <a:rPr lang="en-US" sz="2000" dirty="0" smtClean="0">
+          </a:p>
+          <a:p>
+            <a:r>
+              <a:rPr lang="en-US" sz="2000" dirty="0">
                 <a:solidFill>
                   <a:schemeClr val="bg1"/>
                 </a:solidFill>
@@ -6543,13 +6275,6 @@
   <p:clrMapOvr>
     <a:masterClrMapping/>
   </p:clrMapOvr>
-  <p:timing>
-    <p:tnLst>
-      <p:par>
-        <p:cTn id="1" dur="indefinite" restart="never" nodeType="tmRoot"/>
-      </p:par>
-    </p:tnLst>
-  </p:timing>
 </p:sld>
 </file>
 
@@ -6586,10 +6311,9 @@
           <a:lstStyle/>
           <a:p>
             <a:r>
-              <a:rPr lang="en-US" dirty="0" smtClean="0"/>
+              <a:rPr lang="en-US" dirty="0"/>
               <a:t>Outline</a:t>
             </a:r>
-            <a:endParaRPr lang="en-US" dirty="0"/>
           </a:p>
         </p:txBody>
       </p:sp>
@@ -6611,22 +6335,21 @@
           <a:lstStyle/>
           <a:p>
             <a:r>
-              <a:rPr lang="en-US" sz="3200" dirty="0" smtClean="0"/>
+              <a:rPr lang="en-US" sz="3200" dirty="0"/>
               <a:t>Input and Output</a:t>
             </a:r>
           </a:p>
           <a:p>
             <a:r>
-              <a:rPr lang="en-US" sz="3200" dirty="0" smtClean="0"/>
+              <a:rPr lang="en-US" sz="3200" dirty="0"/>
               <a:t>Command Line Arguments</a:t>
             </a:r>
           </a:p>
           <a:p>
             <a:r>
-              <a:rPr lang="en-US" sz="3200" dirty="0" smtClean="0"/>
+              <a:rPr lang="en-US" sz="3200" dirty="0"/>
               <a:t>String Functions</a:t>
             </a:r>
-            <a:endParaRPr lang="en-US" sz="3200" dirty="0" smtClean="0"/>
           </a:p>
         </p:txBody>
       </p:sp>
@@ -6664,13 +6387,6 @@
   <p:clrMapOvr>
     <a:masterClrMapping/>
   </p:clrMapOvr>
-  <p:timing>
-    <p:tnLst>
-      <p:par>
-        <p:cTn id="1" dur="indefinite" restart="never" nodeType="tmRoot"/>
-      </p:par>
-    </p:tnLst>
-  </p:timing>
 </p:sld>
 </file>
 
@@ -6707,15 +6423,15 @@
           <a:lstStyle/>
           <a:p>
             <a:r>
-              <a:rPr lang="en-US" dirty="0" err="1" smtClean="0"/>
+              <a:rPr lang="en-US" dirty="0" err="1"/>
               <a:t>Scanf</a:t>
             </a:r>
             <a:r>
-              <a:rPr lang="en-US" dirty="0" smtClean="0"/>
+              <a:rPr lang="en-US" dirty="0"/>
               <a:t> and </a:t>
             </a:r>
             <a:r>
-              <a:rPr lang="en-US" dirty="0" err="1" smtClean="0"/>
+              <a:rPr lang="en-US" dirty="0" err="1"/>
               <a:t>Printf</a:t>
             </a:r>
             <a:endParaRPr lang="en-US" dirty="0"/>
@@ -6740,116 +6456,120 @@
           <a:lstStyle/>
           <a:p>
             <a:r>
-              <a:rPr lang="en-US" sz="2400" dirty="0" err="1" smtClean="0"/>
+              <a:rPr lang="en-US" sz="2400" dirty="0" err="1"/>
               <a:t>Scanf</a:t>
             </a:r>
             <a:r>
-              <a:rPr lang="en-US" sz="2400" dirty="0" smtClean="0"/>
+              <a:rPr lang="en-US" sz="2400" dirty="0"/>
               <a:t> and </a:t>
             </a:r>
             <a:r>
-              <a:rPr lang="en-US" sz="2400" dirty="0" err="1" smtClean="0"/>
+              <a:rPr lang="en-US" sz="2400" dirty="0" err="1"/>
               <a:t>printf</a:t>
             </a:r>
             <a:r>
-              <a:rPr lang="en-US" sz="2400" dirty="0" smtClean="0"/>
+              <a:rPr lang="en-US" sz="2400" dirty="0"/>
               <a:t> read and write to standard in and standard out.</a:t>
             </a:r>
           </a:p>
           <a:p>
             <a:r>
-              <a:rPr lang="en-US" sz="2400" dirty="0" smtClean="0"/>
+              <a:rPr lang="en-US" sz="2400" dirty="0"/>
               <a:t>When you invoke (run) your code from the command line</a:t>
             </a:r>
           </a:p>
           <a:p>
             <a:pPr lvl="1"/>
             <a:r>
-              <a:rPr lang="en-US" sz="2000" dirty="0" smtClean="0"/>
+              <a:rPr lang="en-US" sz="2000" dirty="0"/>
               <a:t>Standard in (</a:t>
             </a:r>
             <a:r>
-              <a:rPr lang="en-US" sz="2000" dirty="0" err="1" smtClean="0"/>
+              <a:rPr lang="en-US" sz="2000" dirty="0" err="1"/>
               <a:t>stdin</a:t>
             </a:r>
             <a:r>
-              <a:rPr lang="en-US" sz="2000" dirty="0" smtClean="0"/>
+              <a:rPr lang="en-US" sz="2000" dirty="0"/>
               <a:t>) is the keyboard</a:t>
             </a:r>
           </a:p>
           <a:p>
             <a:pPr lvl="1"/>
             <a:r>
-              <a:rPr lang="en-US" sz="2000" dirty="0" smtClean="0"/>
+              <a:rPr lang="en-US" sz="2000" dirty="0"/>
               <a:t>Standard out (</a:t>
             </a:r>
             <a:r>
-              <a:rPr lang="en-US" sz="2000" dirty="0" err="1" smtClean="0"/>
+              <a:rPr lang="en-US" sz="2000" dirty="0" err="1"/>
               <a:t>stdout</a:t>
             </a:r>
             <a:r>
-              <a:rPr lang="en-US" sz="2000" dirty="0" smtClean="0"/>
+              <a:rPr lang="en-US" sz="2000" dirty="0"/>
               <a:t>) is the screen</a:t>
             </a:r>
           </a:p>
           <a:p>
             <a:r>
-              <a:rPr lang="en-US" sz="2400" dirty="0" smtClean="0"/>
-              <a:t>On HackerRank</a:t>
-            </a:r>
+              <a:rPr lang="en-US" sz="2400" dirty="0"/>
+              <a:t>On </a:t>
+            </a:r>
+            <a:r>
+              <a:rPr lang="en-US" sz="2400" dirty="0" err="1"/>
+              <a:t>Mimir</a:t>
+            </a:r>
+            <a:endParaRPr lang="en-US" sz="2400" dirty="0"/>
           </a:p>
           <a:p>
             <a:pPr lvl="1"/>
             <a:r>
-              <a:rPr lang="en-US" sz="2000" dirty="0" err="1" smtClean="0"/>
+              <a:rPr lang="en-US" sz="2000" dirty="0" err="1"/>
               <a:t>stdin</a:t>
             </a:r>
             <a:r>
-              <a:rPr lang="en-US" sz="2000" dirty="0" smtClean="0"/>
+              <a:rPr lang="en-US" sz="2000" dirty="0"/>
               <a:t> is a </a:t>
             </a:r>
             <a:r>
-              <a:rPr lang="en-US" sz="2000" dirty="0" err="1" smtClean="0"/>
+              <a:rPr lang="en-US" sz="2000" dirty="0" err="1"/>
               <a:t>TestCase</a:t>
             </a:r>
             <a:r>
-              <a:rPr lang="en-US" sz="2000" dirty="0" smtClean="0"/>
+              <a:rPr lang="en-US" sz="2000" dirty="0"/>
               <a:t> (or your custom input)</a:t>
             </a:r>
           </a:p>
           <a:p>
             <a:pPr lvl="1"/>
             <a:r>
-              <a:rPr lang="en-US" sz="2000" dirty="0" err="1" smtClean="0"/>
+              <a:rPr lang="en-US" sz="2000" dirty="0" err="1"/>
               <a:t>stdin</a:t>
             </a:r>
             <a:r>
-              <a:rPr lang="en-US" sz="2000" dirty="0" smtClean="0"/>
+              <a:rPr lang="en-US" sz="2000" dirty="0"/>
               <a:t> is a message displayed to you in the output box</a:t>
             </a:r>
           </a:p>
           <a:p>
             <a:r>
-              <a:rPr lang="en-US" sz="2400" dirty="0" smtClean="0"/>
+              <a:rPr lang="en-US" sz="2400" dirty="0"/>
               <a:t>However, you can also use files for </a:t>
             </a:r>
             <a:r>
-              <a:rPr lang="en-US" sz="2400" dirty="0" err="1" smtClean="0"/>
+              <a:rPr lang="en-US" sz="2400" dirty="0" err="1"/>
               <a:t>stdin</a:t>
             </a:r>
             <a:r>
-              <a:rPr lang="en-US" sz="2400" dirty="0" smtClean="0"/>
+              <a:rPr lang="en-US" sz="2400" dirty="0"/>
               <a:t> and </a:t>
             </a:r>
             <a:r>
-              <a:rPr lang="en-US" sz="2400" dirty="0" err="1" smtClean="0"/>
+              <a:rPr lang="en-US" sz="2400" dirty="0" err="1"/>
               <a:t>stdout</a:t>
             </a:r>
             <a:r>
-              <a:rPr lang="en-US" sz="2400" dirty="0" smtClean="0"/>
+              <a:rPr lang="en-US" sz="2400" dirty="0"/>
               <a:t>.</a:t>
             </a:r>
-            <a:endParaRPr lang="en-US" sz="2400" dirty="0"/>
           </a:p>
         </p:txBody>
       </p:sp>
@@ -6887,13 +6607,6 @@
   <p:clrMapOvr>
     <a:masterClrMapping/>
   </p:clrMapOvr>
-  <p:timing>
-    <p:tnLst>
-      <p:par>
-        <p:cTn id="1" dur="indefinite" restart="never" nodeType="tmRoot"/>
-      </p:par>
-    </p:tnLst>
-  </p:timing>
 </p:sld>
 </file>
 
@@ -6930,10 +6643,9 @@
           <a:lstStyle/>
           <a:p>
             <a:r>
-              <a:rPr lang="en-US" dirty="0" smtClean="0"/>
+              <a:rPr lang="en-US" dirty="0"/>
               <a:t>Redirection</a:t>
             </a:r>
-            <a:endParaRPr lang="en-US" dirty="0"/>
           </a:p>
         </p:txBody>
       </p:sp>
@@ -6961,57 +6673,57 @@
           <a:p>
             <a:pPr marL="514350" indent="-457200"/>
             <a:r>
-              <a:rPr lang="en-US" sz="2800" dirty="0" err="1" smtClean="0"/>
+              <a:rPr lang="en-US" sz="2800" dirty="0" err="1"/>
               <a:t>Scanf</a:t>
             </a:r>
             <a:r>
-              <a:rPr lang="en-US" sz="2800" dirty="0" smtClean="0"/>
+              <a:rPr lang="en-US" sz="2800" dirty="0"/>
               <a:t>, </a:t>
             </a:r>
             <a:r>
-              <a:rPr lang="en-US" sz="2800" dirty="0" err="1" smtClean="0"/>
+              <a:rPr lang="en-US" sz="2800" dirty="0" err="1"/>
               <a:t>printf</a:t>
             </a:r>
             <a:r>
-              <a:rPr lang="en-US" sz="2800" dirty="0" smtClean="0"/>
+              <a:rPr lang="en-US" sz="2800" dirty="0"/>
               <a:t>, </a:t>
             </a:r>
             <a:r>
-              <a:rPr lang="en-US" sz="2800" dirty="0" err="1" smtClean="0"/>
+              <a:rPr lang="en-US" sz="2800" dirty="0" err="1"/>
               <a:t>getchar</a:t>
             </a:r>
             <a:r>
-              <a:rPr lang="en-US" sz="2800" dirty="0" smtClean="0"/>
+              <a:rPr lang="en-US" sz="2800" dirty="0"/>
               <a:t>, </a:t>
             </a:r>
             <a:r>
-              <a:rPr lang="en-US" sz="2800" dirty="0" err="1" smtClean="0"/>
+              <a:rPr lang="en-US" sz="2800" dirty="0" err="1"/>
               <a:t>putchar</a:t>
             </a:r>
             <a:r>
-              <a:rPr lang="en-US" sz="2800" dirty="0" smtClean="0"/>
+              <a:rPr lang="en-US" sz="2800" dirty="0"/>
               <a:t>, gets, puts: obtain input from standard input and show output to standard output (</a:t>
             </a:r>
             <a:r>
-              <a:rPr lang="en-US" sz="2800" i="1" dirty="0" smtClean="0"/>
+              <a:rPr lang="en-US" sz="2800" i="1" dirty="0"/>
               <a:t>by default</a:t>
             </a:r>
             <a:r>
-              <a:rPr lang="en-US" sz="2800" dirty="0" smtClean="0"/>
+              <a:rPr lang="en-US" sz="2800" dirty="0"/>
               <a:t>).</a:t>
             </a:r>
           </a:p>
           <a:p>
             <a:pPr marL="514350" indent="-457200"/>
             <a:r>
-              <a:rPr lang="en-US" sz="2800" dirty="0" smtClean="0"/>
+              <a:rPr lang="en-US" sz="2800" dirty="0"/>
               <a:t>Redirect input using &lt;</a:t>
             </a:r>
           </a:p>
           <a:p>
             <a:pPr marL="514350" indent="-457200"/>
             <a:r>
-              <a:rPr lang="en-US" sz="2800" dirty="0" smtClean="0"/>
+              <a:rPr lang="en-US" sz="2800" dirty="0"/>
               <a:t>Redirect output using &gt;</a:t>
             </a:r>
           </a:p>
@@ -7020,7 +6732,7 @@
               <a:buNone/>
             </a:pPr>
             <a:r>
-              <a:rPr lang="en-US" sz="2800" dirty="0" smtClean="0">
+              <a:rPr lang="en-US" sz="2800" dirty="0">
                 <a:solidFill>
                   <a:srgbClr val="0B2B91"/>
                 </a:solidFill>
@@ -7028,10 +6740,10 @@
                 <a:ea typeface="Consolas" charset="0"/>
                 <a:cs typeface="Consolas" charset="0"/>
               </a:rPr>
-              <a:t>	./factorial </a:t>
-            </a:r>
-            <a:r>
-              <a:rPr lang="en-US" sz="2800" dirty="0" smtClean="0">
+              <a:t>	./factorial &gt;</a:t>
+            </a:r>
+            <a:r>
+              <a:rPr lang="en-US" sz="2800" dirty="0" err="1">
                 <a:solidFill>
                   <a:srgbClr val="0B2B91"/>
                 </a:solidFill>
@@ -7039,20 +6751,9 @@
                 <a:ea typeface="Consolas" charset="0"/>
                 <a:cs typeface="Consolas" charset="0"/>
               </a:rPr>
-              <a:t>&gt;</a:t>
-            </a:r>
-            <a:r>
-              <a:rPr lang="en-US" sz="2800" dirty="0" err="1" smtClean="0">
-                <a:solidFill>
-                  <a:srgbClr val="0B2B91"/>
-                </a:solidFill>
-                <a:latin typeface="Consolas" charset="0"/>
-                <a:ea typeface="Consolas" charset="0"/>
-                <a:cs typeface="Consolas" charset="0"/>
-              </a:rPr>
               <a:t>output.dat</a:t>
             </a:r>
-            <a:endParaRPr lang="en-US" sz="2800" dirty="0" smtClean="0">
+            <a:endParaRPr lang="en-US" sz="2800" dirty="0">
               <a:solidFill>
                 <a:srgbClr val="0B2B91"/>
               </a:solidFill>
@@ -7074,10 +6775,10 @@
                 <a:ea typeface="Consolas" charset="0"/>
                 <a:cs typeface="Consolas" charset="0"/>
               </a:rPr>
-              <a:t>	</a:t>
-            </a:r>
-            <a:r>
-              <a:rPr lang="en-US" sz="2800" dirty="0" smtClean="0">
+              <a:t>	./quadratic &lt;</a:t>
+            </a:r>
+            <a:r>
+              <a:rPr lang="en-US" sz="2800" dirty="0" err="1">
                 <a:solidFill>
                   <a:srgbClr val="0B2B91"/>
                 </a:solidFill>
@@ -7085,31 +6786,9 @@
                 <a:ea typeface="Consolas" charset="0"/>
                 <a:cs typeface="Consolas" charset="0"/>
               </a:rPr>
-              <a:t>./quadratic </a:t>
-            </a:r>
-            <a:r>
-              <a:rPr lang="en-US" sz="2800" dirty="0" smtClean="0">
-                <a:solidFill>
-                  <a:srgbClr val="0B2B91"/>
-                </a:solidFill>
-                <a:latin typeface="Consolas" charset="0"/>
-                <a:ea typeface="Consolas" charset="0"/>
-                <a:cs typeface="Consolas" charset="0"/>
-              </a:rPr>
-              <a:t>&lt;</a:t>
-            </a:r>
-            <a:r>
-              <a:rPr lang="en-US" sz="2800" dirty="0" err="1" smtClean="0">
-                <a:solidFill>
-                  <a:srgbClr val="0B2B91"/>
-                </a:solidFill>
-                <a:latin typeface="Consolas" charset="0"/>
-                <a:ea typeface="Consolas" charset="0"/>
-                <a:cs typeface="Consolas" charset="0"/>
-              </a:rPr>
               <a:t>values.dat</a:t>
             </a:r>
-            <a:endParaRPr lang="en-US" sz="2800" dirty="0" smtClean="0">
+            <a:endParaRPr lang="en-US" sz="2800" dirty="0">
               <a:solidFill>
                 <a:srgbClr val="0B2B91"/>
               </a:solidFill>
@@ -7131,10 +6810,10 @@
                 <a:ea typeface="Consolas" charset="0"/>
                 <a:cs typeface="Consolas" charset="0"/>
               </a:rPr>
-              <a:t>	</a:t>
-            </a:r>
-            <a:r>
-              <a:rPr lang="en-US" sz="2800" dirty="0" smtClean="0">
+              <a:t>	./demo &lt;</a:t>
+            </a:r>
+            <a:r>
+              <a:rPr lang="en-US" sz="2800" dirty="0" err="1">
                 <a:solidFill>
                   <a:srgbClr val="0B2B91"/>
                 </a:solidFill>
@@ -7142,10 +6821,10 @@
                 <a:ea typeface="Consolas" charset="0"/>
                 <a:cs typeface="Consolas" charset="0"/>
               </a:rPr>
-              <a:t>./demo </a:t>
-            </a:r>
-            <a:r>
-              <a:rPr lang="en-US" sz="2800" dirty="0" smtClean="0">
+              <a:t>in.txt</a:t>
+            </a:r>
+            <a:r>
+              <a:rPr lang="en-US" sz="2800" dirty="0">
                 <a:solidFill>
                   <a:srgbClr val="0B2B91"/>
                 </a:solidFill>
@@ -7153,32 +6832,10 @@
                 <a:ea typeface="Consolas" charset="0"/>
                 <a:cs typeface="Consolas" charset="0"/>
               </a:rPr>
-              <a:t>&lt;</a:t>
-            </a:r>
-            <a:r>
-              <a:rPr lang="en-US" sz="2800" dirty="0" err="1" smtClean="0">
-                <a:solidFill>
-                  <a:srgbClr val="0B2B91"/>
-                </a:solidFill>
-                <a:latin typeface="Consolas" charset="0"/>
-                <a:ea typeface="Consolas" charset="0"/>
-                <a:cs typeface="Consolas" charset="0"/>
-              </a:rPr>
-              <a:t>in.txt</a:t>
-            </a:r>
-            <a:r>
-              <a:rPr lang="en-US" sz="2800" dirty="0" smtClean="0">
-                <a:solidFill>
-                  <a:srgbClr val="0B2B91"/>
-                </a:solidFill>
-                <a:latin typeface="Consolas" charset="0"/>
-                <a:ea typeface="Consolas" charset="0"/>
-                <a:cs typeface="Consolas" charset="0"/>
-              </a:rPr>
               <a:t> &gt;</a:t>
             </a:r>
             <a:r>
-              <a:rPr lang="en-US" sz="2800" dirty="0" err="1" smtClean="0">
+              <a:rPr lang="en-US" sz="2800" dirty="0" err="1">
                 <a:solidFill>
                   <a:srgbClr val="0B2B91"/>
                 </a:solidFill>
@@ -7230,13 +6887,6 @@
   <p:clrMapOvr>
     <a:masterClrMapping/>
   </p:clrMapOvr>
-  <p:timing>
-    <p:tnLst>
-      <p:par>
-        <p:cTn id="1" dur="indefinite" restart="never" nodeType="tmRoot"/>
-      </p:par>
-    </p:tnLst>
-  </p:timing>
 </p:sld>
 </file>
 
@@ -7273,10 +6923,9 @@
           <a:lstStyle/>
           <a:p>
             <a:r>
-              <a:rPr lang="en-US" dirty="0" smtClean="0"/>
+              <a:rPr lang="en-US" dirty="0"/>
               <a:t>Command Line Arguments</a:t>
             </a:r>
-            <a:endParaRPr lang="en-US" dirty="0"/>
           </a:p>
         </p:txBody>
       </p:sp>
@@ -7296,41 +6945,41 @@
           <a:lstStyle/>
           <a:p>
             <a:r>
-              <a:rPr lang="en-US" dirty="0" smtClean="0"/>
+              <a:rPr lang="en-US" dirty="0"/>
               <a:t>Programs are useful because they can respond differently depending on the input they receive.</a:t>
             </a:r>
           </a:p>
           <a:p>
             <a:r>
-              <a:rPr lang="en-US" dirty="0" smtClean="0"/>
+              <a:rPr lang="en-US" dirty="0"/>
               <a:t>The way you give a program input is to supply different input to </a:t>
             </a:r>
             <a:r>
-              <a:rPr lang="en-US" dirty="0" err="1" smtClean="0"/>
+              <a:rPr lang="en-US" dirty="0" err="1"/>
               <a:t>stdin</a:t>
             </a:r>
             <a:r>
-              <a:rPr lang="en-US" dirty="0" smtClean="0"/>
+              <a:rPr lang="en-US" dirty="0"/>
               <a:t>.</a:t>
             </a:r>
           </a:p>
           <a:p>
             <a:r>
-              <a:rPr lang="en-US" dirty="0" smtClean="0"/>
+              <a:rPr lang="en-US" dirty="0"/>
               <a:t>However, there is another mechanism to pass information to programs: Command Line Arguments</a:t>
             </a:r>
           </a:p>
           <a:p>
             <a:r>
-              <a:rPr lang="en-US" dirty="0" smtClean="0"/>
+              <a:rPr lang="en-US" dirty="0"/>
               <a:t>You've seen them before with the program "</a:t>
             </a:r>
             <a:r>
-              <a:rPr lang="en-US" dirty="0" err="1" smtClean="0"/>
+              <a:rPr lang="en-US" dirty="0" err="1"/>
               <a:t>gcc</a:t>
             </a:r>
             <a:r>
-              <a:rPr lang="en-US" dirty="0" smtClean="0"/>
+              <a:rPr lang="en-US" dirty="0"/>
               <a:t>":</a:t>
             </a:r>
           </a:p>
@@ -7339,7 +6988,7 @@
               <a:buNone/>
             </a:pPr>
             <a:r>
-              <a:rPr lang="en-US" dirty="0" err="1" smtClean="0">
+              <a:rPr lang="en-US" dirty="0" err="1">
                 <a:solidFill>
                   <a:srgbClr val="000099"/>
                 </a:solidFill>
@@ -7350,7 +6999,7 @@
               <a:t>gcc</a:t>
             </a:r>
             <a:r>
-              <a:rPr lang="en-US" dirty="0" smtClean="0">
+              <a:rPr lang="en-US" dirty="0">
                 <a:solidFill>
                   <a:srgbClr val="000099"/>
                 </a:solidFill>
@@ -7361,7 +7010,7 @@
               <a:t> </a:t>
             </a:r>
             <a:r>
-              <a:rPr lang="en-US" dirty="0" err="1" smtClean="0">
+              <a:rPr lang="en-US" dirty="0" err="1">
                 <a:solidFill>
                   <a:srgbClr val="000099"/>
                 </a:solidFill>
@@ -7372,7 +7021,7 @@
               <a:t>io.c</a:t>
             </a:r>
             <a:r>
-              <a:rPr lang="en-US" dirty="0" smtClean="0">
+              <a:rPr lang="en-US" dirty="0">
                 <a:solidFill>
                   <a:srgbClr val="000099"/>
                 </a:solidFill>
@@ -7383,7 +7032,7 @@
               <a:t> -o </a:t>
             </a:r>
             <a:r>
-              <a:rPr lang="en-US" dirty="0" err="1" smtClean="0">
+              <a:rPr lang="en-US" dirty="0" err="1">
                 <a:solidFill>
                   <a:srgbClr val="000099"/>
                 </a:solidFill>
@@ -7393,7 +7042,7 @@
               </a:rPr>
               <a:t>io</a:t>
             </a:r>
-            <a:endParaRPr lang="en-US" dirty="0" smtClean="0">
+            <a:endParaRPr lang="en-US" dirty="0">
               <a:solidFill>
                 <a:srgbClr val="000099"/>
               </a:solidFill>
@@ -7404,7 +7053,7 @@
           </a:p>
           <a:p>
             <a:r>
-              <a:rPr lang="en-US" dirty="0" smtClean="0">
+              <a:rPr lang="en-US" dirty="0">
                 <a:solidFill>
                   <a:srgbClr val="000099"/>
                 </a:solidFill>
@@ -7415,7 +7064,7 @@
               <a:t>"</a:t>
             </a:r>
             <a:r>
-              <a:rPr lang="en-US" dirty="0" err="1" smtClean="0">
+              <a:rPr lang="en-US" dirty="0" err="1">
                 <a:solidFill>
                   <a:srgbClr val="000099"/>
                 </a:solidFill>
@@ -7426,7 +7075,7 @@
               <a:t>io.c</a:t>
             </a:r>
             <a:r>
-              <a:rPr lang="en-US" dirty="0" smtClean="0">
+              <a:rPr lang="en-US" dirty="0">
                 <a:solidFill>
                   <a:srgbClr val="000099"/>
                 </a:solidFill>
@@ -7437,11 +7086,11 @@
               <a:t>"</a:t>
             </a:r>
             <a:r>
-              <a:rPr lang="en-US" dirty="0" smtClean="0"/>
+              <a:rPr lang="en-US" dirty="0"/>
               <a:t>, </a:t>
             </a:r>
             <a:r>
-              <a:rPr lang="en-US" dirty="0" smtClean="0">
+              <a:rPr lang="en-US" dirty="0">
                 <a:solidFill>
                   <a:srgbClr val="000099"/>
                 </a:solidFill>
@@ -7452,11 +7101,11 @@
               <a:t>"-o"</a:t>
             </a:r>
             <a:r>
-              <a:rPr lang="en-US" dirty="0" smtClean="0"/>
+              <a:rPr lang="en-US" dirty="0"/>
               <a:t>, and </a:t>
             </a:r>
             <a:r>
-              <a:rPr lang="en-US" dirty="0" smtClean="0">
+              <a:rPr lang="en-US" dirty="0">
                 <a:solidFill>
                   <a:srgbClr val="000099"/>
                 </a:solidFill>
@@ -7467,7 +7116,7 @@
               <a:t>"</a:t>
             </a:r>
             <a:r>
-              <a:rPr lang="en-US" dirty="0" err="1" smtClean="0">
+              <a:rPr lang="en-US" dirty="0" err="1">
                 <a:solidFill>
                   <a:srgbClr val="000099"/>
                 </a:solidFill>
@@ -7478,7 +7127,7 @@
               <a:t>io</a:t>
             </a:r>
             <a:r>
-              <a:rPr lang="en-US" dirty="0" smtClean="0">
+              <a:rPr lang="en-US" dirty="0">
                 <a:solidFill>
                   <a:srgbClr val="000099"/>
                 </a:solidFill>
@@ -7489,10 +7138,9 @@
               <a:t>"</a:t>
             </a:r>
             <a:r>
-              <a:rPr lang="en-US" dirty="0" smtClean="0"/>
+              <a:rPr lang="en-US" dirty="0"/>
               <a:t> are three command line arguments passed as strings to the main function.</a:t>
             </a:r>
-            <a:endParaRPr lang="en-US" dirty="0"/>
           </a:p>
         </p:txBody>
       </p:sp>
@@ -7530,13 +7178,6 @@
   <p:clrMapOvr>
     <a:masterClrMapping/>
   </p:clrMapOvr>
-  <p:timing>
-    <p:tnLst>
-      <p:par>
-        <p:cTn id="1" dur="indefinite" restart="never" nodeType="tmRoot"/>
-      </p:par>
-    </p:tnLst>
-  </p:timing>
 </p:sld>
 </file>
 
@@ -7573,15 +7214,15 @@
           <a:lstStyle/>
           <a:p>
             <a:r>
-              <a:rPr lang="en-US" dirty="0" err="1" smtClean="0"/>
+              <a:rPr lang="en-US" dirty="0" err="1"/>
               <a:t>argc</a:t>
             </a:r>
             <a:r>
-              <a:rPr lang="en-US" dirty="0" smtClean="0"/>
+              <a:rPr lang="en-US" dirty="0"/>
               <a:t> and </a:t>
             </a:r>
             <a:r>
-              <a:rPr lang="en-US" dirty="0" err="1" smtClean="0"/>
+              <a:rPr lang="en-US" dirty="0" err="1"/>
               <a:t>argv</a:t>
             </a:r>
             <a:endParaRPr lang="en-US" dirty="0"/>
@@ -7604,49 +7245,49 @@
           <a:lstStyle/>
           <a:p>
             <a:r>
-              <a:rPr lang="en-US" dirty="0" smtClean="0"/>
+              <a:rPr lang="en-US" dirty="0"/>
               <a:t>We've been defining our main function as taking no arguments (void), but most main functions actually take 2 arguments, </a:t>
             </a:r>
             <a:r>
-              <a:rPr lang="en-US" dirty="0" err="1" smtClean="0"/>
+              <a:rPr lang="en-US" dirty="0" err="1"/>
               <a:t>argc</a:t>
             </a:r>
             <a:r>
-              <a:rPr lang="en-US" dirty="0" smtClean="0"/>
+              <a:rPr lang="en-US" dirty="0"/>
               <a:t> and </a:t>
             </a:r>
             <a:r>
-              <a:rPr lang="en-US" dirty="0" err="1" smtClean="0"/>
+              <a:rPr lang="en-US" dirty="0" err="1"/>
               <a:t>argv</a:t>
             </a:r>
             <a:r>
-              <a:rPr lang="en-US" dirty="0" smtClean="0"/>
+              <a:rPr lang="en-US" dirty="0"/>
               <a:t>.</a:t>
             </a:r>
           </a:p>
           <a:p>
             <a:r>
-              <a:rPr lang="en-US" dirty="0" err="1" smtClean="0"/>
+              <a:rPr lang="en-US" dirty="0" err="1"/>
               <a:t>argc</a:t>
             </a:r>
             <a:r>
-              <a:rPr lang="en-US" dirty="0" smtClean="0"/>
+              <a:rPr lang="en-US" dirty="0"/>
               <a:t> is an integer representing the number of command line arguments provided to the program.</a:t>
             </a:r>
           </a:p>
           <a:p>
             <a:r>
-              <a:rPr lang="en-US" dirty="0" err="1" smtClean="0"/>
+              <a:rPr lang="en-US" dirty="0" err="1"/>
               <a:t>argv</a:t>
             </a:r>
             <a:r>
-              <a:rPr lang="en-US" dirty="0" smtClean="0"/>
+              <a:rPr lang="en-US" dirty="0"/>
               <a:t> is a array of strings, with each string being a command line argument.</a:t>
             </a:r>
           </a:p>
           <a:p>
             <a:r>
-              <a:rPr lang="en-US" dirty="0" smtClean="0"/>
+              <a:rPr lang="en-US" dirty="0"/>
               <a:t>Example:</a:t>
             </a:r>
           </a:p>
@@ -7655,7 +7296,7 @@
               <a:buNone/>
             </a:pPr>
             <a:r>
-              <a:rPr lang="en-US" dirty="0" smtClean="0">
+              <a:rPr lang="en-US" dirty="0">
                 <a:solidFill>
                   <a:srgbClr val="000099"/>
                 </a:solidFill>
@@ -7666,7 +7307,7 @@
               <a:t>./</a:t>
             </a:r>
             <a:r>
-              <a:rPr lang="en-US" dirty="0" err="1" smtClean="0">
+              <a:rPr lang="en-US" dirty="0" err="1">
                 <a:solidFill>
                   <a:srgbClr val="000099"/>
                 </a:solidFill>
@@ -7677,7 +7318,7 @@
               <a:t>test_program</a:t>
             </a:r>
             <a:r>
-              <a:rPr lang="en-US" dirty="0" smtClean="0">
+              <a:rPr lang="en-US" dirty="0">
                 <a:solidFill>
                   <a:srgbClr val="000099"/>
                 </a:solidFill>
@@ -7693,15 +7334,15 @@
               <a:buNone/>
             </a:pPr>
             <a:r>
-              <a:rPr lang="en-US" dirty="0" err="1" smtClean="0"/>
+              <a:rPr lang="en-US" dirty="0" err="1"/>
               <a:t>argc</a:t>
             </a:r>
             <a:r>
-              <a:rPr lang="en-US" dirty="0" smtClean="0"/>
+              <a:rPr lang="en-US" dirty="0"/>
               <a:t> is </a:t>
             </a:r>
             <a:r>
-              <a:rPr lang="en-US" dirty="0" smtClean="0">
+              <a:rPr lang="en-US" dirty="0">
                 <a:solidFill>
                   <a:srgbClr val="000099"/>
                 </a:solidFill>
@@ -7717,15 +7358,15 @@
               <a:buNone/>
             </a:pPr>
             <a:r>
-              <a:rPr lang="en-US" dirty="0" err="1" smtClean="0"/>
+              <a:rPr lang="en-US" dirty="0" err="1"/>
               <a:t>argv</a:t>
             </a:r>
             <a:r>
-              <a:rPr lang="en-US" dirty="0" smtClean="0"/>
+              <a:rPr lang="en-US" dirty="0"/>
               <a:t> is </a:t>
             </a:r>
             <a:r>
-              <a:rPr lang="en-US" dirty="0" smtClean="0">
+              <a:rPr lang="en-US" dirty="0">
                 <a:solidFill>
                   <a:srgbClr val="000099"/>
                 </a:solidFill>
@@ -7736,7 +7377,7 @@
               <a:t>{"./</a:t>
             </a:r>
             <a:r>
-              <a:rPr lang="en-US" dirty="0" err="1" smtClean="0">
+              <a:rPr lang="en-US" dirty="0" err="1">
                 <a:solidFill>
                   <a:srgbClr val="000099"/>
                 </a:solidFill>
@@ -7747,7 +7388,7 @@
               <a:t>test_program</a:t>
             </a:r>
             <a:r>
-              <a:rPr lang="en-US" dirty="0" smtClean="0">
+              <a:rPr lang="en-US" dirty="0">
                 <a:solidFill>
                   <a:srgbClr val="000099"/>
                 </a:solidFill>
@@ -7757,14 +7398,6 @@
               </a:rPr>
               <a:t>", "57", "-d", "josh"}</a:t>
             </a:r>
-            <a:endParaRPr lang="en-US" dirty="0">
-              <a:solidFill>
-                <a:srgbClr val="000099"/>
-              </a:solidFill>
-              <a:latin typeface="Consolas" charset="0"/>
-              <a:ea typeface="Consolas" charset="0"/>
-              <a:cs typeface="Consolas" charset="0"/>
-            </a:endParaRPr>
           </a:p>
         </p:txBody>
       </p:sp>
@@ -7802,13 +7435,6 @@
   <p:clrMapOvr>
     <a:masterClrMapping/>
   </p:clrMapOvr>
-  <p:timing>
-    <p:tnLst>
-      <p:par>
-        <p:cTn id="1" dur="indefinite" restart="never" nodeType="tmRoot"/>
-      </p:par>
-    </p:tnLst>
-  </p:timing>
 </p:sld>
 </file>
 
@@ -7845,19 +7471,19 @@
           <a:lstStyle/>
           <a:p>
             <a:r>
-              <a:rPr lang="en-US" dirty="0" smtClean="0"/>
+              <a:rPr lang="en-US" dirty="0"/>
               <a:t>Using </a:t>
             </a:r>
             <a:r>
-              <a:rPr lang="en-US" dirty="0" err="1" smtClean="0"/>
+              <a:rPr lang="en-US" dirty="0" err="1"/>
               <a:t>argc</a:t>
             </a:r>
             <a:r>
-              <a:rPr lang="en-US" dirty="0" smtClean="0"/>
+              <a:rPr lang="en-US" dirty="0"/>
               <a:t> and </a:t>
             </a:r>
             <a:r>
-              <a:rPr lang="en-US" dirty="0" err="1" smtClean="0"/>
+              <a:rPr lang="en-US" dirty="0" err="1"/>
               <a:t>argv</a:t>
             </a:r>
             <a:endParaRPr lang="en-US" dirty="0"/>
@@ -7890,7 +7516,7 @@
               <a:buNone/>
             </a:pPr>
             <a:r>
-              <a:rPr lang="en-US" sz="2000" dirty="0" smtClean="0">
+              <a:rPr lang="en-US" sz="2000" dirty="0">
                 <a:solidFill>
                   <a:srgbClr val="000099"/>
                 </a:solidFill>
@@ -7901,7 +7527,7 @@
               <a:t>#include &lt;</a:t>
             </a:r>
             <a:r>
-              <a:rPr lang="en-US" sz="2000" dirty="0" err="1" smtClean="0">
+              <a:rPr lang="en-US" sz="2000" dirty="0" err="1">
                 <a:solidFill>
                   <a:srgbClr val="000099"/>
                 </a:solidFill>
@@ -7912,7 +7538,7 @@
               <a:t>stdio.h</a:t>
             </a:r>
             <a:r>
-              <a:rPr lang="en-US" sz="2000" dirty="0" smtClean="0">
+              <a:rPr lang="en-US" sz="2000" dirty="0">
                 <a:solidFill>
                   <a:srgbClr val="000099"/>
                 </a:solidFill>
@@ -7921,6 +7547,247 @@
                 <a:cs typeface="Consolas" charset="0"/>
               </a:rPr>
               <a:t>&gt;</a:t>
+            </a:r>
+          </a:p>
+          <a:p>
+            <a:pPr marL="0" indent="0">
+              <a:buNone/>
+            </a:pPr>
+            <a:r>
+              <a:rPr lang="en-US" sz="2000" dirty="0" err="1">
+                <a:solidFill>
+                  <a:srgbClr val="000099"/>
+                </a:solidFill>
+                <a:latin typeface="Consolas" charset="0"/>
+                <a:ea typeface="Consolas" charset="0"/>
+                <a:cs typeface="Consolas" charset="0"/>
+              </a:rPr>
+              <a:t>int</a:t>
+            </a:r>
+            <a:r>
+              <a:rPr lang="en-US" sz="2000" dirty="0">
+                <a:solidFill>
+                  <a:srgbClr val="000099"/>
+                </a:solidFill>
+                <a:latin typeface="Consolas" charset="0"/>
+                <a:ea typeface="Consolas" charset="0"/>
+                <a:cs typeface="Consolas" charset="0"/>
+              </a:rPr>
+              <a:t> main(</a:t>
+            </a:r>
+            <a:r>
+              <a:rPr lang="en-US" sz="2000" dirty="0" err="1">
+                <a:solidFill>
+                  <a:srgbClr val="000099"/>
+                </a:solidFill>
+                <a:latin typeface="Consolas" charset="0"/>
+                <a:ea typeface="Consolas" charset="0"/>
+                <a:cs typeface="Consolas" charset="0"/>
+              </a:rPr>
+              <a:t>int</a:t>
+            </a:r>
+            <a:r>
+              <a:rPr lang="en-US" sz="2000" dirty="0">
+                <a:solidFill>
+                  <a:srgbClr val="000099"/>
+                </a:solidFill>
+                <a:latin typeface="Consolas" charset="0"/>
+                <a:ea typeface="Consolas" charset="0"/>
+                <a:cs typeface="Consolas" charset="0"/>
+              </a:rPr>
+              <a:t> </a:t>
+            </a:r>
+            <a:r>
+              <a:rPr lang="en-US" sz="2000" dirty="0" err="1">
+                <a:solidFill>
+                  <a:srgbClr val="000099"/>
+                </a:solidFill>
+                <a:latin typeface="Consolas" charset="0"/>
+                <a:ea typeface="Consolas" charset="0"/>
+                <a:cs typeface="Consolas" charset="0"/>
+              </a:rPr>
+              <a:t>argc</a:t>
+            </a:r>
+            <a:r>
+              <a:rPr lang="en-US" sz="2000" dirty="0">
+                <a:solidFill>
+                  <a:srgbClr val="000099"/>
+                </a:solidFill>
+                <a:latin typeface="Consolas" charset="0"/>
+                <a:ea typeface="Consolas" charset="0"/>
+                <a:cs typeface="Consolas" charset="0"/>
+              </a:rPr>
+              <a:t>, char * </a:t>
+            </a:r>
+            <a:r>
+              <a:rPr lang="en-US" sz="2000" dirty="0" err="1">
+                <a:solidFill>
+                  <a:srgbClr val="000099"/>
+                </a:solidFill>
+                <a:latin typeface="Consolas" charset="0"/>
+                <a:ea typeface="Consolas" charset="0"/>
+                <a:cs typeface="Consolas" charset="0"/>
+              </a:rPr>
+              <a:t>argv</a:t>
+            </a:r>
+            <a:r>
+              <a:rPr lang="en-US" sz="2000" dirty="0">
+                <a:solidFill>
+                  <a:srgbClr val="000099"/>
+                </a:solidFill>
+                <a:latin typeface="Consolas" charset="0"/>
+                <a:ea typeface="Consolas" charset="0"/>
+                <a:cs typeface="Consolas" charset="0"/>
+              </a:rPr>
+              <a:t>[]) {</a:t>
+            </a:r>
+          </a:p>
+          <a:p>
+            <a:pPr marL="0" indent="0">
+              <a:buNone/>
+            </a:pPr>
+            <a:r>
+              <a:rPr lang="en-US" sz="2000" dirty="0">
+                <a:solidFill>
+                  <a:srgbClr val="000099"/>
+                </a:solidFill>
+                <a:latin typeface="Consolas" charset="0"/>
+                <a:ea typeface="Consolas" charset="0"/>
+                <a:cs typeface="Consolas" charset="0"/>
+              </a:rPr>
+              <a:t>	</a:t>
+            </a:r>
+            <a:r>
+              <a:rPr lang="mr-IN" sz="2000" dirty="0" err="1">
+                <a:solidFill>
+                  <a:srgbClr val="000099"/>
+                </a:solidFill>
+                <a:latin typeface="Consolas" charset="0"/>
+                <a:ea typeface="Consolas" charset="0"/>
+                <a:cs typeface="Consolas" charset="0"/>
+              </a:rPr>
+              <a:t>printf</a:t>
+            </a:r>
+            <a:r>
+              <a:rPr lang="mr-IN" sz="2000" dirty="0">
+                <a:solidFill>
+                  <a:srgbClr val="000099"/>
+                </a:solidFill>
+                <a:latin typeface="Consolas" charset="0"/>
+                <a:ea typeface="Consolas" charset="0"/>
+                <a:cs typeface="Consolas" charset="0"/>
+              </a:rPr>
+              <a:t>("</a:t>
+            </a:r>
+            <a:r>
+              <a:rPr lang="mr-IN" sz="2000" dirty="0" err="1">
+                <a:solidFill>
+                  <a:srgbClr val="000099"/>
+                </a:solidFill>
+                <a:latin typeface="Consolas" charset="0"/>
+                <a:ea typeface="Consolas" charset="0"/>
+                <a:cs typeface="Consolas" charset="0"/>
+              </a:rPr>
+              <a:t>argc</a:t>
+            </a:r>
+            <a:r>
+              <a:rPr lang="mr-IN" sz="2000" dirty="0">
+                <a:solidFill>
+                  <a:srgbClr val="000099"/>
+                </a:solidFill>
+                <a:latin typeface="Consolas" charset="0"/>
+                <a:ea typeface="Consolas" charset="0"/>
+                <a:cs typeface="Consolas" charset="0"/>
+              </a:rPr>
+              <a:t> </a:t>
+            </a:r>
+            <a:r>
+              <a:rPr lang="mr-IN" sz="2000" dirty="0" err="1">
+                <a:solidFill>
+                  <a:srgbClr val="000099"/>
+                </a:solidFill>
+                <a:latin typeface="Consolas" charset="0"/>
+                <a:ea typeface="Consolas" charset="0"/>
+                <a:cs typeface="Consolas" charset="0"/>
+              </a:rPr>
+              <a:t>is</a:t>
+            </a:r>
+            <a:r>
+              <a:rPr lang="mr-IN" sz="2000" dirty="0">
+                <a:solidFill>
+                  <a:srgbClr val="000099"/>
+                </a:solidFill>
+                <a:latin typeface="Consolas" charset="0"/>
+                <a:ea typeface="Consolas" charset="0"/>
+                <a:cs typeface="Consolas" charset="0"/>
+              </a:rPr>
+              <a:t> %</a:t>
+            </a:r>
+            <a:r>
+              <a:rPr lang="mr-IN" sz="2000" dirty="0" err="1">
+                <a:solidFill>
+                  <a:srgbClr val="000099"/>
+                </a:solidFill>
+                <a:latin typeface="Consolas" charset="0"/>
+                <a:ea typeface="Consolas" charset="0"/>
+                <a:cs typeface="Consolas" charset="0"/>
+              </a:rPr>
+              <a:t>d</a:t>
+            </a:r>
+            <a:r>
+              <a:rPr lang="mr-IN" sz="2000" dirty="0">
+                <a:solidFill>
+                  <a:srgbClr val="000099"/>
+                </a:solidFill>
+                <a:latin typeface="Consolas" charset="0"/>
+                <a:ea typeface="Consolas" charset="0"/>
+                <a:cs typeface="Consolas" charset="0"/>
+              </a:rPr>
+              <a:t>\</a:t>
+            </a:r>
+            <a:r>
+              <a:rPr lang="mr-IN" sz="2000" dirty="0" err="1">
+                <a:solidFill>
+                  <a:srgbClr val="000099"/>
+                </a:solidFill>
+                <a:latin typeface="Consolas" charset="0"/>
+                <a:ea typeface="Consolas" charset="0"/>
+                <a:cs typeface="Consolas" charset="0"/>
+              </a:rPr>
+              <a:t>n</a:t>
+            </a:r>
+            <a:r>
+              <a:rPr lang="mr-IN" sz="2000" dirty="0">
+                <a:solidFill>
+                  <a:srgbClr val="000099"/>
+                </a:solidFill>
+                <a:latin typeface="Consolas" charset="0"/>
+                <a:ea typeface="Consolas" charset="0"/>
+                <a:cs typeface="Consolas" charset="0"/>
+              </a:rPr>
+              <a:t>", </a:t>
+            </a:r>
+            <a:r>
+              <a:rPr lang="mr-IN" sz="2000" dirty="0" err="1">
+                <a:solidFill>
+                  <a:srgbClr val="000099"/>
+                </a:solidFill>
+                <a:latin typeface="Consolas" charset="0"/>
+                <a:ea typeface="Consolas" charset="0"/>
+                <a:cs typeface="Consolas" charset="0"/>
+              </a:rPr>
+              <a:t>argc</a:t>
+            </a:r>
+            <a:r>
+              <a:rPr lang="mr-IN" sz="2000" dirty="0">
+                <a:solidFill>
+                  <a:srgbClr val="000099"/>
+                </a:solidFill>
+                <a:latin typeface="Consolas" charset="0"/>
+                <a:ea typeface="Consolas" charset="0"/>
+                <a:cs typeface="Consolas" charset="0"/>
+              </a:rPr>
+              <a:t>);    </a:t>
             </a:r>
             <a:endParaRPr lang="en-US" sz="2000" dirty="0">
               <a:solidFill>
@@ -7936,7 +7803,40 @@
               <a:buNone/>
             </a:pPr>
             <a:r>
-              <a:rPr lang="en-US" sz="2000" dirty="0" err="1" smtClean="0">
+              <a:rPr lang="en-US" sz="2000" dirty="0">
+                <a:solidFill>
+                  <a:srgbClr val="000099"/>
+                </a:solidFill>
+                <a:latin typeface="Consolas" charset="0"/>
+                <a:ea typeface="Consolas" charset="0"/>
+                <a:cs typeface="Consolas" charset="0"/>
+              </a:rPr>
+              <a:t>	</a:t>
+            </a:r>
+            <a:r>
+              <a:rPr lang="mr-IN" sz="2000" dirty="0" err="1">
+                <a:solidFill>
+                  <a:srgbClr val="000099"/>
+                </a:solidFill>
+                <a:latin typeface="Consolas" charset="0"/>
+                <a:ea typeface="Consolas" charset="0"/>
+                <a:cs typeface="Consolas" charset="0"/>
+              </a:rPr>
+              <a:t>for</a:t>
+            </a:r>
+            <a:r>
+              <a:rPr lang="mr-IN" sz="2000" dirty="0">
+                <a:solidFill>
+                  <a:srgbClr val="000099"/>
+                </a:solidFill>
+                <a:latin typeface="Consolas" charset="0"/>
+                <a:ea typeface="Consolas" charset="0"/>
+                <a:cs typeface="Consolas" charset="0"/>
+              </a:rPr>
+              <a:t> (</a:t>
+            </a:r>
+            <a:r>
+              <a:rPr lang="mr-IN" sz="2000" dirty="0" err="1">
                 <a:solidFill>
                   <a:srgbClr val="000099"/>
                 </a:solidFill>
@@ -7947,29 +7847,7 @@
               <a:t>int</a:t>
             </a:r>
             <a:r>
-              <a:rPr lang="en-US" sz="2000" dirty="0" smtClean="0">
-                <a:solidFill>
-                  <a:srgbClr val="000099"/>
-                </a:solidFill>
-                <a:latin typeface="Consolas" charset="0"/>
-                <a:ea typeface="Consolas" charset="0"/>
-                <a:cs typeface="Consolas" charset="0"/>
-              </a:rPr>
-              <a:t> main(</a:t>
-            </a:r>
-            <a:r>
-              <a:rPr lang="en-US" sz="2000" dirty="0" err="1" smtClean="0">
-                <a:solidFill>
-                  <a:srgbClr val="000099"/>
-                </a:solidFill>
-                <a:latin typeface="Consolas" charset="0"/>
-                <a:ea typeface="Consolas" charset="0"/>
-                <a:cs typeface="Consolas" charset="0"/>
-              </a:rPr>
-              <a:t>int</a:t>
-            </a:r>
-            <a:r>
-              <a:rPr lang="en-US" sz="2000" dirty="0" smtClean="0">
+              <a:rPr lang="mr-IN" sz="2000" dirty="0">
                 <a:solidFill>
                   <a:srgbClr val="000099"/>
                 </a:solidFill>
@@ -7980,7 +7858,51 @@
               <a:t> </a:t>
             </a:r>
             <a:r>
-              <a:rPr lang="en-US" sz="2000" dirty="0" err="1" smtClean="0">
+              <a:rPr lang="mr-IN" sz="2000" dirty="0" err="1">
+                <a:solidFill>
+                  <a:srgbClr val="000099"/>
+                </a:solidFill>
+                <a:latin typeface="Consolas" charset="0"/>
+                <a:ea typeface="Consolas" charset="0"/>
+                <a:cs typeface="Consolas" charset="0"/>
+              </a:rPr>
+              <a:t>i</a:t>
+            </a:r>
+            <a:r>
+              <a:rPr lang="mr-IN" sz="2000" dirty="0">
+                <a:solidFill>
+                  <a:srgbClr val="000099"/>
+                </a:solidFill>
+                <a:latin typeface="Consolas" charset="0"/>
+                <a:ea typeface="Consolas" charset="0"/>
+                <a:cs typeface="Consolas" charset="0"/>
+              </a:rPr>
+              <a:t> = 0; </a:t>
+            </a:r>
+            <a:r>
+              <a:rPr lang="mr-IN" sz="2000" dirty="0" err="1">
+                <a:solidFill>
+                  <a:srgbClr val="000099"/>
+                </a:solidFill>
+                <a:latin typeface="Consolas" charset="0"/>
+                <a:ea typeface="Consolas" charset="0"/>
+                <a:cs typeface="Consolas" charset="0"/>
+              </a:rPr>
+              <a:t>i</a:t>
+            </a:r>
+            <a:r>
+              <a:rPr lang="mr-IN" sz="2000" dirty="0">
+                <a:solidFill>
+                  <a:srgbClr val="000099"/>
+                </a:solidFill>
+                <a:latin typeface="Consolas" charset="0"/>
+                <a:ea typeface="Consolas" charset="0"/>
+                <a:cs typeface="Consolas" charset="0"/>
+              </a:rPr>
+              <a:t> &lt; </a:t>
+            </a:r>
+            <a:r>
+              <a:rPr lang="mr-IN" sz="2000" dirty="0" err="1">
                 <a:solidFill>
                   <a:srgbClr val="000099"/>
                 </a:solidFill>
@@ -7991,66 +7913,6 @@
               <a:t>argc</a:t>
             </a:r>
             <a:r>
-              <a:rPr lang="en-US" sz="2000" dirty="0" smtClean="0">
-                <a:solidFill>
-                  <a:srgbClr val="000099"/>
-                </a:solidFill>
-                <a:latin typeface="Consolas" charset="0"/>
-                <a:ea typeface="Consolas" charset="0"/>
-                <a:cs typeface="Consolas" charset="0"/>
-              </a:rPr>
-              <a:t>, char * </a:t>
-            </a:r>
-            <a:r>
-              <a:rPr lang="en-US" sz="2000" dirty="0" err="1" smtClean="0">
-                <a:solidFill>
-                  <a:srgbClr val="000099"/>
-                </a:solidFill>
-                <a:latin typeface="Consolas" charset="0"/>
-                <a:ea typeface="Consolas" charset="0"/>
-                <a:cs typeface="Consolas" charset="0"/>
-              </a:rPr>
-              <a:t>argv</a:t>
-            </a:r>
-            <a:r>
-              <a:rPr lang="en-US" sz="2000" dirty="0" smtClean="0">
-                <a:solidFill>
-                  <a:srgbClr val="000099"/>
-                </a:solidFill>
-                <a:latin typeface="Consolas" charset="0"/>
-                <a:ea typeface="Consolas" charset="0"/>
-                <a:cs typeface="Consolas" charset="0"/>
-              </a:rPr>
-              <a:t>[]) {</a:t>
-            </a:r>
-          </a:p>
-          <a:p>
-            <a:pPr marL="0" indent="0">
-              <a:buNone/>
-            </a:pPr>
-            <a:r>
-              <a:rPr lang="en-US" sz="2000" dirty="0" smtClean="0">
-                <a:solidFill>
-                  <a:srgbClr val="000099"/>
-                </a:solidFill>
-                <a:latin typeface="Consolas" charset="0"/>
-                <a:ea typeface="Consolas" charset="0"/>
-                <a:cs typeface="Consolas" charset="0"/>
-              </a:rPr>
-              <a:t>	</a:t>
-            </a:r>
-            <a:r>
-              <a:rPr lang="mr-IN" sz="2000" dirty="0" err="1" smtClean="0">
-                <a:solidFill>
-                  <a:srgbClr val="000099"/>
-                </a:solidFill>
-                <a:latin typeface="Consolas" charset="0"/>
-                <a:ea typeface="Consolas" charset="0"/>
-                <a:cs typeface="Consolas" charset="0"/>
-              </a:rPr>
-              <a:t>printf</a:t>
-            </a:r>
-            <a:r>
               <a:rPr lang="mr-IN" sz="2000" dirty="0">
                 <a:solidFill>
                   <a:srgbClr val="000099"/>
@@ -8059,7 +7921,7 @@
                 <a:ea typeface="Consolas" charset="0"/>
                 <a:cs typeface="Consolas" charset="0"/>
               </a:rPr>
-              <a:t>("</a:t>
+              <a:t>; ++</a:t>
             </a:r>
             <a:r>
               <a:rPr lang="mr-IN" sz="2000" dirty="0" err="1">
@@ -8070,7 +7932,7 @@
                 <a:ea typeface="Consolas" charset="0"/>
                 <a:cs typeface="Consolas" charset="0"/>
               </a:rPr>
-              <a:t>argc</a:t>
+              <a:t>i</a:t>
             </a:r>
             <a:r>
               <a:rPr lang="mr-IN" sz="2000" dirty="0">
@@ -8081,451 +7943,7 @@
                 <a:ea typeface="Consolas" charset="0"/>
                 <a:cs typeface="Consolas" charset="0"/>
               </a:rPr>
-              <a:t> </a:t>
-            </a:r>
-            <a:r>
-              <a:rPr lang="mr-IN" sz="2000" dirty="0" err="1">
-                <a:solidFill>
-                  <a:srgbClr val="000099"/>
-                </a:solidFill>
-                <a:latin typeface="Consolas" charset="0"/>
-                <a:ea typeface="Consolas" charset="0"/>
-                <a:cs typeface="Consolas" charset="0"/>
-              </a:rPr>
-              <a:t>is</a:t>
-            </a:r>
-            <a:r>
-              <a:rPr lang="mr-IN" sz="2000" dirty="0">
-                <a:solidFill>
-                  <a:srgbClr val="000099"/>
-                </a:solidFill>
-                <a:latin typeface="Consolas" charset="0"/>
-                <a:ea typeface="Consolas" charset="0"/>
-                <a:cs typeface="Consolas" charset="0"/>
-              </a:rPr>
-              <a:t> %</a:t>
-            </a:r>
-            <a:r>
-              <a:rPr lang="mr-IN" sz="2000" dirty="0" err="1">
-                <a:solidFill>
-                  <a:srgbClr val="000099"/>
-                </a:solidFill>
-                <a:latin typeface="Consolas" charset="0"/>
-                <a:ea typeface="Consolas" charset="0"/>
-                <a:cs typeface="Consolas" charset="0"/>
-              </a:rPr>
-              <a:t>d</a:t>
-            </a:r>
-            <a:r>
-              <a:rPr lang="mr-IN" sz="2000" dirty="0">
-                <a:solidFill>
-                  <a:srgbClr val="000099"/>
-                </a:solidFill>
-                <a:latin typeface="Consolas" charset="0"/>
-                <a:ea typeface="Consolas" charset="0"/>
-                <a:cs typeface="Consolas" charset="0"/>
-              </a:rPr>
-              <a:t>\</a:t>
-            </a:r>
-            <a:r>
-              <a:rPr lang="mr-IN" sz="2000" dirty="0" err="1">
-                <a:solidFill>
-                  <a:srgbClr val="000099"/>
-                </a:solidFill>
-                <a:latin typeface="Consolas" charset="0"/>
-                <a:ea typeface="Consolas" charset="0"/>
-                <a:cs typeface="Consolas" charset="0"/>
-              </a:rPr>
-              <a:t>n</a:t>
-            </a:r>
-            <a:r>
-              <a:rPr lang="mr-IN" sz="2000" dirty="0">
-                <a:solidFill>
-                  <a:srgbClr val="000099"/>
-                </a:solidFill>
-                <a:latin typeface="Consolas" charset="0"/>
-                <a:ea typeface="Consolas" charset="0"/>
-                <a:cs typeface="Consolas" charset="0"/>
-              </a:rPr>
-              <a:t>", </a:t>
-            </a:r>
-            <a:r>
-              <a:rPr lang="mr-IN" sz="2000" dirty="0" err="1">
-                <a:solidFill>
-                  <a:srgbClr val="000099"/>
-                </a:solidFill>
-                <a:latin typeface="Consolas" charset="0"/>
-                <a:ea typeface="Consolas" charset="0"/>
-                <a:cs typeface="Consolas" charset="0"/>
-              </a:rPr>
-              <a:t>argc</a:t>
-            </a:r>
-            <a:r>
-              <a:rPr lang="mr-IN" sz="2000" dirty="0">
-                <a:solidFill>
-                  <a:srgbClr val="000099"/>
-                </a:solidFill>
-                <a:latin typeface="Consolas" charset="0"/>
-                <a:ea typeface="Consolas" charset="0"/>
-                <a:cs typeface="Consolas" charset="0"/>
-              </a:rPr>
-              <a:t>);    </a:t>
-            </a:r>
-            <a:endParaRPr lang="en-US" sz="2000" dirty="0" smtClean="0">
-              <a:solidFill>
-                <a:srgbClr val="000099"/>
-              </a:solidFill>
-              <a:latin typeface="Consolas" charset="0"/>
-              <a:ea typeface="Consolas" charset="0"/>
-              <a:cs typeface="Consolas" charset="0"/>
-            </a:endParaRPr>
-          </a:p>
-          <a:p>
-            <a:pPr marL="0" indent="0">
-              <a:buNone/>
-            </a:pPr>
-            <a:r>
-              <a:rPr lang="en-US" sz="2000" dirty="0">
-                <a:solidFill>
-                  <a:srgbClr val="000099"/>
-                </a:solidFill>
-                <a:latin typeface="Consolas" charset="0"/>
-                <a:ea typeface="Consolas" charset="0"/>
-                <a:cs typeface="Consolas" charset="0"/>
-              </a:rPr>
-              <a:t>	</a:t>
-            </a:r>
-            <a:r>
-              <a:rPr lang="mr-IN" sz="2000" dirty="0" err="1" smtClean="0">
-                <a:solidFill>
-                  <a:srgbClr val="000099"/>
-                </a:solidFill>
-                <a:latin typeface="Consolas" charset="0"/>
-                <a:ea typeface="Consolas" charset="0"/>
-                <a:cs typeface="Consolas" charset="0"/>
-              </a:rPr>
-              <a:t>for</a:t>
-            </a:r>
-            <a:r>
-              <a:rPr lang="mr-IN" sz="2000" dirty="0" smtClean="0">
-                <a:solidFill>
-                  <a:srgbClr val="000099"/>
-                </a:solidFill>
-                <a:latin typeface="Consolas" charset="0"/>
-                <a:ea typeface="Consolas" charset="0"/>
-                <a:cs typeface="Consolas" charset="0"/>
-              </a:rPr>
-              <a:t> </a:t>
-            </a:r>
-            <a:r>
-              <a:rPr lang="mr-IN" sz="2000" dirty="0">
-                <a:solidFill>
-                  <a:srgbClr val="000099"/>
-                </a:solidFill>
-                <a:latin typeface="Consolas" charset="0"/>
-                <a:ea typeface="Consolas" charset="0"/>
-                <a:cs typeface="Consolas" charset="0"/>
-              </a:rPr>
-              <a:t>(</a:t>
-            </a:r>
-            <a:r>
-              <a:rPr lang="mr-IN" sz="2000" dirty="0" err="1">
-                <a:solidFill>
-                  <a:srgbClr val="000099"/>
-                </a:solidFill>
-                <a:latin typeface="Consolas" charset="0"/>
-                <a:ea typeface="Consolas" charset="0"/>
-                <a:cs typeface="Consolas" charset="0"/>
-              </a:rPr>
-              <a:t>int</a:t>
-            </a:r>
-            <a:r>
-              <a:rPr lang="mr-IN" sz="2000" dirty="0">
-                <a:solidFill>
-                  <a:srgbClr val="000099"/>
-                </a:solidFill>
-                <a:latin typeface="Consolas" charset="0"/>
-                <a:ea typeface="Consolas" charset="0"/>
-                <a:cs typeface="Consolas" charset="0"/>
-              </a:rPr>
-              <a:t> </a:t>
-            </a:r>
-            <a:r>
-              <a:rPr lang="mr-IN" sz="2000" dirty="0" err="1">
-                <a:solidFill>
-                  <a:srgbClr val="000099"/>
-                </a:solidFill>
-                <a:latin typeface="Consolas" charset="0"/>
-                <a:ea typeface="Consolas" charset="0"/>
-                <a:cs typeface="Consolas" charset="0"/>
-              </a:rPr>
-              <a:t>i</a:t>
-            </a:r>
-            <a:r>
-              <a:rPr lang="mr-IN" sz="2000" dirty="0">
-                <a:solidFill>
-                  <a:srgbClr val="000099"/>
-                </a:solidFill>
-                <a:latin typeface="Consolas" charset="0"/>
-                <a:ea typeface="Consolas" charset="0"/>
-                <a:cs typeface="Consolas" charset="0"/>
-              </a:rPr>
-              <a:t> = 0; </a:t>
-            </a:r>
-            <a:r>
-              <a:rPr lang="mr-IN" sz="2000" dirty="0" err="1">
-                <a:solidFill>
-                  <a:srgbClr val="000099"/>
-                </a:solidFill>
-                <a:latin typeface="Consolas" charset="0"/>
-                <a:ea typeface="Consolas" charset="0"/>
-                <a:cs typeface="Consolas" charset="0"/>
-              </a:rPr>
-              <a:t>i</a:t>
-            </a:r>
-            <a:r>
-              <a:rPr lang="mr-IN" sz="2000" dirty="0">
-                <a:solidFill>
-                  <a:srgbClr val="000099"/>
-                </a:solidFill>
-                <a:latin typeface="Consolas" charset="0"/>
-                <a:ea typeface="Consolas" charset="0"/>
-                <a:cs typeface="Consolas" charset="0"/>
-              </a:rPr>
-              <a:t> &lt; </a:t>
-            </a:r>
-            <a:r>
-              <a:rPr lang="mr-IN" sz="2000" dirty="0" err="1">
-                <a:solidFill>
-                  <a:srgbClr val="000099"/>
-                </a:solidFill>
-                <a:latin typeface="Consolas" charset="0"/>
-                <a:ea typeface="Consolas" charset="0"/>
-                <a:cs typeface="Consolas" charset="0"/>
-              </a:rPr>
-              <a:t>argc</a:t>
-            </a:r>
-            <a:r>
-              <a:rPr lang="mr-IN" sz="2000" dirty="0">
-                <a:solidFill>
-                  <a:srgbClr val="000099"/>
-                </a:solidFill>
-                <a:latin typeface="Consolas" charset="0"/>
-                <a:ea typeface="Consolas" charset="0"/>
-                <a:cs typeface="Consolas" charset="0"/>
-              </a:rPr>
-              <a:t>; ++</a:t>
-            </a:r>
-            <a:r>
-              <a:rPr lang="mr-IN" sz="2000" dirty="0" err="1">
-                <a:solidFill>
-                  <a:srgbClr val="000099"/>
-                </a:solidFill>
-                <a:latin typeface="Consolas" charset="0"/>
-                <a:ea typeface="Consolas" charset="0"/>
-                <a:cs typeface="Consolas" charset="0"/>
-              </a:rPr>
-              <a:t>i</a:t>
-            </a:r>
-            <a:r>
-              <a:rPr lang="mr-IN" sz="2000" dirty="0">
-                <a:solidFill>
-                  <a:srgbClr val="000099"/>
-                </a:solidFill>
-                <a:latin typeface="Consolas" charset="0"/>
-                <a:ea typeface="Consolas" charset="0"/>
-                <a:cs typeface="Consolas" charset="0"/>
-              </a:rPr>
-              <a:t>) </a:t>
-            </a:r>
-            <a:r>
-              <a:rPr lang="mr-IN" sz="2000" dirty="0" smtClean="0">
-                <a:solidFill>
-                  <a:srgbClr val="000099"/>
-                </a:solidFill>
-                <a:latin typeface="Consolas" charset="0"/>
-                <a:ea typeface="Consolas" charset="0"/>
-                <a:cs typeface="Consolas" charset="0"/>
-              </a:rPr>
-              <a:t>{</a:t>
-            </a:r>
-            <a:endParaRPr lang="en-US" sz="2000" dirty="0" smtClean="0">
-              <a:solidFill>
-                <a:srgbClr val="000099"/>
-              </a:solidFill>
-              <a:latin typeface="Consolas" charset="0"/>
-              <a:ea typeface="Consolas" charset="0"/>
-              <a:cs typeface="Consolas" charset="0"/>
-            </a:endParaRPr>
-          </a:p>
-          <a:p>
-            <a:pPr marL="0" indent="0">
-              <a:buNone/>
-            </a:pPr>
-            <a:r>
-              <a:rPr lang="mr-IN" sz="2000" dirty="0" smtClean="0">
-                <a:solidFill>
-                  <a:srgbClr val="000099"/>
-                </a:solidFill>
-                <a:latin typeface="Consolas" charset="0"/>
-                <a:ea typeface="Consolas" charset="0"/>
-                <a:cs typeface="Consolas" charset="0"/>
-              </a:rPr>
-              <a:t>      </a:t>
-            </a:r>
-            <a:r>
-              <a:rPr lang="en-US" sz="2000" dirty="0" smtClean="0">
-                <a:solidFill>
-                  <a:srgbClr val="000099"/>
-                </a:solidFill>
-                <a:latin typeface="Consolas" charset="0"/>
-                <a:ea typeface="Consolas" charset="0"/>
-                <a:cs typeface="Consolas" charset="0"/>
-              </a:rPr>
-              <a:t>		</a:t>
-            </a:r>
-            <a:r>
-              <a:rPr lang="mr-IN" sz="2000" dirty="0" err="1" smtClean="0">
-                <a:solidFill>
-                  <a:srgbClr val="000099"/>
-                </a:solidFill>
-                <a:latin typeface="Consolas" charset="0"/>
-                <a:ea typeface="Consolas" charset="0"/>
-                <a:cs typeface="Consolas" charset="0"/>
-              </a:rPr>
-              <a:t>printf</a:t>
-            </a:r>
-            <a:r>
-              <a:rPr lang="mr-IN" sz="2000" dirty="0">
-                <a:solidFill>
-                  <a:srgbClr val="000099"/>
-                </a:solidFill>
-                <a:latin typeface="Consolas" charset="0"/>
-                <a:ea typeface="Consolas" charset="0"/>
-                <a:cs typeface="Consolas" charset="0"/>
-              </a:rPr>
-              <a:t>("The </a:t>
-            </a:r>
-            <a:r>
-              <a:rPr lang="mr-IN" sz="2000" dirty="0" err="1">
-                <a:solidFill>
-                  <a:srgbClr val="000099"/>
-                </a:solidFill>
-                <a:latin typeface="Consolas" charset="0"/>
-                <a:ea typeface="Consolas" charset="0"/>
-                <a:cs typeface="Consolas" charset="0"/>
-              </a:rPr>
-              <a:t>arg</a:t>
-            </a:r>
-            <a:r>
-              <a:rPr lang="mr-IN" sz="2000" dirty="0">
-                <a:solidFill>
-                  <a:srgbClr val="000099"/>
-                </a:solidFill>
-                <a:latin typeface="Consolas" charset="0"/>
-                <a:ea typeface="Consolas" charset="0"/>
-                <a:cs typeface="Consolas" charset="0"/>
-              </a:rPr>
-              <a:t> </a:t>
-            </a:r>
-            <a:r>
-              <a:rPr lang="mr-IN" sz="2000" dirty="0" err="1">
-                <a:solidFill>
-                  <a:srgbClr val="000099"/>
-                </a:solidFill>
-                <a:latin typeface="Consolas" charset="0"/>
-                <a:ea typeface="Consolas" charset="0"/>
-                <a:cs typeface="Consolas" charset="0"/>
-              </a:rPr>
-              <a:t>in</a:t>
-            </a:r>
-            <a:r>
-              <a:rPr lang="mr-IN" sz="2000" dirty="0">
-                <a:solidFill>
-                  <a:srgbClr val="000099"/>
-                </a:solidFill>
-                <a:latin typeface="Consolas" charset="0"/>
-                <a:ea typeface="Consolas" charset="0"/>
-                <a:cs typeface="Consolas" charset="0"/>
-              </a:rPr>
-              <a:t> </a:t>
-            </a:r>
-            <a:r>
-              <a:rPr lang="mr-IN" sz="2000" dirty="0" err="1">
-                <a:solidFill>
-                  <a:srgbClr val="000099"/>
-                </a:solidFill>
-                <a:latin typeface="Consolas" charset="0"/>
-                <a:ea typeface="Consolas" charset="0"/>
-                <a:cs typeface="Consolas" charset="0"/>
-              </a:rPr>
-              <a:t>position</a:t>
-            </a:r>
-            <a:r>
-              <a:rPr lang="mr-IN" sz="2000" dirty="0">
-                <a:solidFill>
-                  <a:srgbClr val="000099"/>
-                </a:solidFill>
-                <a:latin typeface="Consolas" charset="0"/>
-                <a:ea typeface="Consolas" charset="0"/>
-                <a:cs typeface="Consolas" charset="0"/>
-              </a:rPr>
-              <a:t> %</a:t>
-            </a:r>
-            <a:r>
-              <a:rPr lang="mr-IN" sz="2000" dirty="0" err="1">
-                <a:solidFill>
-                  <a:srgbClr val="000099"/>
-                </a:solidFill>
-                <a:latin typeface="Consolas" charset="0"/>
-                <a:ea typeface="Consolas" charset="0"/>
-                <a:cs typeface="Consolas" charset="0"/>
-              </a:rPr>
-              <a:t>d</a:t>
-            </a:r>
-            <a:r>
-              <a:rPr lang="mr-IN" sz="2000" dirty="0">
-                <a:solidFill>
-                  <a:srgbClr val="000099"/>
-                </a:solidFill>
-                <a:latin typeface="Consolas" charset="0"/>
-                <a:ea typeface="Consolas" charset="0"/>
-                <a:cs typeface="Consolas" charset="0"/>
-              </a:rPr>
-              <a:t> </a:t>
-            </a:r>
-            <a:r>
-              <a:rPr lang="mr-IN" sz="2000" dirty="0" err="1" smtClean="0">
-                <a:solidFill>
-                  <a:srgbClr val="000099"/>
-                </a:solidFill>
-                <a:latin typeface="Consolas" charset="0"/>
-                <a:ea typeface="Consolas" charset="0"/>
-                <a:cs typeface="Consolas" charset="0"/>
-              </a:rPr>
-              <a:t>is</a:t>
-            </a:r>
-            <a:r>
-              <a:rPr lang="en-US" sz="2000" dirty="0" smtClean="0">
-                <a:solidFill>
-                  <a:srgbClr val="000099"/>
-                </a:solidFill>
-                <a:latin typeface="Consolas" charset="0"/>
-                <a:ea typeface="Consolas" charset="0"/>
-                <a:cs typeface="Consolas" charset="0"/>
-              </a:rPr>
-              <a:t>"</a:t>
-            </a:r>
-            <a:r>
-              <a:rPr lang="mr-IN" sz="2000" dirty="0" smtClean="0">
-                <a:solidFill>
-                  <a:srgbClr val="000099"/>
-                </a:solidFill>
-                <a:latin typeface="Consolas" charset="0"/>
-                <a:ea typeface="Consolas" charset="0"/>
-                <a:cs typeface="Consolas" charset="0"/>
-              </a:rPr>
-              <a:t> </a:t>
+              <a:t>) {</a:t>
             </a:r>
             <a:endParaRPr lang="en-US" sz="2000" dirty="0">
               <a:solidFill>
@@ -8541,26 +7959,26 @@
               <a:buNone/>
             </a:pPr>
             <a:r>
-              <a:rPr lang="en-US" sz="2000" dirty="0" smtClean="0">
-                <a:solidFill>
-                  <a:srgbClr val="000099"/>
-                </a:solidFill>
-                <a:latin typeface="Consolas" charset="0"/>
-                <a:ea typeface="Consolas" charset="0"/>
-                <a:cs typeface="Consolas" charset="0"/>
-              </a:rPr>
-              <a:t>		" </a:t>
-            </a:r>
-            <a:r>
-              <a:rPr lang="mr-IN" sz="2000" dirty="0" smtClean="0">
-                <a:solidFill>
-                  <a:srgbClr val="000099"/>
-                </a:solidFill>
-                <a:latin typeface="Consolas" charset="0"/>
-                <a:ea typeface="Consolas" charset="0"/>
-                <a:cs typeface="Consolas" charset="0"/>
-              </a:rPr>
-              <a:t>%</a:t>
+              <a:rPr lang="mr-IN" sz="2000" dirty="0">
+                <a:solidFill>
+                  <a:srgbClr val="000099"/>
+                </a:solidFill>
+                <a:latin typeface="Consolas" charset="0"/>
+                <a:ea typeface="Consolas" charset="0"/>
+                <a:cs typeface="Consolas" charset="0"/>
+              </a:rPr>
+              <a:t>      </a:t>
+            </a:r>
+            <a:r>
+              <a:rPr lang="en-US" sz="2000" dirty="0">
+                <a:solidFill>
+                  <a:srgbClr val="000099"/>
+                </a:solidFill>
+                <a:latin typeface="Consolas" charset="0"/>
+                <a:ea typeface="Consolas" charset="0"/>
+                <a:cs typeface="Consolas" charset="0"/>
+              </a:rPr>
+              <a:t>		</a:t>
             </a:r>
             <a:r>
               <a:rPr lang="mr-IN" sz="2000" dirty="0" err="1">
@@ -8571,7 +7989,7 @@
                 <a:ea typeface="Consolas" charset="0"/>
                 <a:cs typeface="Consolas" charset="0"/>
               </a:rPr>
-              <a:t>s</a:t>
+              <a:t>printf</a:t>
             </a:r>
             <a:r>
               <a:rPr lang="mr-IN" sz="2000" dirty="0">
@@ -8582,7 +8000,7 @@
                 <a:ea typeface="Consolas" charset="0"/>
                 <a:cs typeface="Consolas" charset="0"/>
               </a:rPr>
-              <a:t>\</a:t>
+              <a:t>("The </a:t>
             </a:r>
             <a:r>
               <a:rPr lang="mr-IN" sz="2000" dirty="0" err="1">
@@ -8593,7 +8011,7 @@
                 <a:ea typeface="Consolas" charset="0"/>
                 <a:cs typeface="Consolas" charset="0"/>
               </a:rPr>
-              <a:t>n</a:t>
+              <a:t>arg</a:t>
             </a:r>
             <a:r>
               <a:rPr lang="mr-IN" sz="2000" dirty="0">
@@ -8604,7 +8022,7 @@
                 <a:ea typeface="Consolas" charset="0"/>
                 <a:cs typeface="Consolas" charset="0"/>
               </a:rPr>
-              <a:t>", </a:t>
+              <a:t> </a:t>
             </a:r>
             <a:r>
               <a:rPr lang="mr-IN" sz="2000" dirty="0" err="1">
@@ -8615,7 +8033,7 @@
                 <a:ea typeface="Consolas" charset="0"/>
                 <a:cs typeface="Consolas" charset="0"/>
               </a:rPr>
-              <a:t>i</a:t>
+              <a:t>in</a:t>
             </a:r>
             <a:r>
               <a:rPr lang="mr-IN" sz="2000" dirty="0">
@@ -8626,7 +8044,7 @@
                 <a:ea typeface="Consolas" charset="0"/>
                 <a:cs typeface="Consolas" charset="0"/>
               </a:rPr>
-              <a:t>, </a:t>
+              <a:t> </a:t>
             </a:r>
             <a:r>
               <a:rPr lang="mr-IN" sz="2000" dirty="0" err="1">
@@ -8637,7 +8055,7 @@
                 <a:ea typeface="Consolas" charset="0"/>
                 <a:cs typeface="Consolas" charset="0"/>
               </a:rPr>
-              <a:t>argv</a:t>
+              <a:t>position</a:t>
             </a:r>
             <a:r>
               <a:rPr lang="mr-IN" sz="2000" dirty="0">
@@ -8648,7 +8066,7 @@
                 <a:ea typeface="Consolas" charset="0"/>
                 <a:cs typeface="Consolas" charset="0"/>
               </a:rPr>
-              <a:t>[</a:t>
+              <a:t> %</a:t>
             </a:r>
             <a:r>
               <a:rPr lang="mr-IN" sz="2000" dirty="0" err="1">
@@ -8659,7 +8077,7 @@
                 <a:ea typeface="Consolas" charset="0"/>
                 <a:cs typeface="Consolas" charset="0"/>
               </a:rPr>
-              <a:t>i</a:t>
+              <a:t>d</a:t>
             </a:r>
             <a:r>
               <a:rPr lang="mr-IN" sz="2000" dirty="0">
@@ -8670,21 +8088,19 @@
                 <a:ea typeface="Consolas" charset="0"/>
                 <a:cs typeface="Consolas" charset="0"/>
               </a:rPr>
-              <a:t>]);    </a:t>
-            </a:r>
-            <a:endParaRPr lang="en-US" sz="2000" dirty="0" smtClean="0">
-              <a:solidFill>
-                <a:srgbClr val="000099"/>
-              </a:solidFill>
-              <a:latin typeface="Consolas" charset="0"/>
-              <a:ea typeface="Consolas" charset="0"/>
-              <a:cs typeface="Consolas" charset="0"/>
-            </a:endParaRPr>
-          </a:p>
-          <a:p>
-            <a:pPr marL="0" indent="0">
-              <a:buNone/>
-            </a:pPr>
+              <a:t> </a:t>
+            </a:r>
+            <a:r>
+              <a:rPr lang="mr-IN" sz="2000" dirty="0" err="1">
+                <a:solidFill>
+                  <a:srgbClr val="000099"/>
+                </a:solidFill>
+                <a:latin typeface="Consolas" charset="0"/>
+                <a:ea typeface="Consolas" charset="0"/>
+                <a:cs typeface="Consolas" charset="0"/>
+              </a:rPr>
+              <a:t>is</a:t>
+            </a:r>
             <a:r>
               <a:rPr lang="en-US" sz="2000" dirty="0">
                 <a:solidFill>
@@ -8694,18 +8110,18 @@
                 <a:ea typeface="Consolas" charset="0"/>
                 <a:cs typeface="Consolas" charset="0"/>
               </a:rPr>
-              <a:t>	</a:t>
-            </a:r>
-            <a:r>
-              <a:rPr lang="mr-IN" sz="2000" dirty="0" smtClean="0">
-                <a:solidFill>
-                  <a:srgbClr val="000099"/>
-                </a:solidFill>
-                <a:latin typeface="Consolas" charset="0"/>
-                <a:ea typeface="Consolas" charset="0"/>
-                <a:cs typeface="Consolas" charset="0"/>
-              </a:rPr>
-              <a:t>}</a:t>
+              <a:t>"</a:t>
+            </a:r>
+            <a:r>
+              <a:rPr lang="mr-IN" sz="2000" dirty="0">
+                <a:solidFill>
+                  <a:srgbClr val="000099"/>
+                </a:solidFill>
+                <a:latin typeface="Consolas" charset="0"/>
+                <a:ea typeface="Consolas" charset="0"/>
+                <a:cs typeface="Consolas" charset="0"/>
+              </a:rPr>
+              <a:t> </a:t>
             </a:r>
             <a:endParaRPr lang="en-US" sz="2000" dirty="0">
               <a:solidFill>
@@ -8721,15 +8137,136 @@
               <a:buNone/>
             </a:pPr>
             <a:r>
-              <a:rPr lang="en-US" sz="2000" dirty="0" smtClean="0">
-                <a:solidFill>
-                  <a:srgbClr val="000099"/>
-                </a:solidFill>
-                <a:latin typeface="Consolas" charset="0"/>
-                <a:ea typeface="Consolas" charset="0"/>
-                <a:cs typeface="Consolas" charset="0"/>
-              </a:rPr>
-              <a:t>}</a:t>
+              <a:rPr lang="en-US" sz="2000" dirty="0">
+                <a:solidFill>
+                  <a:srgbClr val="000099"/>
+                </a:solidFill>
+                <a:latin typeface="Consolas" charset="0"/>
+                <a:ea typeface="Consolas" charset="0"/>
+                <a:cs typeface="Consolas" charset="0"/>
+              </a:rPr>
+              <a:t>		" </a:t>
+            </a:r>
+            <a:r>
+              <a:rPr lang="mr-IN" sz="2000" dirty="0">
+                <a:solidFill>
+                  <a:srgbClr val="000099"/>
+                </a:solidFill>
+                <a:latin typeface="Consolas" charset="0"/>
+                <a:ea typeface="Consolas" charset="0"/>
+                <a:cs typeface="Consolas" charset="0"/>
+              </a:rPr>
+              <a:t>%</a:t>
+            </a:r>
+            <a:r>
+              <a:rPr lang="mr-IN" sz="2000" dirty="0" err="1">
+                <a:solidFill>
+                  <a:srgbClr val="000099"/>
+                </a:solidFill>
+                <a:latin typeface="Consolas" charset="0"/>
+                <a:ea typeface="Consolas" charset="0"/>
+                <a:cs typeface="Consolas" charset="0"/>
+              </a:rPr>
+              <a:t>s</a:t>
+            </a:r>
+            <a:r>
+              <a:rPr lang="mr-IN" sz="2000" dirty="0">
+                <a:solidFill>
+                  <a:srgbClr val="000099"/>
+                </a:solidFill>
+                <a:latin typeface="Consolas" charset="0"/>
+                <a:ea typeface="Consolas" charset="0"/>
+                <a:cs typeface="Consolas" charset="0"/>
+              </a:rPr>
+              <a:t>\</a:t>
+            </a:r>
+            <a:r>
+              <a:rPr lang="mr-IN" sz="2000" dirty="0" err="1">
+                <a:solidFill>
+                  <a:srgbClr val="000099"/>
+                </a:solidFill>
+                <a:latin typeface="Consolas" charset="0"/>
+                <a:ea typeface="Consolas" charset="0"/>
+                <a:cs typeface="Consolas" charset="0"/>
+              </a:rPr>
+              <a:t>n</a:t>
+            </a:r>
+            <a:r>
+              <a:rPr lang="mr-IN" sz="2000" dirty="0">
+                <a:solidFill>
+                  <a:srgbClr val="000099"/>
+                </a:solidFill>
+                <a:latin typeface="Consolas" charset="0"/>
+                <a:ea typeface="Consolas" charset="0"/>
+                <a:cs typeface="Consolas" charset="0"/>
+              </a:rPr>
+              <a:t>", </a:t>
+            </a:r>
+            <a:r>
+              <a:rPr lang="mr-IN" sz="2000" dirty="0" err="1">
+                <a:solidFill>
+                  <a:srgbClr val="000099"/>
+                </a:solidFill>
+                <a:latin typeface="Consolas" charset="0"/>
+                <a:ea typeface="Consolas" charset="0"/>
+                <a:cs typeface="Consolas" charset="0"/>
+              </a:rPr>
+              <a:t>i</a:t>
+            </a:r>
+            <a:r>
+              <a:rPr lang="mr-IN" sz="2000" dirty="0">
+                <a:solidFill>
+                  <a:srgbClr val="000099"/>
+                </a:solidFill>
+                <a:latin typeface="Consolas" charset="0"/>
+                <a:ea typeface="Consolas" charset="0"/>
+                <a:cs typeface="Consolas" charset="0"/>
+              </a:rPr>
+              <a:t>, </a:t>
+            </a:r>
+            <a:r>
+              <a:rPr lang="mr-IN" sz="2000" dirty="0" err="1">
+                <a:solidFill>
+                  <a:srgbClr val="000099"/>
+                </a:solidFill>
+                <a:latin typeface="Consolas" charset="0"/>
+                <a:ea typeface="Consolas" charset="0"/>
+                <a:cs typeface="Consolas" charset="0"/>
+              </a:rPr>
+              <a:t>argv</a:t>
+            </a:r>
+            <a:r>
+              <a:rPr lang="mr-IN" sz="2000" dirty="0">
+                <a:solidFill>
+                  <a:srgbClr val="000099"/>
+                </a:solidFill>
+                <a:latin typeface="Consolas" charset="0"/>
+                <a:ea typeface="Consolas" charset="0"/>
+                <a:cs typeface="Consolas" charset="0"/>
+              </a:rPr>
+              <a:t>[</a:t>
+            </a:r>
+            <a:r>
+              <a:rPr lang="mr-IN" sz="2000" dirty="0" err="1">
+                <a:solidFill>
+                  <a:srgbClr val="000099"/>
+                </a:solidFill>
+                <a:latin typeface="Consolas" charset="0"/>
+                <a:ea typeface="Consolas" charset="0"/>
+                <a:cs typeface="Consolas" charset="0"/>
+              </a:rPr>
+              <a:t>i</a:t>
+            </a:r>
+            <a:r>
+              <a:rPr lang="mr-IN" sz="2000" dirty="0">
+                <a:solidFill>
+                  <a:srgbClr val="000099"/>
+                </a:solidFill>
+                <a:latin typeface="Consolas" charset="0"/>
+                <a:ea typeface="Consolas" charset="0"/>
+                <a:cs typeface="Consolas" charset="0"/>
+              </a:rPr>
+              <a:t>]);    </a:t>
             </a:r>
             <a:endParaRPr lang="en-US" sz="2000" dirty="0">
               <a:solidFill>
@@ -8739,6 +8276,57 @@
               <a:ea typeface="Consolas" charset="0"/>
               <a:cs typeface="Consolas" charset="0"/>
             </a:endParaRPr>
+          </a:p>
+          <a:p>
+            <a:pPr marL="0" indent="0">
+              <a:buNone/>
+            </a:pPr>
+            <a:r>
+              <a:rPr lang="en-US" sz="2000" dirty="0">
+                <a:solidFill>
+                  <a:srgbClr val="000099"/>
+                </a:solidFill>
+                <a:latin typeface="Consolas" charset="0"/>
+                <a:ea typeface="Consolas" charset="0"/>
+                <a:cs typeface="Consolas" charset="0"/>
+              </a:rPr>
+              <a:t>	</a:t>
+            </a:r>
+            <a:r>
+              <a:rPr lang="mr-IN" sz="2000" dirty="0">
+                <a:solidFill>
+                  <a:srgbClr val="000099"/>
+                </a:solidFill>
+                <a:latin typeface="Consolas" charset="0"/>
+                <a:ea typeface="Consolas" charset="0"/>
+                <a:cs typeface="Consolas" charset="0"/>
+              </a:rPr>
+              <a:t>}</a:t>
+            </a:r>
+            <a:endParaRPr lang="en-US" sz="2000" dirty="0">
+              <a:solidFill>
+                <a:srgbClr val="000099"/>
+              </a:solidFill>
+              <a:latin typeface="Consolas" charset="0"/>
+              <a:ea typeface="Consolas" charset="0"/>
+              <a:cs typeface="Consolas" charset="0"/>
+            </a:endParaRPr>
+          </a:p>
+          <a:p>
+            <a:pPr marL="0" indent="0">
+              <a:buNone/>
+            </a:pPr>
+            <a:r>
+              <a:rPr lang="en-US" sz="2000" dirty="0">
+                <a:solidFill>
+                  <a:srgbClr val="000099"/>
+                </a:solidFill>
+                <a:latin typeface="Consolas" charset="0"/>
+                <a:ea typeface="Consolas" charset="0"/>
+                <a:cs typeface="Consolas" charset="0"/>
+              </a:rPr>
+              <a:t>}</a:t>
+            </a:r>
           </a:p>
         </p:txBody>
       </p:sp>
@@ -8776,13 +8364,6 @@
   <p:clrMapOvr>
     <a:masterClrMapping/>
   </p:clrMapOvr>
-  <p:timing>
-    <p:tnLst>
-      <p:par>
-        <p:cTn id="1" dur="indefinite" restart="never" nodeType="tmRoot"/>
-      </p:par>
-    </p:tnLst>
-  </p:timing>
 </p:sld>
 </file>
 
@@ -8866,7 +8447,7 @@
           <a:lstStyle/>
           <a:p>
             <a:r>
-              <a:rPr lang="en-US" sz="3600" dirty="0" smtClean="0">
+              <a:rPr lang="en-US" sz="3600" dirty="0">
                 <a:solidFill>
                   <a:schemeClr val="bg1"/>
                 </a:solidFill>
@@ -8874,43 +8455,32 @@
               <a:t>What is the </a:t>
             </a:r>
             <a:r>
-              <a:rPr lang="en-US" sz="3600" smtClean="0">
+              <a:rPr lang="en-US" sz="3600">
                 <a:solidFill>
                   <a:schemeClr val="bg1"/>
                 </a:solidFill>
               </a:rPr>
               <a:t>output of:</a:t>
-            </a:r>
-            <a:br>
-              <a:rPr lang="en-US" sz="3600" smtClean="0">
-                <a:solidFill>
-                  <a:schemeClr val="bg1"/>
-                </a:solidFill>
-              </a:rPr>
-            </a:br>
-            <a:r>
-              <a:rPr lang="en-US" sz="3600">
-                <a:solidFill>
-                  <a:schemeClr val="bg1"/>
-                </a:solidFill>
-                <a:latin typeface="Consolas" charset="0"/>
-                <a:ea typeface="Consolas" charset="0"/>
-                <a:cs typeface="Consolas" charset="0"/>
-              </a:rPr>
-              <a:t/>
             </a:r>
             <a:br>
               <a:rPr lang="en-US" sz="3600">
                 <a:solidFill>
                   <a:schemeClr val="bg1"/>
                 </a:solidFill>
-                <a:latin typeface="Consolas" charset="0"/>
-                <a:ea typeface="Consolas" charset="0"/>
-                <a:cs typeface="Consolas" charset="0"/>
               </a:rPr>
             </a:br>
-            <a:r>
-              <a:rPr lang="en-US" sz="3600" smtClean="0">
+            <a:br>
+              <a:rPr lang="en-US" sz="3600">
+                <a:solidFill>
+                  <a:schemeClr val="bg1"/>
+                </a:solidFill>
+                <a:latin typeface="Consolas" charset="0"/>
+                <a:ea typeface="Consolas" charset="0"/>
+                <a:cs typeface="Consolas" charset="0"/>
+              </a:rPr>
+            </a:br>
+            <a:r>
+              <a:rPr lang="en-US" sz="3600">
                 <a:solidFill>
                   <a:schemeClr val="bg1"/>
                 </a:solidFill>
@@ -8921,7 +8491,7 @@
               <a:t>./</a:t>
             </a:r>
             <a:r>
-              <a:rPr lang="en-US" sz="3600" dirty="0" smtClean="0">
+              <a:rPr lang="en-US" sz="3600" dirty="0">
                 <a:solidFill>
                   <a:schemeClr val="bg1"/>
                 </a:solidFill>
@@ -8932,7 +8502,7 @@
               <a:t>index josh 7 </a:t>
             </a:r>
             <a:r>
-              <a:rPr lang="en-US" sz="3600" smtClean="0">
+              <a:rPr lang="en-US" sz="3600">
                 <a:solidFill>
                   <a:schemeClr val="bg1"/>
                 </a:solidFill>
@@ -9138,7 +8708,7 @@
               <a:buAutoNum type="arabicPeriod"/>
             </a:pPr>
             <a:r>
-              <a:rPr lang="en-US" sz="3600" dirty="0" smtClean="0">
+              <a:rPr lang="en-US" sz="3600" dirty="0">
                 <a:solidFill>
                   <a:srgbClr val="0CFA02"/>
                 </a:solidFill>
@@ -9148,14 +8718,6 @@
               </a:rPr>
               <a:t>./index</a:t>
             </a:r>
-            <a:endParaRPr lang="en-US" sz="3600" dirty="0" smtClean="0">
-              <a:solidFill>
-                <a:srgbClr val="0CFA02"/>
-              </a:solidFill>
-              <a:latin typeface="Consolas" charset="0"/>
-              <a:ea typeface="Consolas" charset="0"/>
-              <a:cs typeface="Consolas" charset="0"/>
-            </a:endParaRPr>
           </a:p>
           <a:p>
             <a:pPr marL="742950" indent="-742950">
@@ -9163,7 +8725,7 @@
               <a:buAutoNum type="arabicPeriod"/>
             </a:pPr>
             <a:r>
-              <a:rPr lang="en-US" sz="3600" dirty="0" smtClean="0">
+              <a:rPr lang="en-US" sz="3600" dirty="0">
                 <a:solidFill>
                   <a:srgbClr val="FEFB01"/>
                 </a:solidFill>
@@ -9173,14 +8735,6 @@
               </a:rPr>
               <a:t>josh</a:t>
             </a:r>
-            <a:endParaRPr lang="en-US" sz="3600" dirty="0" smtClean="0">
-              <a:solidFill>
-                <a:srgbClr val="FEFB01"/>
-              </a:solidFill>
-              <a:latin typeface="Consolas" charset="0"/>
-              <a:ea typeface="Consolas" charset="0"/>
-              <a:cs typeface="Consolas" charset="0"/>
-            </a:endParaRPr>
           </a:p>
           <a:p>
             <a:pPr marL="742950" indent="-742950">
@@ -9188,7 +8742,7 @@
               <a:buAutoNum type="arabicPeriod"/>
             </a:pPr>
             <a:r>
-              <a:rPr lang="en-US" sz="3600" dirty="0" smtClean="0">
+              <a:rPr lang="en-US" sz="3600" dirty="0">
                 <a:solidFill>
                   <a:srgbClr val="F5A007"/>
                 </a:solidFill>
@@ -9198,14 +8752,6 @@
               </a:rPr>
               <a:t>7</a:t>
             </a:r>
-            <a:endParaRPr lang="en-US" sz="3600" dirty="0" smtClean="0">
-              <a:solidFill>
-                <a:srgbClr val="F5A007"/>
-              </a:solidFill>
-              <a:latin typeface="Consolas" charset="0"/>
-              <a:ea typeface="Consolas" charset="0"/>
-              <a:cs typeface="Consolas" charset="0"/>
-            </a:endParaRPr>
           </a:p>
           <a:p>
             <a:pPr marL="742950" indent="-742950">
@@ -9213,7 +8759,7 @@
               <a:buAutoNum type="arabicPeriod"/>
             </a:pPr>
             <a:r>
-              <a:rPr lang="en-US" sz="3600" dirty="0" smtClean="0">
+              <a:rPr lang="en-US" sz="3600" dirty="0">
                 <a:solidFill>
                   <a:srgbClr val="F21AF1"/>
                 </a:solidFill>
@@ -9223,14 +8769,6 @@
               </a:rPr>
               <a:t>-6</a:t>
             </a:r>
-            <a:endParaRPr lang="en-US" sz="3600" dirty="0">
-              <a:solidFill>
-                <a:srgbClr val="F21AF1"/>
-              </a:solidFill>
-              <a:latin typeface="Consolas" charset="0"/>
-              <a:ea typeface="Consolas" charset="0"/>
-              <a:cs typeface="Consolas" charset="0"/>
-            </a:endParaRPr>
           </a:p>
         </p:txBody>
       </p:sp>
@@ -9257,7 +8795,7 @@
           <a:lstStyle/>
           <a:p>
             <a:r>
-              <a:rPr lang="en-US" sz="2000" dirty="0" smtClean="0">
+              <a:rPr lang="en-US" sz="2000" dirty="0">
                 <a:solidFill>
                   <a:schemeClr val="bg1"/>
                 </a:solidFill>
@@ -9268,7 +8806,7 @@
               <a:t>//Contents of </a:t>
             </a:r>
             <a:r>
-              <a:rPr lang="en-US" sz="2000" dirty="0" err="1" smtClean="0">
+              <a:rPr lang="en-US" sz="2000" dirty="0" err="1">
                 <a:solidFill>
                   <a:schemeClr val="bg1"/>
                 </a:solidFill>
@@ -9277,209 +8815,6 @@
                 <a:cs typeface="Consolas" charset="0"/>
               </a:rPr>
               <a:t>index.c</a:t>
-            </a:r>
-            <a:endParaRPr lang="en-US" sz="2000" dirty="0" smtClean="0">
-              <a:solidFill>
-                <a:schemeClr val="bg1"/>
-              </a:solidFill>
-              <a:latin typeface="Consolas" charset="0"/>
-              <a:ea typeface="Consolas" charset="0"/>
-              <a:cs typeface="Consolas" charset="0"/>
-            </a:endParaRPr>
-          </a:p>
-          <a:p>
-            <a:r>
-              <a:rPr lang="en-US" sz="2000" dirty="0" smtClean="0">
-                <a:solidFill>
-                  <a:schemeClr val="bg1"/>
-                </a:solidFill>
-                <a:latin typeface="Consolas" charset="0"/>
-                <a:ea typeface="Consolas" charset="0"/>
-                <a:cs typeface="Consolas" charset="0"/>
-              </a:rPr>
-              <a:t>#include &lt;</a:t>
-            </a:r>
-            <a:r>
-              <a:rPr lang="en-US" sz="2000" dirty="0" err="1" smtClean="0">
-                <a:solidFill>
-                  <a:schemeClr val="bg1"/>
-                </a:solidFill>
-                <a:latin typeface="Consolas" charset="0"/>
-                <a:ea typeface="Consolas" charset="0"/>
-                <a:cs typeface="Consolas" charset="0"/>
-              </a:rPr>
-              <a:t>stdio.h</a:t>
-            </a:r>
-            <a:r>
-              <a:rPr lang="en-US" sz="2000" dirty="0" smtClean="0">
-                <a:solidFill>
-                  <a:schemeClr val="bg1"/>
-                </a:solidFill>
-                <a:latin typeface="Consolas" charset="0"/>
-                <a:ea typeface="Consolas" charset="0"/>
-                <a:cs typeface="Consolas" charset="0"/>
-              </a:rPr>
-              <a:t>&gt;</a:t>
-            </a:r>
-          </a:p>
-          <a:p>
-            <a:r>
-              <a:rPr lang="en-US" sz="2000" dirty="0" err="1" smtClean="0">
-                <a:solidFill>
-                  <a:schemeClr val="bg1"/>
-                </a:solidFill>
-                <a:latin typeface="Consolas" charset="0"/>
-                <a:ea typeface="Consolas" charset="0"/>
-                <a:cs typeface="Consolas" charset="0"/>
-              </a:rPr>
-              <a:t>int</a:t>
-            </a:r>
-            <a:r>
-              <a:rPr lang="en-US" sz="2000" dirty="0" smtClean="0">
-                <a:solidFill>
-                  <a:schemeClr val="bg1"/>
-                </a:solidFill>
-                <a:latin typeface="Consolas" charset="0"/>
-                <a:ea typeface="Consolas" charset="0"/>
-                <a:cs typeface="Consolas" charset="0"/>
-              </a:rPr>
-              <a:t> main(</a:t>
-            </a:r>
-            <a:r>
-              <a:rPr lang="en-US" sz="2000" dirty="0" err="1" smtClean="0">
-                <a:solidFill>
-                  <a:schemeClr val="bg1"/>
-                </a:solidFill>
-                <a:latin typeface="Consolas" charset="0"/>
-                <a:ea typeface="Consolas" charset="0"/>
-                <a:cs typeface="Consolas" charset="0"/>
-              </a:rPr>
-              <a:t>int</a:t>
-            </a:r>
-            <a:r>
-              <a:rPr lang="en-US" sz="2000" dirty="0" smtClean="0">
-                <a:solidFill>
-                  <a:schemeClr val="bg1"/>
-                </a:solidFill>
-                <a:latin typeface="Consolas" charset="0"/>
-                <a:ea typeface="Consolas" charset="0"/>
-                <a:cs typeface="Consolas" charset="0"/>
-              </a:rPr>
-              <a:t> </a:t>
-            </a:r>
-            <a:r>
-              <a:rPr lang="en-US" sz="2000" dirty="0" err="1" smtClean="0">
-                <a:solidFill>
-                  <a:schemeClr val="bg1"/>
-                </a:solidFill>
-                <a:latin typeface="Consolas" charset="0"/>
-                <a:ea typeface="Consolas" charset="0"/>
-                <a:cs typeface="Consolas" charset="0"/>
-              </a:rPr>
-              <a:t>argc</a:t>
-            </a:r>
-            <a:r>
-              <a:rPr lang="en-US" sz="2000" dirty="0" smtClean="0">
-                <a:solidFill>
-                  <a:schemeClr val="bg1"/>
-                </a:solidFill>
-                <a:latin typeface="Consolas" charset="0"/>
-                <a:ea typeface="Consolas" charset="0"/>
-                <a:cs typeface="Consolas" charset="0"/>
-              </a:rPr>
-              <a:t>, char * </a:t>
-            </a:r>
-            <a:r>
-              <a:rPr lang="en-US" sz="2000" dirty="0" err="1" smtClean="0">
-                <a:solidFill>
-                  <a:schemeClr val="bg1"/>
-                </a:solidFill>
-                <a:latin typeface="Consolas" charset="0"/>
-                <a:ea typeface="Consolas" charset="0"/>
-                <a:cs typeface="Consolas" charset="0"/>
-              </a:rPr>
-              <a:t>argv</a:t>
-            </a:r>
-            <a:r>
-              <a:rPr lang="en-US" sz="2000" dirty="0" smtClean="0">
-                <a:solidFill>
-                  <a:schemeClr val="bg1"/>
-                </a:solidFill>
-                <a:latin typeface="Consolas" charset="0"/>
-                <a:ea typeface="Consolas" charset="0"/>
-                <a:cs typeface="Consolas" charset="0"/>
-              </a:rPr>
-              <a:t>[]) {</a:t>
-            </a:r>
-          </a:p>
-          <a:p>
-            <a:r>
-              <a:rPr lang="en-US" sz="2000" dirty="0">
-                <a:solidFill>
-                  <a:schemeClr val="bg1"/>
-                </a:solidFill>
-                <a:latin typeface="Consolas" charset="0"/>
-                <a:ea typeface="Consolas" charset="0"/>
-                <a:cs typeface="Consolas" charset="0"/>
-              </a:rPr>
-              <a:t>	</a:t>
-            </a:r>
-            <a:r>
-              <a:rPr lang="en-US" sz="2000" dirty="0" err="1" smtClean="0">
-                <a:solidFill>
-                  <a:schemeClr val="bg1"/>
-                </a:solidFill>
-                <a:latin typeface="Consolas" charset="0"/>
-                <a:ea typeface="Consolas" charset="0"/>
-                <a:cs typeface="Consolas" charset="0"/>
-              </a:rPr>
-              <a:t>printf</a:t>
-            </a:r>
-            <a:r>
-              <a:rPr lang="en-US" sz="2000" dirty="0" smtClean="0">
-                <a:solidFill>
-                  <a:schemeClr val="bg1"/>
-                </a:solidFill>
-                <a:latin typeface="Consolas" charset="0"/>
-                <a:ea typeface="Consolas" charset="0"/>
-                <a:cs typeface="Consolas" charset="0"/>
-              </a:rPr>
-              <a:t>("%s", </a:t>
-            </a:r>
-            <a:r>
-              <a:rPr lang="en-US" sz="2000" dirty="0" err="1" smtClean="0">
-                <a:solidFill>
-                  <a:schemeClr val="bg1"/>
-                </a:solidFill>
-                <a:latin typeface="Consolas" charset="0"/>
-                <a:ea typeface="Consolas" charset="0"/>
-                <a:cs typeface="Consolas" charset="0"/>
-              </a:rPr>
-              <a:t>argv</a:t>
-            </a:r>
-            <a:r>
-              <a:rPr lang="en-US" sz="2000" dirty="0" smtClean="0">
-                <a:solidFill>
-                  <a:schemeClr val="bg1"/>
-                </a:solidFill>
-                <a:latin typeface="Consolas" charset="0"/>
-                <a:ea typeface="Consolas" charset="0"/>
-                <a:cs typeface="Consolas" charset="0"/>
-              </a:rPr>
-              <a:t>[2]);</a:t>
-            </a:r>
-          </a:p>
-          <a:p>
-            <a:r>
-              <a:rPr lang="en-US" sz="2000" dirty="0" smtClean="0">
-                <a:solidFill>
-                  <a:schemeClr val="bg1"/>
-                </a:solidFill>
-                <a:latin typeface="Consolas" charset="0"/>
-                <a:ea typeface="Consolas" charset="0"/>
-                <a:cs typeface="Consolas" charset="0"/>
-              </a:rPr>
-              <a:t>	return 0;</a:t>
             </a:r>
             <a:endParaRPr lang="en-US" sz="2000" dirty="0">
               <a:solidFill>
@@ -9492,7 +8827,202 @@
           </a:p>
           <a:p>
             <a:r>
-              <a:rPr lang="en-US" sz="2000" dirty="0" smtClean="0">
+              <a:rPr lang="en-US" sz="2000" dirty="0">
+                <a:solidFill>
+                  <a:schemeClr val="bg1"/>
+                </a:solidFill>
+                <a:latin typeface="Consolas" charset="0"/>
+                <a:ea typeface="Consolas" charset="0"/>
+                <a:cs typeface="Consolas" charset="0"/>
+              </a:rPr>
+              <a:t>#include &lt;</a:t>
+            </a:r>
+            <a:r>
+              <a:rPr lang="en-US" sz="2000" dirty="0" err="1">
+                <a:solidFill>
+                  <a:schemeClr val="bg1"/>
+                </a:solidFill>
+                <a:latin typeface="Consolas" charset="0"/>
+                <a:ea typeface="Consolas" charset="0"/>
+                <a:cs typeface="Consolas" charset="0"/>
+              </a:rPr>
+              <a:t>stdio.h</a:t>
+            </a:r>
+            <a:r>
+              <a:rPr lang="en-US" sz="2000" dirty="0">
+                <a:solidFill>
+                  <a:schemeClr val="bg1"/>
+                </a:solidFill>
+                <a:latin typeface="Consolas" charset="0"/>
+                <a:ea typeface="Consolas" charset="0"/>
+                <a:cs typeface="Consolas" charset="0"/>
+              </a:rPr>
+              <a:t>&gt;</a:t>
+            </a:r>
+          </a:p>
+          <a:p>
+            <a:r>
+              <a:rPr lang="en-US" sz="2000" dirty="0" err="1">
+                <a:solidFill>
+                  <a:schemeClr val="bg1"/>
+                </a:solidFill>
+                <a:latin typeface="Consolas" charset="0"/>
+                <a:ea typeface="Consolas" charset="0"/>
+                <a:cs typeface="Consolas" charset="0"/>
+              </a:rPr>
+              <a:t>int</a:t>
+            </a:r>
+            <a:r>
+              <a:rPr lang="en-US" sz="2000" dirty="0">
+                <a:solidFill>
+                  <a:schemeClr val="bg1"/>
+                </a:solidFill>
+                <a:latin typeface="Consolas" charset="0"/>
+                <a:ea typeface="Consolas" charset="0"/>
+                <a:cs typeface="Consolas" charset="0"/>
+              </a:rPr>
+              <a:t> main(</a:t>
+            </a:r>
+            <a:r>
+              <a:rPr lang="en-US" sz="2000" dirty="0" err="1">
+                <a:solidFill>
+                  <a:schemeClr val="bg1"/>
+                </a:solidFill>
+                <a:latin typeface="Consolas" charset="0"/>
+                <a:ea typeface="Consolas" charset="0"/>
+                <a:cs typeface="Consolas" charset="0"/>
+              </a:rPr>
+              <a:t>int</a:t>
+            </a:r>
+            <a:r>
+              <a:rPr lang="en-US" sz="2000" dirty="0">
+                <a:solidFill>
+                  <a:schemeClr val="bg1"/>
+                </a:solidFill>
+                <a:latin typeface="Consolas" charset="0"/>
+                <a:ea typeface="Consolas" charset="0"/>
+                <a:cs typeface="Consolas" charset="0"/>
+              </a:rPr>
+              <a:t> </a:t>
+            </a:r>
+            <a:r>
+              <a:rPr lang="en-US" sz="2000" dirty="0" err="1">
+                <a:solidFill>
+                  <a:schemeClr val="bg1"/>
+                </a:solidFill>
+                <a:latin typeface="Consolas" charset="0"/>
+                <a:ea typeface="Consolas" charset="0"/>
+                <a:cs typeface="Consolas" charset="0"/>
+              </a:rPr>
+              <a:t>argc</a:t>
+            </a:r>
+            <a:r>
+              <a:rPr lang="en-US" sz="2000" dirty="0">
+                <a:solidFill>
+                  <a:schemeClr val="bg1"/>
+                </a:solidFill>
+                <a:latin typeface="Consolas" charset="0"/>
+                <a:ea typeface="Consolas" charset="0"/>
+                <a:cs typeface="Consolas" charset="0"/>
+              </a:rPr>
+              <a:t>, char * </a:t>
+            </a:r>
+            <a:r>
+              <a:rPr lang="en-US" sz="2000" dirty="0" err="1">
+                <a:solidFill>
+                  <a:schemeClr val="bg1"/>
+                </a:solidFill>
+                <a:latin typeface="Consolas" charset="0"/>
+                <a:ea typeface="Consolas" charset="0"/>
+                <a:cs typeface="Consolas" charset="0"/>
+              </a:rPr>
+              <a:t>argv</a:t>
+            </a:r>
+            <a:r>
+              <a:rPr lang="en-US" sz="2000" dirty="0">
+                <a:solidFill>
+                  <a:schemeClr val="bg1"/>
+                </a:solidFill>
+                <a:latin typeface="Consolas" charset="0"/>
+                <a:ea typeface="Consolas" charset="0"/>
+                <a:cs typeface="Consolas" charset="0"/>
+              </a:rPr>
+              <a:t>[]) {</a:t>
+            </a:r>
+          </a:p>
+          <a:p>
+            <a:r>
+              <a:rPr lang="en-US" sz="2000" dirty="0">
+                <a:solidFill>
+                  <a:schemeClr val="bg1"/>
+                </a:solidFill>
+                <a:latin typeface="Consolas" charset="0"/>
+                <a:ea typeface="Consolas" charset="0"/>
+                <a:cs typeface="Consolas" charset="0"/>
+              </a:rPr>
+              <a:t>	</a:t>
+            </a:r>
+            <a:r>
+              <a:rPr lang="en-US" sz="2000" dirty="0" err="1">
+                <a:solidFill>
+                  <a:schemeClr val="bg1"/>
+                </a:solidFill>
+                <a:latin typeface="Consolas" charset="0"/>
+                <a:ea typeface="Consolas" charset="0"/>
+                <a:cs typeface="Consolas" charset="0"/>
+              </a:rPr>
+              <a:t>printf</a:t>
+            </a:r>
+            <a:r>
+              <a:rPr lang="en-US" sz="2000" dirty="0">
+                <a:solidFill>
+                  <a:schemeClr val="bg1"/>
+                </a:solidFill>
+                <a:latin typeface="Consolas" charset="0"/>
+                <a:ea typeface="Consolas" charset="0"/>
+                <a:cs typeface="Consolas" charset="0"/>
+              </a:rPr>
+              <a:t>("%s", </a:t>
+            </a:r>
+            <a:r>
+              <a:rPr lang="en-US" sz="2000" dirty="0" err="1">
+                <a:solidFill>
+                  <a:schemeClr val="bg1"/>
+                </a:solidFill>
+                <a:latin typeface="Consolas" charset="0"/>
+                <a:ea typeface="Consolas" charset="0"/>
+                <a:cs typeface="Consolas" charset="0"/>
+              </a:rPr>
+              <a:t>argv</a:t>
+            </a:r>
+            <a:r>
+              <a:rPr lang="en-US" sz="2000" dirty="0">
+                <a:solidFill>
+                  <a:schemeClr val="bg1"/>
+                </a:solidFill>
+                <a:latin typeface="Consolas" charset="0"/>
+                <a:ea typeface="Consolas" charset="0"/>
+                <a:cs typeface="Consolas" charset="0"/>
+              </a:rPr>
+              <a:t>[2]);</a:t>
+            </a:r>
+          </a:p>
+          <a:p>
+            <a:r>
+              <a:rPr lang="en-US" sz="2000" dirty="0">
+                <a:solidFill>
+                  <a:schemeClr val="bg1"/>
+                </a:solidFill>
+                <a:latin typeface="Consolas" charset="0"/>
+                <a:ea typeface="Consolas" charset="0"/>
+                <a:cs typeface="Consolas" charset="0"/>
+              </a:rPr>
+              <a:t>	return 0;</a:t>
+            </a:r>
+          </a:p>
+          <a:p>
+            <a:r>
+              <a:rPr lang="en-US" sz="2000" dirty="0">
                 <a:solidFill>
                   <a:schemeClr val="bg1"/>
                 </a:solidFill>
@@ -9515,13 +9045,6 @@
   <p:clrMapOvr>
     <a:masterClrMapping/>
   </p:clrMapOvr>
-  <p:timing>
-    <p:tnLst>
-      <p:par>
-        <p:cTn id="1" dur="indefinite" restart="never" nodeType="tmRoot"/>
-      </p:par>
-    </p:tnLst>
-  </p:timing>
 </p:sld>
 </file>
 
@@ -9605,43 +9128,32 @@
           <a:lstStyle/>
           <a:p>
             <a:r>
-              <a:rPr lang="en-US" sz="3600" dirty="0" smtClean="0">
+              <a:rPr lang="en-US" sz="3600" dirty="0">
                 <a:solidFill>
                   <a:schemeClr val="bg1"/>
                 </a:solidFill>
               </a:rPr>
               <a:t>What is the output of:</a:t>
-            </a:r>
-            <a:br>
-              <a:rPr lang="en-US" sz="3600" dirty="0" smtClean="0">
-                <a:solidFill>
-                  <a:schemeClr val="bg1"/>
-                </a:solidFill>
-              </a:rPr>
-            </a:br>
-            <a:r>
-              <a:rPr lang="en-US" sz="3600" dirty="0">
-                <a:solidFill>
-                  <a:schemeClr val="bg1"/>
-                </a:solidFill>
-                <a:latin typeface="Consolas" charset="0"/>
-                <a:ea typeface="Consolas" charset="0"/>
-                <a:cs typeface="Consolas" charset="0"/>
-              </a:rPr>
-              <a:t/>
             </a:r>
             <a:br>
               <a:rPr lang="en-US" sz="3600" dirty="0">
                 <a:solidFill>
                   <a:schemeClr val="bg1"/>
                 </a:solidFill>
-                <a:latin typeface="Consolas" charset="0"/>
-                <a:ea typeface="Consolas" charset="0"/>
-                <a:cs typeface="Consolas" charset="0"/>
               </a:rPr>
             </a:br>
-            <a:r>
-              <a:rPr lang="en-US" sz="3600" dirty="0" smtClean="0">
+            <a:br>
+              <a:rPr lang="en-US" sz="3600" dirty="0">
+                <a:solidFill>
+                  <a:schemeClr val="bg1"/>
+                </a:solidFill>
+                <a:latin typeface="Consolas" charset="0"/>
+                <a:ea typeface="Consolas" charset="0"/>
+                <a:cs typeface="Consolas" charset="0"/>
+              </a:rPr>
+            </a:br>
+            <a:r>
+              <a:rPr lang="en-US" sz="3600" dirty="0">
                 <a:solidFill>
                   <a:schemeClr val="bg1"/>
                 </a:solidFill>
@@ -9652,7 +9164,7 @@
               <a:t>./index josh &lt;</a:t>
             </a:r>
             <a:r>
-              <a:rPr lang="en-US" sz="3600" dirty="0" err="1" smtClean="0">
+              <a:rPr lang="en-US" sz="3600" dirty="0" err="1">
                 <a:solidFill>
                   <a:schemeClr val="bg1"/>
                 </a:solidFill>
@@ -9663,7 +9175,7 @@
               <a:t>input.txt</a:t>
             </a:r>
             <a:r>
-              <a:rPr lang="en-US" sz="3600" dirty="0" smtClean="0">
+              <a:rPr lang="en-US" sz="3600" dirty="0">
                 <a:solidFill>
                   <a:schemeClr val="bg1"/>
                 </a:solidFill>
@@ -9869,7 +9381,7 @@
               <a:buAutoNum type="arabicPeriod"/>
             </a:pPr>
             <a:r>
-              <a:rPr lang="en-US" sz="3600" dirty="0" smtClean="0">
+              <a:rPr lang="en-US" sz="3600" dirty="0">
                 <a:solidFill>
                   <a:srgbClr val="0CFA02"/>
                 </a:solidFill>
@@ -9879,14 +9391,6 @@
               </a:rPr>
               <a:t>./index</a:t>
             </a:r>
-            <a:endParaRPr lang="en-US" sz="3600" dirty="0" smtClean="0">
-              <a:solidFill>
-                <a:srgbClr val="0CFA02"/>
-              </a:solidFill>
-              <a:latin typeface="Consolas" charset="0"/>
-              <a:ea typeface="Consolas" charset="0"/>
-              <a:cs typeface="Consolas" charset="0"/>
-            </a:endParaRPr>
           </a:p>
           <a:p>
             <a:pPr marL="742950" indent="-742950">
@@ -9894,7 +9398,7 @@
               <a:buAutoNum type="arabicPeriod"/>
             </a:pPr>
             <a:r>
-              <a:rPr lang="en-US" sz="3600" dirty="0" smtClean="0">
+              <a:rPr lang="en-US" sz="3600" dirty="0">
                 <a:solidFill>
                   <a:srgbClr val="FEFB01"/>
                 </a:solidFill>
@@ -9904,14 +9408,6 @@
               </a:rPr>
               <a:t>josh</a:t>
             </a:r>
-            <a:endParaRPr lang="en-US" sz="3600" dirty="0" smtClean="0">
-              <a:solidFill>
-                <a:srgbClr val="FEFB01"/>
-              </a:solidFill>
-              <a:latin typeface="Consolas" charset="0"/>
-              <a:ea typeface="Consolas" charset="0"/>
-              <a:cs typeface="Consolas" charset="0"/>
-            </a:endParaRPr>
           </a:p>
           <a:p>
             <a:pPr marL="742950" indent="-742950">
@@ -9919,7 +9415,7 @@
               <a:buAutoNum type="arabicPeriod"/>
             </a:pPr>
             <a:r>
-              <a:rPr lang="en-US" sz="3600" dirty="0" smtClean="0">
+              <a:rPr lang="en-US" sz="3600" dirty="0">
                 <a:solidFill>
                   <a:srgbClr val="F5A007"/>
                 </a:solidFill>
@@ -9929,14 +9425,6 @@
               </a:rPr>
               <a:t>7</a:t>
             </a:r>
-            <a:endParaRPr lang="en-US" sz="3600" dirty="0" smtClean="0">
-              <a:solidFill>
-                <a:srgbClr val="F5A007"/>
-              </a:solidFill>
-              <a:latin typeface="Consolas" charset="0"/>
-              <a:ea typeface="Consolas" charset="0"/>
-              <a:cs typeface="Consolas" charset="0"/>
-            </a:endParaRPr>
           </a:p>
           <a:p>
             <a:pPr marL="742950" indent="-742950">
@@ -9944,7 +9432,7 @@
               <a:buAutoNum type="arabicPeriod"/>
             </a:pPr>
             <a:r>
-              <a:rPr lang="en-US" sz="3600" dirty="0" smtClean="0">
+              <a:rPr lang="en-US" sz="3600" dirty="0">
                 <a:solidFill>
                   <a:srgbClr val="F21AF1"/>
                 </a:solidFill>
@@ -9954,14 +9442,6 @@
               </a:rPr>
               <a:t>-6</a:t>
             </a:r>
-            <a:endParaRPr lang="en-US" sz="3600" dirty="0">
-              <a:solidFill>
-                <a:srgbClr val="F21AF1"/>
-              </a:solidFill>
-              <a:latin typeface="Consolas" charset="0"/>
-              <a:ea typeface="Consolas" charset="0"/>
-              <a:cs typeface="Consolas" charset="0"/>
-            </a:endParaRPr>
           </a:p>
         </p:txBody>
       </p:sp>
@@ -9988,7 +9468,7 @@
           <a:lstStyle/>
           <a:p>
             <a:r>
-              <a:rPr lang="en-US" sz="2000" dirty="0" smtClean="0">
+              <a:rPr lang="en-US" sz="2000" dirty="0">
                 <a:solidFill>
                   <a:schemeClr val="bg1"/>
                 </a:solidFill>
@@ -9999,7 +9479,7 @@
               <a:t>//Contents of </a:t>
             </a:r>
             <a:r>
-              <a:rPr lang="en-US" sz="2000" dirty="0" err="1" smtClean="0">
+              <a:rPr lang="en-US" sz="2000" dirty="0" err="1">
                 <a:solidFill>
                   <a:schemeClr val="bg1"/>
                 </a:solidFill>
@@ -10008,209 +9488,6 @@
                 <a:cs typeface="Consolas" charset="0"/>
               </a:rPr>
               <a:t>index.c</a:t>
-            </a:r>
-            <a:endParaRPr lang="en-US" sz="2000" dirty="0" smtClean="0">
-              <a:solidFill>
-                <a:schemeClr val="bg1"/>
-              </a:solidFill>
-              <a:latin typeface="Consolas" charset="0"/>
-              <a:ea typeface="Consolas" charset="0"/>
-              <a:cs typeface="Consolas" charset="0"/>
-            </a:endParaRPr>
-          </a:p>
-          <a:p>
-            <a:r>
-              <a:rPr lang="en-US" sz="2000" dirty="0" smtClean="0">
-                <a:solidFill>
-                  <a:schemeClr val="bg1"/>
-                </a:solidFill>
-                <a:latin typeface="Consolas" charset="0"/>
-                <a:ea typeface="Consolas" charset="0"/>
-                <a:cs typeface="Consolas" charset="0"/>
-              </a:rPr>
-              <a:t>#include &lt;</a:t>
-            </a:r>
-            <a:r>
-              <a:rPr lang="en-US" sz="2000" dirty="0" err="1" smtClean="0">
-                <a:solidFill>
-                  <a:schemeClr val="bg1"/>
-                </a:solidFill>
-                <a:latin typeface="Consolas" charset="0"/>
-                <a:ea typeface="Consolas" charset="0"/>
-                <a:cs typeface="Consolas" charset="0"/>
-              </a:rPr>
-              <a:t>stdio.h</a:t>
-            </a:r>
-            <a:r>
-              <a:rPr lang="en-US" sz="2000" dirty="0" smtClean="0">
-                <a:solidFill>
-                  <a:schemeClr val="bg1"/>
-                </a:solidFill>
-                <a:latin typeface="Consolas" charset="0"/>
-                <a:ea typeface="Consolas" charset="0"/>
-                <a:cs typeface="Consolas" charset="0"/>
-              </a:rPr>
-              <a:t>&gt;</a:t>
-            </a:r>
-          </a:p>
-          <a:p>
-            <a:r>
-              <a:rPr lang="en-US" sz="2000" dirty="0" err="1" smtClean="0">
-                <a:solidFill>
-                  <a:schemeClr val="bg1"/>
-                </a:solidFill>
-                <a:latin typeface="Consolas" charset="0"/>
-                <a:ea typeface="Consolas" charset="0"/>
-                <a:cs typeface="Consolas" charset="0"/>
-              </a:rPr>
-              <a:t>int</a:t>
-            </a:r>
-            <a:r>
-              <a:rPr lang="en-US" sz="2000" dirty="0" smtClean="0">
-                <a:solidFill>
-                  <a:schemeClr val="bg1"/>
-                </a:solidFill>
-                <a:latin typeface="Consolas" charset="0"/>
-                <a:ea typeface="Consolas" charset="0"/>
-                <a:cs typeface="Consolas" charset="0"/>
-              </a:rPr>
-              <a:t> main(</a:t>
-            </a:r>
-            <a:r>
-              <a:rPr lang="en-US" sz="2000" dirty="0" err="1" smtClean="0">
-                <a:solidFill>
-                  <a:schemeClr val="bg1"/>
-                </a:solidFill>
-                <a:latin typeface="Consolas" charset="0"/>
-                <a:ea typeface="Consolas" charset="0"/>
-                <a:cs typeface="Consolas" charset="0"/>
-              </a:rPr>
-              <a:t>int</a:t>
-            </a:r>
-            <a:r>
-              <a:rPr lang="en-US" sz="2000" dirty="0" smtClean="0">
-                <a:solidFill>
-                  <a:schemeClr val="bg1"/>
-                </a:solidFill>
-                <a:latin typeface="Consolas" charset="0"/>
-                <a:ea typeface="Consolas" charset="0"/>
-                <a:cs typeface="Consolas" charset="0"/>
-              </a:rPr>
-              <a:t> </a:t>
-            </a:r>
-            <a:r>
-              <a:rPr lang="en-US" sz="2000" dirty="0" err="1" smtClean="0">
-                <a:solidFill>
-                  <a:schemeClr val="bg1"/>
-                </a:solidFill>
-                <a:latin typeface="Consolas" charset="0"/>
-                <a:ea typeface="Consolas" charset="0"/>
-                <a:cs typeface="Consolas" charset="0"/>
-              </a:rPr>
-              <a:t>argc</a:t>
-            </a:r>
-            <a:r>
-              <a:rPr lang="en-US" sz="2000" dirty="0" smtClean="0">
-                <a:solidFill>
-                  <a:schemeClr val="bg1"/>
-                </a:solidFill>
-                <a:latin typeface="Consolas" charset="0"/>
-                <a:ea typeface="Consolas" charset="0"/>
-                <a:cs typeface="Consolas" charset="0"/>
-              </a:rPr>
-              <a:t>, char * </a:t>
-            </a:r>
-            <a:r>
-              <a:rPr lang="en-US" sz="2000" dirty="0" err="1" smtClean="0">
-                <a:solidFill>
-                  <a:schemeClr val="bg1"/>
-                </a:solidFill>
-                <a:latin typeface="Consolas" charset="0"/>
-                <a:ea typeface="Consolas" charset="0"/>
-                <a:cs typeface="Consolas" charset="0"/>
-              </a:rPr>
-              <a:t>argv</a:t>
-            </a:r>
-            <a:r>
-              <a:rPr lang="en-US" sz="2000" dirty="0" smtClean="0">
-                <a:solidFill>
-                  <a:schemeClr val="bg1"/>
-                </a:solidFill>
-                <a:latin typeface="Consolas" charset="0"/>
-                <a:ea typeface="Consolas" charset="0"/>
-                <a:cs typeface="Consolas" charset="0"/>
-              </a:rPr>
-              <a:t>[]) {</a:t>
-            </a:r>
-          </a:p>
-          <a:p>
-            <a:r>
-              <a:rPr lang="en-US" sz="2000" dirty="0">
-                <a:solidFill>
-                  <a:schemeClr val="bg1"/>
-                </a:solidFill>
-                <a:latin typeface="Consolas" charset="0"/>
-                <a:ea typeface="Consolas" charset="0"/>
-                <a:cs typeface="Consolas" charset="0"/>
-              </a:rPr>
-              <a:t>	</a:t>
-            </a:r>
-            <a:r>
-              <a:rPr lang="en-US" sz="2000" dirty="0" err="1" smtClean="0">
-                <a:solidFill>
-                  <a:schemeClr val="bg1"/>
-                </a:solidFill>
-                <a:latin typeface="Consolas" charset="0"/>
-                <a:ea typeface="Consolas" charset="0"/>
-                <a:cs typeface="Consolas" charset="0"/>
-              </a:rPr>
-              <a:t>printf</a:t>
-            </a:r>
-            <a:r>
-              <a:rPr lang="en-US" sz="2000" dirty="0" smtClean="0">
-                <a:solidFill>
-                  <a:schemeClr val="bg1"/>
-                </a:solidFill>
-                <a:latin typeface="Consolas" charset="0"/>
-                <a:ea typeface="Consolas" charset="0"/>
-                <a:cs typeface="Consolas" charset="0"/>
-              </a:rPr>
-              <a:t>("%s", </a:t>
-            </a:r>
-            <a:r>
-              <a:rPr lang="en-US" sz="2000" dirty="0" err="1" smtClean="0">
-                <a:solidFill>
-                  <a:schemeClr val="bg1"/>
-                </a:solidFill>
-                <a:latin typeface="Consolas" charset="0"/>
-                <a:ea typeface="Consolas" charset="0"/>
-                <a:cs typeface="Consolas" charset="0"/>
-              </a:rPr>
-              <a:t>argv</a:t>
-            </a:r>
-            <a:r>
-              <a:rPr lang="en-US" sz="2000" dirty="0" smtClean="0">
-                <a:solidFill>
-                  <a:schemeClr val="bg1"/>
-                </a:solidFill>
-                <a:latin typeface="Consolas" charset="0"/>
-                <a:ea typeface="Consolas" charset="0"/>
-                <a:cs typeface="Consolas" charset="0"/>
-              </a:rPr>
-              <a:t>[2]);</a:t>
-            </a:r>
-          </a:p>
-          <a:p>
-            <a:r>
-              <a:rPr lang="en-US" sz="2000" dirty="0" smtClean="0">
-                <a:solidFill>
-                  <a:schemeClr val="bg1"/>
-                </a:solidFill>
-                <a:latin typeface="Consolas" charset="0"/>
-                <a:ea typeface="Consolas" charset="0"/>
-                <a:cs typeface="Consolas" charset="0"/>
-              </a:rPr>
-              <a:t>	return 0;</a:t>
             </a:r>
             <a:endParaRPr lang="en-US" sz="2000" dirty="0">
               <a:solidFill>
@@ -10223,7 +9500,202 @@
           </a:p>
           <a:p>
             <a:r>
-              <a:rPr lang="en-US" sz="2000" dirty="0" smtClean="0">
+              <a:rPr lang="en-US" sz="2000" dirty="0">
+                <a:solidFill>
+                  <a:schemeClr val="bg1"/>
+                </a:solidFill>
+                <a:latin typeface="Consolas" charset="0"/>
+                <a:ea typeface="Consolas" charset="0"/>
+                <a:cs typeface="Consolas" charset="0"/>
+              </a:rPr>
+              <a:t>#include &lt;</a:t>
+            </a:r>
+            <a:r>
+              <a:rPr lang="en-US" sz="2000" dirty="0" err="1">
+                <a:solidFill>
+                  <a:schemeClr val="bg1"/>
+                </a:solidFill>
+                <a:latin typeface="Consolas" charset="0"/>
+                <a:ea typeface="Consolas" charset="0"/>
+                <a:cs typeface="Consolas" charset="0"/>
+              </a:rPr>
+              <a:t>stdio.h</a:t>
+            </a:r>
+            <a:r>
+              <a:rPr lang="en-US" sz="2000" dirty="0">
+                <a:solidFill>
+                  <a:schemeClr val="bg1"/>
+                </a:solidFill>
+                <a:latin typeface="Consolas" charset="0"/>
+                <a:ea typeface="Consolas" charset="0"/>
+                <a:cs typeface="Consolas" charset="0"/>
+              </a:rPr>
+              <a:t>&gt;</a:t>
+            </a:r>
+          </a:p>
+          <a:p>
+            <a:r>
+              <a:rPr lang="en-US" sz="2000" dirty="0" err="1">
+                <a:solidFill>
+                  <a:schemeClr val="bg1"/>
+                </a:solidFill>
+                <a:latin typeface="Consolas" charset="0"/>
+                <a:ea typeface="Consolas" charset="0"/>
+                <a:cs typeface="Consolas" charset="0"/>
+              </a:rPr>
+              <a:t>int</a:t>
+            </a:r>
+            <a:r>
+              <a:rPr lang="en-US" sz="2000" dirty="0">
+                <a:solidFill>
+                  <a:schemeClr val="bg1"/>
+                </a:solidFill>
+                <a:latin typeface="Consolas" charset="0"/>
+                <a:ea typeface="Consolas" charset="0"/>
+                <a:cs typeface="Consolas" charset="0"/>
+              </a:rPr>
+              <a:t> main(</a:t>
+            </a:r>
+            <a:r>
+              <a:rPr lang="en-US" sz="2000" dirty="0" err="1">
+                <a:solidFill>
+                  <a:schemeClr val="bg1"/>
+                </a:solidFill>
+                <a:latin typeface="Consolas" charset="0"/>
+                <a:ea typeface="Consolas" charset="0"/>
+                <a:cs typeface="Consolas" charset="0"/>
+              </a:rPr>
+              <a:t>int</a:t>
+            </a:r>
+            <a:r>
+              <a:rPr lang="en-US" sz="2000" dirty="0">
+                <a:solidFill>
+                  <a:schemeClr val="bg1"/>
+                </a:solidFill>
+                <a:latin typeface="Consolas" charset="0"/>
+                <a:ea typeface="Consolas" charset="0"/>
+                <a:cs typeface="Consolas" charset="0"/>
+              </a:rPr>
+              <a:t> </a:t>
+            </a:r>
+            <a:r>
+              <a:rPr lang="en-US" sz="2000" dirty="0" err="1">
+                <a:solidFill>
+                  <a:schemeClr val="bg1"/>
+                </a:solidFill>
+                <a:latin typeface="Consolas" charset="0"/>
+                <a:ea typeface="Consolas" charset="0"/>
+                <a:cs typeface="Consolas" charset="0"/>
+              </a:rPr>
+              <a:t>argc</a:t>
+            </a:r>
+            <a:r>
+              <a:rPr lang="en-US" sz="2000" dirty="0">
+                <a:solidFill>
+                  <a:schemeClr val="bg1"/>
+                </a:solidFill>
+                <a:latin typeface="Consolas" charset="0"/>
+                <a:ea typeface="Consolas" charset="0"/>
+                <a:cs typeface="Consolas" charset="0"/>
+              </a:rPr>
+              <a:t>, char * </a:t>
+            </a:r>
+            <a:r>
+              <a:rPr lang="en-US" sz="2000" dirty="0" err="1">
+                <a:solidFill>
+                  <a:schemeClr val="bg1"/>
+                </a:solidFill>
+                <a:latin typeface="Consolas" charset="0"/>
+                <a:ea typeface="Consolas" charset="0"/>
+                <a:cs typeface="Consolas" charset="0"/>
+              </a:rPr>
+              <a:t>argv</a:t>
+            </a:r>
+            <a:r>
+              <a:rPr lang="en-US" sz="2000" dirty="0">
+                <a:solidFill>
+                  <a:schemeClr val="bg1"/>
+                </a:solidFill>
+                <a:latin typeface="Consolas" charset="0"/>
+                <a:ea typeface="Consolas" charset="0"/>
+                <a:cs typeface="Consolas" charset="0"/>
+              </a:rPr>
+              <a:t>[]) {</a:t>
+            </a:r>
+          </a:p>
+          <a:p>
+            <a:r>
+              <a:rPr lang="en-US" sz="2000" dirty="0">
+                <a:solidFill>
+                  <a:schemeClr val="bg1"/>
+                </a:solidFill>
+                <a:latin typeface="Consolas" charset="0"/>
+                <a:ea typeface="Consolas" charset="0"/>
+                <a:cs typeface="Consolas" charset="0"/>
+              </a:rPr>
+              <a:t>	</a:t>
+            </a:r>
+            <a:r>
+              <a:rPr lang="en-US" sz="2000" dirty="0" err="1">
+                <a:solidFill>
+                  <a:schemeClr val="bg1"/>
+                </a:solidFill>
+                <a:latin typeface="Consolas" charset="0"/>
+                <a:ea typeface="Consolas" charset="0"/>
+                <a:cs typeface="Consolas" charset="0"/>
+              </a:rPr>
+              <a:t>printf</a:t>
+            </a:r>
+            <a:r>
+              <a:rPr lang="en-US" sz="2000" dirty="0">
+                <a:solidFill>
+                  <a:schemeClr val="bg1"/>
+                </a:solidFill>
+                <a:latin typeface="Consolas" charset="0"/>
+                <a:ea typeface="Consolas" charset="0"/>
+                <a:cs typeface="Consolas" charset="0"/>
+              </a:rPr>
+              <a:t>("%s", </a:t>
+            </a:r>
+            <a:r>
+              <a:rPr lang="en-US" sz="2000" dirty="0" err="1">
+                <a:solidFill>
+                  <a:schemeClr val="bg1"/>
+                </a:solidFill>
+                <a:latin typeface="Consolas" charset="0"/>
+                <a:ea typeface="Consolas" charset="0"/>
+                <a:cs typeface="Consolas" charset="0"/>
+              </a:rPr>
+              <a:t>argv</a:t>
+            </a:r>
+            <a:r>
+              <a:rPr lang="en-US" sz="2000" dirty="0">
+                <a:solidFill>
+                  <a:schemeClr val="bg1"/>
+                </a:solidFill>
+                <a:latin typeface="Consolas" charset="0"/>
+                <a:ea typeface="Consolas" charset="0"/>
+                <a:cs typeface="Consolas" charset="0"/>
+              </a:rPr>
+              <a:t>[2]);</a:t>
+            </a:r>
+          </a:p>
+          <a:p>
+            <a:r>
+              <a:rPr lang="en-US" sz="2000" dirty="0">
+                <a:solidFill>
+                  <a:schemeClr val="bg1"/>
+                </a:solidFill>
+                <a:latin typeface="Consolas" charset="0"/>
+                <a:ea typeface="Consolas" charset="0"/>
+                <a:cs typeface="Consolas" charset="0"/>
+              </a:rPr>
+              <a:t>	return 0;</a:t>
+            </a:r>
+          </a:p>
+          <a:p>
+            <a:r>
+              <a:rPr lang="en-US" sz="2000" dirty="0">
                 <a:solidFill>
                   <a:schemeClr val="bg1"/>
                 </a:solidFill>
@@ -10246,13 +9718,6 @@
   <p:clrMapOvr>
     <a:masterClrMapping/>
   </p:clrMapOvr>
-  <p:timing>
-    <p:tnLst>
-      <p:par>
-        <p:cTn id="1" dur="indefinite" restart="never" nodeType="tmRoot"/>
-      </p:par>
-    </p:tnLst>
-  </p:timing>
 </p:sld>
 </file>
 
